--- a/res_total/chapter1/scene_understanding.pptx
+++ b/res_total/chapter1/scene_understanding.pptx
@@ -2,7 +2,7 @@
 <file path=ppt/presentation.xml><?xml version="1.0" encoding="utf-8"?>
 <p:presentation xmlns:a="http://schemas.openxmlformats.org/drawingml/2006/main" xmlns:r="http://schemas.openxmlformats.org/officeDocument/2006/relationships" xmlns:p="http://schemas.openxmlformats.org/presentationml/2006/main" saveSubsetFonts="1" autoCompressPictures="0">
   <p:sldMasterIdLst>
-    <p:sldMasterId id="2147483672" r:id="rId1"/>
+    <p:sldMasterId id="2147483684" r:id="rId1"/>
   </p:sldMasterIdLst>
   <p:notesMasterIdLst>
     <p:notesMasterId r:id="rId3"/>
@@ -10,7 +10,7 @@
   <p:sldIdLst>
     <p:sldId id="256" r:id="rId2"/>
   </p:sldIdLst>
-  <p:sldSz cx="10980738" cy="4248150"/>
+  <p:sldSz cx="10980738" cy="4859338"/>
   <p:notesSz cx="6858000" cy="9144000"/>
   <p:defaultTextStyle>
     <a:defPPr>
@@ -110,7 +110,7 @@
   <p:extLst>
     <p:ext uri="{EFAFB233-063F-42B5-8137-9DF3F51BA10A}">
       <p15:sldGuideLst xmlns:p15="http://schemas.microsoft.com/office/powerpoint/2012/main">
-        <p15:guide id="1" orient="horz" pos="2381" userDrawn="1">
+        <p15:guide id="1" orient="horz" pos="2724" userDrawn="1">
           <p15:clr>
             <a:srgbClr val="A4A3A4"/>
           </p15:clr>
@@ -208,7 +208,7 @@
           <a:p>
             <a:fld id="{6335463C-9CD6-F546-950F-2CB1E4F81D82}" type="datetimeFigureOut">
               <a:rPr lang="en-US" smtClean="0"/>
-              <a:t>12/30/19</a:t>
+              <a:t>2/19/20</a:t>
             </a:fld>
             <a:endParaRPr lang="en-US"/>
           </a:p>
@@ -226,8 +226,8 @@
         </p:nvSpPr>
         <p:spPr>
           <a:xfrm>
-            <a:off x="-558800" y="1143000"/>
-            <a:ext cx="7975600" cy="3086100"/>
+            <a:off x="-57150" y="1143000"/>
+            <a:ext cx="6972300" cy="3086100"/>
           </a:xfrm>
           <a:prstGeom prst="rect">
             <a:avLst/>
@@ -503,7 +503,12 @@
             <p:ph type="sldImg"/>
           </p:nvPr>
         </p:nvSpPr>
-        <p:spPr/>
+        <p:spPr>
+          <a:xfrm>
+            <a:off x="-57150" y="1143000"/>
+            <a:ext cx="6972300" cy="3086100"/>
+          </a:xfrm>
+        </p:spPr>
       </p:sp>
       <p:sp>
         <p:nvSpPr>
@@ -589,15 +594,15 @@
         </p:nvSpPr>
         <p:spPr>
           <a:xfrm>
-            <a:off x="1372592" y="695241"/>
-            <a:ext cx="8235554" cy="1478986"/>
+            <a:off x="1372592" y="795267"/>
+            <a:ext cx="8235554" cy="1691770"/>
           </a:xfrm>
         </p:spPr>
         <p:txBody>
           <a:bodyPr anchor="b"/>
           <a:lstStyle>
             <a:lvl1pPr algn="ctr">
-              <a:defRPr sz="3716"/>
+              <a:defRPr sz="4252"/>
             </a:lvl1pPr>
           </a:lstStyle>
           <a:p>
@@ -621,8 +626,8 @@
         </p:nvSpPr>
         <p:spPr>
           <a:xfrm>
-            <a:off x="1372592" y="2231262"/>
-            <a:ext cx="8235554" cy="1025653"/>
+            <a:off x="1372592" y="2552278"/>
+            <a:ext cx="8235554" cy="1173215"/>
           </a:xfrm>
         </p:spPr>
         <p:txBody>
@@ -630,39 +635,39 @@
           <a:lstStyle>
             <a:lvl1pPr marL="0" indent="0" algn="ctr">
               <a:buNone/>
-              <a:defRPr sz="1487"/>
+              <a:defRPr sz="1701"/>
             </a:lvl1pPr>
-            <a:lvl2pPr marL="283190" indent="0" algn="ctr">
+            <a:lvl2pPr marL="323972" indent="0" algn="ctr">
               <a:buNone/>
-              <a:defRPr sz="1239"/>
+              <a:defRPr sz="1417"/>
             </a:lvl2pPr>
-            <a:lvl3pPr marL="566379" indent="0" algn="ctr">
+            <a:lvl3pPr marL="647944" indent="0" algn="ctr">
               <a:buNone/>
-              <a:defRPr sz="1115"/>
+              <a:defRPr sz="1275"/>
             </a:lvl3pPr>
-            <a:lvl4pPr marL="849569" indent="0" algn="ctr">
+            <a:lvl4pPr marL="971916" indent="0" algn="ctr">
               <a:buNone/>
-              <a:defRPr sz="991"/>
+              <a:defRPr sz="1134"/>
             </a:lvl4pPr>
-            <a:lvl5pPr marL="1132759" indent="0" algn="ctr">
+            <a:lvl5pPr marL="1295888" indent="0" algn="ctr">
               <a:buNone/>
-              <a:defRPr sz="991"/>
+              <a:defRPr sz="1134"/>
             </a:lvl5pPr>
-            <a:lvl6pPr marL="1415948" indent="0" algn="ctr">
+            <a:lvl6pPr marL="1619860" indent="0" algn="ctr">
               <a:buNone/>
-              <a:defRPr sz="991"/>
+              <a:defRPr sz="1134"/>
             </a:lvl6pPr>
-            <a:lvl7pPr marL="1699138" indent="0" algn="ctr">
+            <a:lvl7pPr marL="1943832" indent="0" algn="ctr">
               <a:buNone/>
-              <a:defRPr sz="991"/>
+              <a:defRPr sz="1134"/>
             </a:lvl7pPr>
-            <a:lvl8pPr marL="1982328" indent="0" algn="ctr">
+            <a:lvl8pPr marL="2267803" indent="0" algn="ctr">
               <a:buNone/>
-              <a:defRPr sz="991"/>
+              <a:defRPr sz="1134"/>
             </a:lvl8pPr>
-            <a:lvl9pPr marL="2265517" indent="0" algn="ctr">
+            <a:lvl9pPr marL="2591775" indent="0" algn="ctr">
               <a:buNone/>
-              <a:defRPr sz="991"/>
+              <a:defRPr sz="1134"/>
             </a:lvl9pPr>
           </a:lstStyle>
           <a:p>
@@ -691,7 +696,7 @@
           <a:p>
             <a:fld id="{8FDAF252-918C-544C-811A-E52C859CC97F}" type="datetimeFigureOut">
               <a:rPr lang="en-US" smtClean="0"/>
-              <a:t>12/30/19</a:t>
+              <a:t>2/19/20</a:t>
             </a:fld>
             <a:endParaRPr lang="en-US"/>
           </a:p>
@@ -856,7 +861,7 @@
           <a:p>
             <a:fld id="{8FDAF252-918C-544C-811A-E52C859CC97F}" type="datetimeFigureOut">
               <a:rPr lang="en-US" smtClean="0"/>
-              <a:t>12/30/19</a:t>
+              <a:t>2/19/20</a:t>
             </a:fld>
             <a:endParaRPr lang="en-US"/>
           </a:p>
@@ -941,8 +946,8 @@
         </p:nvSpPr>
         <p:spPr>
           <a:xfrm>
-            <a:off x="7858090" y="226175"/>
-            <a:ext cx="2367722" cy="3600111"/>
+            <a:off x="7858090" y="258715"/>
+            <a:ext cx="2367722" cy="4118064"/>
           </a:xfrm>
         </p:spPr>
         <p:txBody>
@@ -969,8 +974,8 @@
         </p:nvSpPr>
         <p:spPr>
           <a:xfrm>
-            <a:off x="754926" y="226175"/>
-            <a:ext cx="6965906" cy="3600111"/>
+            <a:off x="754926" y="258715"/>
+            <a:ext cx="6965906" cy="4118064"/>
           </a:xfrm>
         </p:spPr>
         <p:txBody>
@@ -1031,7 +1036,7 @@
           <a:p>
             <a:fld id="{8FDAF252-918C-544C-811A-E52C859CC97F}" type="datetimeFigureOut">
               <a:rPr lang="en-US" smtClean="0"/>
-              <a:t>12/30/19</a:t>
+              <a:t>2/19/20</a:t>
             </a:fld>
             <a:endParaRPr lang="en-US"/>
           </a:p>
@@ -1196,7 +1201,7 @@
           <a:p>
             <a:fld id="{8FDAF252-918C-544C-811A-E52C859CC97F}" type="datetimeFigureOut">
               <a:rPr lang="en-US" smtClean="0"/>
-              <a:t>12/30/19</a:t>
+              <a:t>2/19/20</a:t>
             </a:fld>
             <a:endParaRPr lang="en-US"/>
           </a:p>
@@ -1281,15 +1286,15 @@
         </p:nvSpPr>
         <p:spPr>
           <a:xfrm>
-            <a:off x="749206" y="1059088"/>
-            <a:ext cx="9470887" cy="1767112"/>
+            <a:off x="749206" y="1211461"/>
+            <a:ext cx="9470887" cy="2021349"/>
           </a:xfrm>
         </p:spPr>
         <p:txBody>
           <a:bodyPr anchor="b"/>
           <a:lstStyle>
             <a:lvl1pPr>
-              <a:defRPr sz="3716"/>
+              <a:defRPr sz="4252"/>
             </a:lvl1pPr>
           </a:lstStyle>
           <a:p>
@@ -1313,8 +1318,8 @@
         </p:nvSpPr>
         <p:spPr>
           <a:xfrm>
-            <a:off x="749206" y="2842917"/>
-            <a:ext cx="9470887" cy="929283"/>
+            <a:off x="749206" y="3251933"/>
+            <a:ext cx="9470887" cy="1062980"/>
           </a:xfrm>
         </p:spPr>
         <p:txBody>
@@ -1322,7 +1327,7 @@
           <a:lstStyle>
             <a:lvl1pPr marL="0" indent="0">
               <a:buNone/>
-              <a:defRPr sz="1487">
+              <a:defRPr sz="1701">
                 <a:solidFill>
                   <a:schemeClr val="tx1">
                     <a:tint val="75000"/>
@@ -1330,9 +1335,9 @@
                 </a:solidFill>
               </a:defRPr>
             </a:lvl1pPr>
-            <a:lvl2pPr marL="283190" indent="0">
+            <a:lvl2pPr marL="323972" indent="0">
               <a:buNone/>
-              <a:defRPr sz="1239">
+              <a:defRPr sz="1417">
                 <a:solidFill>
                   <a:schemeClr val="tx1">
                     <a:tint val="75000"/>
@@ -1340,9 +1345,9 @@
                 </a:solidFill>
               </a:defRPr>
             </a:lvl2pPr>
-            <a:lvl3pPr marL="566379" indent="0">
+            <a:lvl3pPr marL="647944" indent="0">
               <a:buNone/>
-              <a:defRPr sz="1115">
+              <a:defRPr sz="1275">
                 <a:solidFill>
                   <a:schemeClr val="tx1">
                     <a:tint val="75000"/>
@@ -1350,9 +1355,9 @@
                 </a:solidFill>
               </a:defRPr>
             </a:lvl3pPr>
-            <a:lvl4pPr marL="849569" indent="0">
+            <a:lvl4pPr marL="971916" indent="0">
               <a:buNone/>
-              <a:defRPr sz="991">
+              <a:defRPr sz="1134">
                 <a:solidFill>
                   <a:schemeClr val="tx1">
                     <a:tint val="75000"/>
@@ -1360,9 +1365,9 @@
                 </a:solidFill>
               </a:defRPr>
             </a:lvl4pPr>
-            <a:lvl5pPr marL="1132759" indent="0">
+            <a:lvl5pPr marL="1295888" indent="0">
               <a:buNone/>
-              <a:defRPr sz="991">
+              <a:defRPr sz="1134">
                 <a:solidFill>
                   <a:schemeClr val="tx1">
                     <a:tint val="75000"/>
@@ -1370,9 +1375,9 @@
                 </a:solidFill>
               </a:defRPr>
             </a:lvl5pPr>
-            <a:lvl6pPr marL="1415948" indent="0">
+            <a:lvl6pPr marL="1619860" indent="0">
               <a:buNone/>
-              <a:defRPr sz="991">
+              <a:defRPr sz="1134">
                 <a:solidFill>
                   <a:schemeClr val="tx1">
                     <a:tint val="75000"/>
@@ -1380,9 +1385,9 @@
                 </a:solidFill>
               </a:defRPr>
             </a:lvl6pPr>
-            <a:lvl7pPr marL="1699138" indent="0">
+            <a:lvl7pPr marL="1943832" indent="0">
               <a:buNone/>
-              <a:defRPr sz="991">
+              <a:defRPr sz="1134">
                 <a:solidFill>
                   <a:schemeClr val="tx1">
                     <a:tint val="75000"/>
@@ -1390,9 +1395,9 @@
                 </a:solidFill>
               </a:defRPr>
             </a:lvl7pPr>
-            <a:lvl8pPr marL="1982328" indent="0">
+            <a:lvl8pPr marL="2267803" indent="0">
               <a:buNone/>
-              <a:defRPr sz="991">
+              <a:defRPr sz="1134">
                 <a:solidFill>
                   <a:schemeClr val="tx1">
                     <a:tint val="75000"/>
@@ -1400,9 +1405,9 @@
                 </a:solidFill>
               </a:defRPr>
             </a:lvl8pPr>
-            <a:lvl9pPr marL="2265517" indent="0">
+            <a:lvl9pPr marL="2591775" indent="0">
               <a:buNone/>
-              <a:defRPr sz="991">
+              <a:defRPr sz="1134">
                 <a:solidFill>
                   <a:schemeClr val="tx1">
                     <a:tint val="75000"/>
@@ -1437,7 +1442,7 @@
           <a:p>
             <a:fld id="{8FDAF252-918C-544C-811A-E52C859CC97F}" type="datetimeFigureOut">
               <a:rPr lang="en-US" smtClean="0"/>
-              <a:t>12/30/19</a:t>
+              <a:t>2/19/20</a:t>
             </a:fld>
             <a:endParaRPr lang="en-US"/>
           </a:p>
@@ -1545,8 +1550,8 @@
         </p:nvSpPr>
         <p:spPr>
           <a:xfrm>
-            <a:off x="754926" y="1130873"/>
-            <a:ext cx="4666814" cy="2695412"/>
+            <a:off x="754926" y="1293574"/>
+            <a:ext cx="4666814" cy="3083205"/>
           </a:xfrm>
         </p:spPr>
         <p:txBody>
@@ -1602,8 +1607,8 @@
         </p:nvSpPr>
         <p:spPr>
           <a:xfrm>
-            <a:off x="5558998" y="1130873"/>
-            <a:ext cx="4666814" cy="2695412"/>
+            <a:off x="5558998" y="1293574"/>
+            <a:ext cx="4666814" cy="3083205"/>
           </a:xfrm>
         </p:spPr>
         <p:txBody>
@@ -1664,7 +1669,7 @@
           <a:p>
             <a:fld id="{8FDAF252-918C-544C-811A-E52C859CC97F}" type="datetimeFigureOut">
               <a:rPr lang="en-US" smtClean="0"/>
-              <a:t>12/30/19</a:t>
+              <a:t>2/19/20</a:t>
             </a:fld>
             <a:endParaRPr lang="en-US"/>
           </a:p>
@@ -1749,8 +1754,8 @@
         </p:nvSpPr>
         <p:spPr>
           <a:xfrm>
-            <a:off x="756356" y="226175"/>
-            <a:ext cx="9470887" cy="821113"/>
+            <a:off x="756356" y="258715"/>
+            <a:ext cx="9470887" cy="939247"/>
           </a:xfrm>
         </p:spPr>
         <p:txBody>
@@ -1777,8 +1782,8 @@
         </p:nvSpPr>
         <p:spPr>
           <a:xfrm>
-            <a:off x="756357" y="1041387"/>
-            <a:ext cx="4645366" cy="510368"/>
+            <a:off x="756357" y="1191213"/>
+            <a:ext cx="4645366" cy="583795"/>
           </a:xfrm>
         </p:spPr>
         <p:txBody>
@@ -1786,39 +1791,39 @@
           <a:lstStyle>
             <a:lvl1pPr marL="0" indent="0">
               <a:buNone/>
-              <a:defRPr sz="1487" b="1"/>
+              <a:defRPr sz="1701" b="1"/>
             </a:lvl1pPr>
-            <a:lvl2pPr marL="283190" indent="0">
+            <a:lvl2pPr marL="323972" indent="0">
               <a:buNone/>
-              <a:defRPr sz="1239" b="1"/>
+              <a:defRPr sz="1417" b="1"/>
             </a:lvl2pPr>
-            <a:lvl3pPr marL="566379" indent="0">
+            <a:lvl3pPr marL="647944" indent="0">
               <a:buNone/>
-              <a:defRPr sz="1115" b="1"/>
+              <a:defRPr sz="1275" b="1"/>
             </a:lvl3pPr>
-            <a:lvl4pPr marL="849569" indent="0">
+            <a:lvl4pPr marL="971916" indent="0">
               <a:buNone/>
-              <a:defRPr sz="991" b="1"/>
+              <a:defRPr sz="1134" b="1"/>
             </a:lvl4pPr>
-            <a:lvl5pPr marL="1132759" indent="0">
+            <a:lvl5pPr marL="1295888" indent="0">
               <a:buNone/>
-              <a:defRPr sz="991" b="1"/>
+              <a:defRPr sz="1134" b="1"/>
             </a:lvl5pPr>
-            <a:lvl6pPr marL="1415948" indent="0">
+            <a:lvl6pPr marL="1619860" indent="0">
               <a:buNone/>
-              <a:defRPr sz="991" b="1"/>
+              <a:defRPr sz="1134" b="1"/>
             </a:lvl6pPr>
-            <a:lvl7pPr marL="1699138" indent="0">
+            <a:lvl7pPr marL="1943832" indent="0">
               <a:buNone/>
-              <a:defRPr sz="991" b="1"/>
+              <a:defRPr sz="1134" b="1"/>
             </a:lvl7pPr>
-            <a:lvl8pPr marL="1982328" indent="0">
+            <a:lvl8pPr marL="2267803" indent="0">
               <a:buNone/>
-              <a:defRPr sz="991" b="1"/>
+              <a:defRPr sz="1134" b="1"/>
             </a:lvl8pPr>
-            <a:lvl9pPr marL="2265517" indent="0">
+            <a:lvl9pPr marL="2591775" indent="0">
               <a:buNone/>
-              <a:defRPr sz="991" b="1"/>
+              <a:defRPr sz="1134" b="1"/>
             </a:lvl9pPr>
           </a:lstStyle>
           <a:p>
@@ -1842,8 +1847,8 @@
         </p:nvSpPr>
         <p:spPr>
           <a:xfrm>
-            <a:off x="756357" y="1551755"/>
-            <a:ext cx="4645366" cy="2282398"/>
+            <a:off x="756357" y="1775008"/>
+            <a:ext cx="4645366" cy="2610770"/>
           </a:xfrm>
         </p:spPr>
         <p:txBody>
@@ -1899,8 +1904,8 @@
         </p:nvSpPr>
         <p:spPr>
           <a:xfrm>
-            <a:off x="5558999" y="1041387"/>
-            <a:ext cx="4668244" cy="510368"/>
+            <a:off x="5558999" y="1191213"/>
+            <a:ext cx="4668244" cy="583795"/>
           </a:xfrm>
         </p:spPr>
         <p:txBody>
@@ -1908,39 +1913,39 @@
           <a:lstStyle>
             <a:lvl1pPr marL="0" indent="0">
               <a:buNone/>
-              <a:defRPr sz="1487" b="1"/>
+              <a:defRPr sz="1701" b="1"/>
             </a:lvl1pPr>
-            <a:lvl2pPr marL="283190" indent="0">
+            <a:lvl2pPr marL="323972" indent="0">
               <a:buNone/>
-              <a:defRPr sz="1239" b="1"/>
+              <a:defRPr sz="1417" b="1"/>
             </a:lvl2pPr>
-            <a:lvl3pPr marL="566379" indent="0">
+            <a:lvl3pPr marL="647944" indent="0">
               <a:buNone/>
-              <a:defRPr sz="1115" b="1"/>
+              <a:defRPr sz="1275" b="1"/>
             </a:lvl3pPr>
-            <a:lvl4pPr marL="849569" indent="0">
+            <a:lvl4pPr marL="971916" indent="0">
               <a:buNone/>
-              <a:defRPr sz="991" b="1"/>
+              <a:defRPr sz="1134" b="1"/>
             </a:lvl4pPr>
-            <a:lvl5pPr marL="1132759" indent="0">
+            <a:lvl5pPr marL="1295888" indent="0">
               <a:buNone/>
-              <a:defRPr sz="991" b="1"/>
+              <a:defRPr sz="1134" b="1"/>
             </a:lvl5pPr>
-            <a:lvl6pPr marL="1415948" indent="0">
+            <a:lvl6pPr marL="1619860" indent="0">
               <a:buNone/>
-              <a:defRPr sz="991" b="1"/>
+              <a:defRPr sz="1134" b="1"/>
             </a:lvl6pPr>
-            <a:lvl7pPr marL="1699138" indent="0">
+            <a:lvl7pPr marL="1943832" indent="0">
               <a:buNone/>
-              <a:defRPr sz="991" b="1"/>
+              <a:defRPr sz="1134" b="1"/>
             </a:lvl7pPr>
-            <a:lvl8pPr marL="1982328" indent="0">
+            <a:lvl8pPr marL="2267803" indent="0">
               <a:buNone/>
-              <a:defRPr sz="991" b="1"/>
+              <a:defRPr sz="1134" b="1"/>
             </a:lvl8pPr>
-            <a:lvl9pPr marL="2265517" indent="0">
+            <a:lvl9pPr marL="2591775" indent="0">
               <a:buNone/>
-              <a:defRPr sz="991" b="1"/>
+              <a:defRPr sz="1134" b="1"/>
             </a:lvl9pPr>
           </a:lstStyle>
           <a:p>
@@ -1964,8 +1969,8 @@
         </p:nvSpPr>
         <p:spPr>
           <a:xfrm>
-            <a:off x="5558999" y="1551755"/>
-            <a:ext cx="4668244" cy="2282398"/>
+            <a:off x="5558999" y="1775008"/>
+            <a:ext cx="4668244" cy="2610770"/>
           </a:xfrm>
         </p:spPr>
         <p:txBody>
@@ -2026,7 +2031,7 @@
           <a:p>
             <a:fld id="{8FDAF252-918C-544C-811A-E52C859CC97F}" type="datetimeFigureOut">
               <a:rPr lang="en-US" smtClean="0"/>
-              <a:t>12/30/19</a:t>
+              <a:t>2/19/20</a:t>
             </a:fld>
             <a:endParaRPr lang="en-US"/>
           </a:p>
@@ -2139,7 +2144,7 @@
           <a:p>
             <a:fld id="{8FDAF252-918C-544C-811A-E52C859CC97F}" type="datetimeFigureOut">
               <a:rPr lang="en-US" smtClean="0"/>
-              <a:t>12/30/19</a:t>
+              <a:t>2/19/20</a:t>
             </a:fld>
             <a:endParaRPr lang="en-US"/>
           </a:p>
@@ -2229,7 +2234,7 @@
           <a:p>
             <a:fld id="{8FDAF252-918C-544C-811A-E52C859CC97F}" type="datetimeFigureOut">
               <a:rPr lang="en-US" smtClean="0"/>
-              <a:t>12/30/19</a:t>
+              <a:t>2/19/20</a:t>
             </a:fld>
             <a:endParaRPr lang="en-US"/>
           </a:p>
@@ -2314,15 +2319,15 @@
         </p:nvSpPr>
         <p:spPr>
           <a:xfrm>
-            <a:off x="756356" y="283210"/>
-            <a:ext cx="3541574" cy="991235"/>
+            <a:off x="756356" y="323956"/>
+            <a:ext cx="3541574" cy="1133846"/>
           </a:xfrm>
         </p:spPr>
         <p:txBody>
           <a:bodyPr anchor="b"/>
           <a:lstStyle>
             <a:lvl1pPr>
-              <a:defRPr sz="1982"/>
+              <a:defRPr sz="2268"/>
             </a:lvl1pPr>
           </a:lstStyle>
           <a:p>
@@ -2346,39 +2351,39 @@
         </p:nvSpPr>
         <p:spPr>
           <a:xfrm>
-            <a:off x="4668244" y="611655"/>
-            <a:ext cx="5558999" cy="3018940"/>
+            <a:off x="4668244" y="699655"/>
+            <a:ext cx="5558999" cy="3453280"/>
           </a:xfrm>
         </p:spPr>
         <p:txBody>
           <a:bodyPr/>
           <a:lstStyle>
             <a:lvl1pPr>
-              <a:defRPr sz="1982"/>
+              <a:defRPr sz="2268"/>
             </a:lvl1pPr>
             <a:lvl2pPr>
-              <a:defRPr sz="1734"/>
+              <a:defRPr sz="1984"/>
             </a:lvl2pPr>
             <a:lvl3pPr>
-              <a:defRPr sz="1487"/>
+              <a:defRPr sz="1701"/>
             </a:lvl3pPr>
             <a:lvl4pPr>
-              <a:defRPr sz="1239"/>
+              <a:defRPr sz="1417"/>
             </a:lvl4pPr>
             <a:lvl5pPr>
-              <a:defRPr sz="1239"/>
+              <a:defRPr sz="1417"/>
             </a:lvl5pPr>
             <a:lvl6pPr>
-              <a:defRPr sz="1239"/>
+              <a:defRPr sz="1417"/>
             </a:lvl6pPr>
             <a:lvl7pPr>
-              <a:defRPr sz="1239"/>
+              <a:defRPr sz="1417"/>
             </a:lvl7pPr>
             <a:lvl8pPr>
-              <a:defRPr sz="1239"/>
+              <a:defRPr sz="1417"/>
             </a:lvl8pPr>
             <a:lvl9pPr>
-              <a:defRPr sz="1239"/>
+              <a:defRPr sz="1417"/>
             </a:lvl9pPr>
           </a:lstStyle>
           <a:p>
@@ -2431,8 +2436,8 @@
         </p:nvSpPr>
         <p:spPr>
           <a:xfrm>
-            <a:off x="756356" y="1274445"/>
-            <a:ext cx="3541574" cy="2361067"/>
+            <a:off x="756356" y="1457802"/>
+            <a:ext cx="3541574" cy="2700757"/>
           </a:xfrm>
         </p:spPr>
         <p:txBody>
@@ -2440,39 +2445,39 @@
           <a:lstStyle>
             <a:lvl1pPr marL="0" indent="0">
               <a:buNone/>
-              <a:defRPr sz="991"/>
+              <a:defRPr sz="1134"/>
             </a:lvl1pPr>
-            <a:lvl2pPr marL="283190" indent="0">
+            <a:lvl2pPr marL="323972" indent="0">
               <a:buNone/>
-              <a:defRPr sz="867"/>
+              <a:defRPr sz="992"/>
             </a:lvl2pPr>
-            <a:lvl3pPr marL="566379" indent="0">
+            <a:lvl3pPr marL="647944" indent="0">
               <a:buNone/>
-              <a:defRPr sz="743"/>
+              <a:defRPr sz="850"/>
             </a:lvl3pPr>
-            <a:lvl4pPr marL="849569" indent="0">
+            <a:lvl4pPr marL="971916" indent="0">
               <a:buNone/>
-              <a:defRPr sz="619"/>
+              <a:defRPr sz="709"/>
             </a:lvl4pPr>
-            <a:lvl5pPr marL="1132759" indent="0">
+            <a:lvl5pPr marL="1295888" indent="0">
               <a:buNone/>
-              <a:defRPr sz="619"/>
+              <a:defRPr sz="709"/>
             </a:lvl5pPr>
-            <a:lvl6pPr marL="1415948" indent="0">
+            <a:lvl6pPr marL="1619860" indent="0">
               <a:buNone/>
-              <a:defRPr sz="619"/>
+              <a:defRPr sz="709"/>
             </a:lvl6pPr>
-            <a:lvl7pPr marL="1699138" indent="0">
+            <a:lvl7pPr marL="1943832" indent="0">
               <a:buNone/>
-              <a:defRPr sz="619"/>
+              <a:defRPr sz="709"/>
             </a:lvl7pPr>
-            <a:lvl8pPr marL="1982328" indent="0">
+            <a:lvl8pPr marL="2267803" indent="0">
               <a:buNone/>
-              <a:defRPr sz="619"/>
+              <a:defRPr sz="709"/>
             </a:lvl8pPr>
-            <a:lvl9pPr marL="2265517" indent="0">
+            <a:lvl9pPr marL="2591775" indent="0">
               <a:buNone/>
-              <a:defRPr sz="619"/>
+              <a:defRPr sz="709"/>
             </a:lvl9pPr>
           </a:lstStyle>
           <a:p>
@@ -2501,7 +2506,7 @@
           <a:p>
             <a:fld id="{8FDAF252-918C-544C-811A-E52C859CC97F}" type="datetimeFigureOut">
               <a:rPr lang="en-US" smtClean="0"/>
-              <a:t>12/30/19</a:t>
+              <a:t>2/19/20</a:t>
             </a:fld>
             <a:endParaRPr lang="en-US"/>
           </a:p>
@@ -2586,15 +2591,15 @@
         </p:nvSpPr>
         <p:spPr>
           <a:xfrm>
-            <a:off x="756356" y="283210"/>
-            <a:ext cx="3541574" cy="991235"/>
+            <a:off x="756356" y="323956"/>
+            <a:ext cx="3541574" cy="1133846"/>
           </a:xfrm>
         </p:spPr>
         <p:txBody>
           <a:bodyPr anchor="b"/>
           <a:lstStyle>
             <a:lvl1pPr>
-              <a:defRPr sz="1982"/>
+              <a:defRPr sz="2268"/>
             </a:lvl1pPr>
           </a:lstStyle>
           <a:p>
@@ -2618,8 +2623,8 @@
         </p:nvSpPr>
         <p:spPr>
           <a:xfrm>
-            <a:off x="4668244" y="611655"/>
-            <a:ext cx="5558999" cy="3018940"/>
+            <a:off x="4668244" y="699655"/>
+            <a:ext cx="5558999" cy="3453280"/>
           </a:xfrm>
         </p:spPr>
         <p:txBody>
@@ -2627,39 +2632,39 @@
           <a:lstStyle>
             <a:lvl1pPr marL="0" indent="0">
               <a:buNone/>
-              <a:defRPr sz="1982"/>
+              <a:defRPr sz="2268"/>
             </a:lvl1pPr>
-            <a:lvl2pPr marL="283190" indent="0">
+            <a:lvl2pPr marL="323972" indent="0">
               <a:buNone/>
-              <a:defRPr sz="1734"/>
+              <a:defRPr sz="1984"/>
             </a:lvl2pPr>
-            <a:lvl3pPr marL="566379" indent="0">
+            <a:lvl3pPr marL="647944" indent="0">
               <a:buNone/>
-              <a:defRPr sz="1487"/>
+              <a:defRPr sz="1701"/>
             </a:lvl3pPr>
-            <a:lvl4pPr marL="849569" indent="0">
+            <a:lvl4pPr marL="971916" indent="0">
               <a:buNone/>
-              <a:defRPr sz="1239"/>
+              <a:defRPr sz="1417"/>
             </a:lvl4pPr>
-            <a:lvl5pPr marL="1132759" indent="0">
+            <a:lvl5pPr marL="1295888" indent="0">
               <a:buNone/>
-              <a:defRPr sz="1239"/>
+              <a:defRPr sz="1417"/>
             </a:lvl5pPr>
-            <a:lvl6pPr marL="1415948" indent="0">
+            <a:lvl6pPr marL="1619860" indent="0">
               <a:buNone/>
-              <a:defRPr sz="1239"/>
+              <a:defRPr sz="1417"/>
             </a:lvl6pPr>
-            <a:lvl7pPr marL="1699138" indent="0">
+            <a:lvl7pPr marL="1943832" indent="0">
               <a:buNone/>
-              <a:defRPr sz="1239"/>
+              <a:defRPr sz="1417"/>
             </a:lvl7pPr>
-            <a:lvl8pPr marL="1982328" indent="0">
+            <a:lvl8pPr marL="2267803" indent="0">
               <a:buNone/>
-              <a:defRPr sz="1239"/>
+              <a:defRPr sz="1417"/>
             </a:lvl8pPr>
-            <a:lvl9pPr marL="2265517" indent="0">
+            <a:lvl9pPr marL="2591775" indent="0">
               <a:buNone/>
-              <a:defRPr sz="1239"/>
+              <a:defRPr sz="1417"/>
             </a:lvl9pPr>
           </a:lstStyle>
           <a:p>
@@ -2683,8 +2688,8 @@
         </p:nvSpPr>
         <p:spPr>
           <a:xfrm>
-            <a:off x="756356" y="1274445"/>
-            <a:ext cx="3541574" cy="2361067"/>
+            <a:off x="756356" y="1457802"/>
+            <a:ext cx="3541574" cy="2700757"/>
           </a:xfrm>
         </p:spPr>
         <p:txBody>
@@ -2692,39 +2697,39 @@
           <a:lstStyle>
             <a:lvl1pPr marL="0" indent="0">
               <a:buNone/>
-              <a:defRPr sz="991"/>
+              <a:defRPr sz="1134"/>
             </a:lvl1pPr>
-            <a:lvl2pPr marL="283190" indent="0">
+            <a:lvl2pPr marL="323972" indent="0">
               <a:buNone/>
-              <a:defRPr sz="867"/>
+              <a:defRPr sz="992"/>
             </a:lvl2pPr>
-            <a:lvl3pPr marL="566379" indent="0">
+            <a:lvl3pPr marL="647944" indent="0">
               <a:buNone/>
-              <a:defRPr sz="743"/>
+              <a:defRPr sz="850"/>
             </a:lvl3pPr>
-            <a:lvl4pPr marL="849569" indent="0">
+            <a:lvl4pPr marL="971916" indent="0">
               <a:buNone/>
-              <a:defRPr sz="619"/>
+              <a:defRPr sz="709"/>
             </a:lvl4pPr>
-            <a:lvl5pPr marL="1132759" indent="0">
+            <a:lvl5pPr marL="1295888" indent="0">
               <a:buNone/>
-              <a:defRPr sz="619"/>
+              <a:defRPr sz="709"/>
             </a:lvl5pPr>
-            <a:lvl6pPr marL="1415948" indent="0">
+            <a:lvl6pPr marL="1619860" indent="0">
               <a:buNone/>
-              <a:defRPr sz="619"/>
+              <a:defRPr sz="709"/>
             </a:lvl6pPr>
-            <a:lvl7pPr marL="1699138" indent="0">
+            <a:lvl7pPr marL="1943832" indent="0">
               <a:buNone/>
-              <a:defRPr sz="619"/>
+              <a:defRPr sz="709"/>
             </a:lvl7pPr>
-            <a:lvl8pPr marL="1982328" indent="0">
+            <a:lvl8pPr marL="2267803" indent="0">
               <a:buNone/>
-              <a:defRPr sz="619"/>
+              <a:defRPr sz="709"/>
             </a:lvl8pPr>
-            <a:lvl9pPr marL="2265517" indent="0">
+            <a:lvl9pPr marL="2591775" indent="0">
               <a:buNone/>
-              <a:defRPr sz="619"/>
+              <a:defRPr sz="709"/>
             </a:lvl9pPr>
           </a:lstStyle>
           <a:p>
@@ -2753,7 +2758,7 @@
           <a:p>
             <a:fld id="{8FDAF252-918C-544C-811A-E52C859CC97F}" type="datetimeFigureOut">
               <a:rPr lang="en-US" smtClean="0"/>
-              <a:t>12/30/19</a:t>
+              <a:t>2/19/20</a:t>
             </a:fld>
             <a:endParaRPr lang="en-US"/>
           </a:p>
@@ -2843,8 +2848,8 @@
         </p:nvSpPr>
         <p:spPr>
           <a:xfrm>
-            <a:off x="754926" y="226175"/>
-            <a:ext cx="9470887" cy="821113"/>
+            <a:off x="754926" y="258715"/>
+            <a:ext cx="9470887" cy="939247"/>
           </a:xfrm>
           <a:prstGeom prst="rect">
             <a:avLst/>
@@ -2876,8 +2881,8 @@
         </p:nvSpPr>
         <p:spPr>
           <a:xfrm>
-            <a:off x="754926" y="1130873"/>
-            <a:ext cx="9470887" cy="2695412"/>
+            <a:off x="754926" y="1293574"/>
+            <a:ext cx="9470887" cy="3083205"/>
           </a:xfrm>
           <a:prstGeom prst="rect">
             <a:avLst/>
@@ -2938,8 +2943,8 @@
         </p:nvSpPr>
         <p:spPr>
           <a:xfrm>
-            <a:off x="754926" y="3937406"/>
-            <a:ext cx="2470666" cy="226175"/>
+            <a:off x="754926" y="4503887"/>
+            <a:ext cx="2470666" cy="258715"/>
           </a:xfrm>
           <a:prstGeom prst="rect">
             <a:avLst/>
@@ -2949,7 +2954,7 @@
           <a:bodyPr vert="horz" lIns="91440" tIns="45720" rIns="91440" bIns="45720" rtlCol="0" anchor="ctr"/>
           <a:lstStyle>
             <a:lvl1pPr algn="l">
-              <a:defRPr sz="743">
+              <a:defRPr sz="850">
                 <a:solidFill>
                   <a:schemeClr val="tx1">
                     <a:tint val="75000"/>
@@ -2961,7 +2966,7 @@
           <a:p>
             <a:fld id="{8FDAF252-918C-544C-811A-E52C859CC97F}" type="datetimeFigureOut">
               <a:rPr lang="en-US" smtClean="0"/>
-              <a:t>12/30/19</a:t>
+              <a:t>2/19/20</a:t>
             </a:fld>
             <a:endParaRPr lang="en-US"/>
           </a:p>
@@ -2979,8 +2984,8 @@
         </p:nvSpPr>
         <p:spPr>
           <a:xfrm>
-            <a:off x="3637370" y="3937406"/>
-            <a:ext cx="3705999" cy="226175"/>
+            <a:off x="3637370" y="4503887"/>
+            <a:ext cx="3705999" cy="258715"/>
           </a:xfrm>
           <a:prstGeom prst="rect">
             <a:avLst/>
@@ -2990,7 +2995,7 @@
           <a:bodyPr vert="horz" lIns="91440" tIns="45720" rIns="91440" bIns="45720" rtlCol="0" anchor="ctr"/>
           <a:lstStyle>
             <a:lvl1pPr algn="ctr">
-              <a:defRPr sz="743">
+              <a:defRPr sz="850">
                 <a:solidFill>
                   <a:schemeClr val="tx1">
                     <a:tint val="75000"/>
@@ -3016,8 +3021,8 @@
         </p:nvSpPr>
         <p:spPr>
           <a:xfrm>
-            <a:off x="7755146" y="3937406"/>
-            <a:ext cx="2470666" cy="226175"/>
+            <a:off x="7755146" y="4503887"/>
+            <a:ext cx="2470666" cy="258715"/>
           </a:xfrm>
           <a:prstGeom prst="rect">
             <a:avLst/>
@@ -3027,7 +3032,7 @@
           <a:bodyPr vert="horz" lIns="91440" tIns="45720" rIns="91440" bIns="45720" rtlCol="0" anchor="ctr"/>
           <a:lstStyle>
             <a:lvl1pPr algn="r">
-              <a:defRPr sz="743">
+              <a:defRPr sz="850">
                 <a:solidFill>
                   <a:schemeClr val="tx1">
                     <a:tint val="75000"/>
@@ -3048,27 +3053,27 @@
     </p:spTree>
     <p:extLst>
       <p:ext uri="{BB962C8B-B14F-4D97-AF65-F5344CB8AC3E}">
-        <p14:creationId xmlns:p14="http://schemas.microsoft.com/office/powerpoint/2010/main" val="1835085590"/>
+        <p14:creationId xmlns:p14="http://schemas.microsoft.com/office/powerpoint/2010/main" val="1178935877"/>
       </p:ext>
     </p:extLst>
   </p:cSld>
   <p:clrMap bg1="lt1" tx1="dk1" bg2="lt2" tx2="dk2" accent1="accent1" accent2="accent2" accent3="accent3" accent4="accent4" accent5="accent5" accent6="accent6" hlink="hlink" folHlink="folHlink"/>
   <p:sldLayoutIdLst>
-    <p:sldLayoutId id="2147483673" r:id="rId1"/>
-    <p:sldLayoutId id="2147483674" r:id="rId2"/>
-    <p:sldLayoutId id="2147483675" r:id="rId3"/>
-    <p:sldLayoutId id="2147483676" r:id="rId4"/>
-    <p:sldLayoutId id="2147483677" r:id="rId5"/>
-    <p:sldLayoutId id="2147483678" r:id="rId6"/>
-    <p:sldLayoutId id="2147483679" r:id="rId7"/>
-    <p:sldLayoutId id="2147483680" r:id="rId8"/>
-    <p:sldLayoutId id="2147483681" r:id="rId9"/>
-    <p:sldLayoutId id="2147483682" r:id="rId10"/>
-    <p:sldLayoutId id="2147483683" r:id="rId11"/>
+    <p:sldLayoutId id="2147483685" r:id="rId1"/>
+    <p:sldLayoutId id="2147483686" r:id="rId2"/>
+    <p:sldLayoutId id="2147483687" r:id="rId3"/>
+    <p:sldLayoutId id="2147483688" r:id="rId4"/>
+    <p:sldLayoutId id="2147483689" r:id="rId5"/>
+    <p:sldLayoutId id="2147483690" r:id="rId6"/>
+    <p:sldLayoutId id="2147483691" r:id="rId7"/>
+    <p:sldLayoutId id="2147483692" r:id="rId8"/>
+    <p:sldLayoutId id="2147483693" r:id="rId9"/>
+    <p:sldLayoutId id="2147483694" r:id="rId10"/>
+    <p:sldLayoutId id="2147483695" r:id="rId11"/>
   </p:sldLayoutIdLst>
   <p:txStyles>
     <p:titleStyle>
-      <a:lvl1pPr algn="l" defTabSz="566379" rtl="0" eaLnBrk="1" latinLnBrk="0" hangingPunct="1">
+      <a:lvl1pPr algn="l" defTabSz="647944" rtl="0" eaLnBrk="1" latinLnBrk="0" hangingPunct="1">
         <a:lnSpc>
           <a:spcPct val="90000"/>
         </a:lnSpc>
@@ -3076,7 +3081,7 @@
           <a:spcPct val="0"/>
         </a:spcBef>
         <a:buNone/>
-        <a:defRPr sz="2725" kern="1200">
+        <a:defRPr sz="3118" kern="1200">
           <a:solidFill>
             <a:schemeClr val="tx1"/>
           </a:solidFill>
@@ -3087,16 +3092,16 @@
       </a:lvl1pPr>
     </p:titleStyle>
     <p:bodyStyle>
-      <a:lvl1pPr marL="141595" indent="-141595" algn="l" defTabSz="566379" rtl="0" eaLnBrk="1" latinLnBrk="0" hangingPunct="1">
+      <a:lvl1pPr marL="161986" indent="-161986" algn="l" defTabSz="647944" rtl="0" eaLnBrk="1" latinLnBrk="0" hangingPunct="1">
         <a:lnSpc>
           <a:spcPct val="90000"/>
         </a:lnSpc>
         <a:spcBef>
-          <a:spcPts val="619"/>
+          <a:spcPts val="709"/>
         </a:spcBef>
         <a:buFont typeface="Arial" panose="020B0604020202020204" pitchFamily="34" charset="0"/>
         <a:buChar char="•"/>
-        <a:defRPr sz="1734" kern="1200">
+        <a:defRPr sz="1984" kern="1200">
           <a:solidFill>
             <a:schemeClr val="tx1"/>
           </a:solidFill>
@@ -3105,16 +3110,16 @@
           <a:cs typeface="+mn-cs"/>
         </a:defRPr>
       </a:lvl1pPr>
-      <a:lvl2pPr marL="424785" indent="-141595" algn="l" defTabSz="566379" rtl="0" eaLnBrk="1" latinLnBrk="0" hangingPunct="1">
+      <a:lvl2pPr marL="485958" indent="-161986" algn="l" defTabSz="647944" rtl="0" eaLnBrk="1" latinLnBrk="0" hangingPunct="1">
         <a:lnSpc>
           <a:spcPct val="90000"/>
         </a:lnSpc>
         <a:spcBef>
-          <a:spcPts val="310"/>
+          <a:spcPts val="354"/>
         </a:spcBef>
         <a:buFont typeface="Arial" panose="020B0604020202020204" pitchFamily="34" charset="0"/>
         <a:buChar char="•"/>
-        <a:defRPr sz="1487" kern="1200">
+        <a:defRPr sz="1701" kern="1200">
           <a:solidFill>
             <a:schemeClr val="tx1"/>
           </a:solidFill>
@@ -3123,16 +3128,16 @@
           <a:cs typeface="+mn-cs"/>
         </a:defRPr>
       </a:lvl2pPr>
-      <a:lvl3pPr marL="707974" indent="-141595" algn="l" defTabSz="566379" rtl="0" eaLnBrk="1" latinLnBrk="0" hangingPunct="1">
+      <a:lvl3pPr marL="809930" indent="-161986" algn="l" defTabSz="647944" rtl="0" eaLnBrk="1" latinLnBrk="0" hangingPunct="1">
         <a:lnSpc>
           <a:spcPct val="90000"/>
         </a:lnSpc>
         <a:spcBef>
-          <a:spcPts val="310"/>
+          <a:spcPts val="354"/>
         </a:spcBef>
         <a:buFont typeface="Arial" panose="020B0604020202020204" pitchFamily="34" charset="0"/>
         <a:buChar char="•"/>
-        <a:defRPr sz="1239" kern="1200">
+        <a:defRPr sz="1417" kern="1200">
           <a:solidFill>
             <a:schemeClr val="tx1"/>
           </a:solidFill>
@@ -3141,16 +3146,16 @@
           <a:cs typeface="+mn-cs"/>
         </a:defRPr>
       </a:lvl3pPr>
-      <a:lvl4pPr marL="991164" indent="-141595" algn="l" defTabSz="566379" rtl="0" eaLnBrk="1" latinLnBrk="0" hangingPunct="1">
+      <a:lvl4pPr marL="1133902" indent="-161986" algn="l" defTabSz="647944" rtl="0" eaLnBrk="1" latinLnBrk="0" hangingPunct="1">
         <a:lnSpc>
           <a:spcPct val="90000"/>
         </a:lnSpc>
         <a:spcBef>
-          <a:spcPts val="310"/>
+          <a:spcPts val="354"/>
         </a:spcBef>
         <a:buFont typeface="Arial" panose="020B0604020202020204" pitchFamily="34" charset="0"/>
         <a:buChar char="•"/>
-        <a:defRPr sz="1115" kern="1200">
+        <a:defRPr sz="1275" kern="1200">
           <a:solidFill>
             <a:schemeClr val="tx1"/>
           </a:solidFill>
@@ -3159,16 +3164,16 @@
           <a:cs typeface="+mn-cs"/>
         </a:defRPr>
       </a:lvl4pPr>
-      <a:lvl5pPr marL="1274354" indent="-141595" algn="l" defTabSz="566379" rtl="0" eaLnBrk="1" latinLnBrk="0" hangingPunct="1">
+      <a:lvl5pPr marL="1457874" indent="-161986" algn="l" defTabSz="647944" rtl="0" eaLnBrk="1" latinLnBrk="0" hangingPunct="1">
         <a:lnSpc>
           <a:spcPct val="90000"/>
         </a:lnSpc>
         <a:spcBef>
-          <a:spcPts val="310"/>
+          <a:spcPts val="354"/>
         </a:spcBef>
         <a:buFont typeface="Arial" panose="020B0604020202020204" pitchFamily="34" charset="0"/>
         <a:buChar char="•"/>
-        <a:defRPr sz="1115" kern="1200">
+        <a:defRPr sz="1275" kern="1200">
           <a:solidFill>
             <a:schemeClr val="tx1"/>
           </a:solidFill>
@@ -3177,16 +3182,16 @@
           <a:cs typeface="+mn-cs"/>
         </a:defRPr>
       </a:lvl5pPr>
-      <a:lvl6pPr marL="1557543" indent="-141595" algn="l" defTabSz="566379" rtl="0" eaLnBrk="1" latinLnBrk="0" hangingPunct="1">
+      <a:lvl6pPr marL="1781846" indent="-161986" algn="l" defTabSz="647944" rtl="0" eaLnBrk="1" latinLnBrk="0" hangingPunct="1">
         <a:lnSpc>
           <a:spcPct val="90000"/>
         </a:lnSpc>
         <a:spcBef>
-          <a:spcPts val="310"/>
+          <a:spcPts val="354"/>
         </a:spcBef>
         <a:buFont typeface="Arial" panose="020B0604020202020204" pitchFamily="34" charset="0"/>
         <a:buChar char="•"/>
-        <a:defRPr sz="1115" kern="1200">
+        <a:defRPr sz="1275" kern="1200">
           <a:solidFill>
             <a:schemeClr val="tx1"/>
           </a:solidFill>
@@ -3195,16 +3200,16 @@
           <a:cs typeface="+mn-cs"/>
         </a:defRPr>
       </a:lvl6pPr>
-      <a:lvl7pPr marL="1840733" indent="-141595" algn="l" defTabSz="566379" rtl="0" eaLnBrk="1" latinLnBrk="0" hangingPunct="1">
+      <a:lvl7pPr marL="2105817" indent="-161986" algn="l" defTabSz="647944" rtl="0" eaLnBrk="1" latinLnBrk="0" hangingPunct="1">
         <a:lnSpc>
           <a:spcPct val="90000"/>
         </a:lnSpc>
         <a:spcBef>
-          <a:spcPts val="310"/>
+          <a:spcPts val="354"/>
         </a:spcBef>
         <a:buFont typeface="Arial" panose="020B0604020202020204" pitchFamily="34" charset="0"/>
         <a:buChar char="•"/>
-        <a:defRPr sz="1115" kern="1200">
+        <a:defRPr sz="1275" kern="1200">
           <a:solidFill>
             <a:schemeClr val="tx1"/>
           </a:solidFill>
@@ -3213,16 +3218,16 @@
           <a:cs typeface="+mn-cs"/>
         </a:defRPr>
       </a:lvl7pPr>
-      <a:lvl8pPr marL="2123923" indent="-141595" algn="l" defTabSz="566379" rtl="0" eaLnBrk="1" latinLnBrk="0" hangingPunct="1">
+      <a:lvl8pPr marL="2429789" indent="-161986" algn="l" defTabSz="647944" rtl="0" eaLnBrk="1" latinLnBrk="0" hangingPunct="1">
         <a:lnSpc>
           <a:spcPct val="90000"/>
         </a:lnSpc>
         <a:spcBef>
-          <a:spcPts val="310"/>
+          <a:spcPts val="354"/>
         </a:spcBef>
         <a:buFont typeface="Arial" panose="020B0604020202020204" pitchFamily="34" charset="0"/>
         <a:buChar char="•"/>
-        <a:defRPr sz="1115" kern="1200">
+        <a:defRPr sz="1275" kern="1200">
           <a:solidFill>
             <a:schemeClr val="tx1"/>
           </a:solidFill>
@@ -3231,16 +3236,16 @@
           <a:cs typeface="+mn-cs"/>
         </a:defRPr>
       </a:lvl8pPr>
-      <a:lvl9pPr marL="2407112" indent="-141595" algn="l" defTabSz="566379" rtl="0" eaLnBrk="1" latinLnBrk="0" hangingPunct="1">
+      <a:lvl9pPr marL="2753761" indent="-161986" algn="l" defTabSz="647944" rtl="0" eaLnBrk="1" latinLnBrk="0" hangingPunct="1">
         <a:lnSpc>
           <a:spcPct val="90000"/>
         </a:lnSpc>
         <a:spcBef>
-          <a:spcPts val="310"/>
+          <a:spcPts val="354"/>
         </a:spcBef>
         <a:buFont typeface="Arial" panose="020B0604020202020204" pitchFamily="34" charset="0"/>
         <a:buChar char="•"/>
-        <a:defRPr sz="1115" kern="1200">
+        <a:defRPr sz="1275" kern="1200">
           <a:solidFill>
             <a:schemeClr val="tx1"/>
           </a:solidFill>
@@ -3254,8 +3259,8 @@
       <a:defPPr>
         <a:defRPr lang="en-US"/>
       </a:defPPr>
-      <a:lvl1pPr marL="0" algn="l" defTabSz="566379" rtl="0" eaLnBrk="1" latinLnBrk="0" hangingPunct="1">
-        <a:defRPr sz="1115" kern="1200">
+      <a:lvl1pPr marL="0" algn="l" defTabSz="647944" rtl="0" eaLnBrk="1" latinLnBrk="0" hangingPunct="1">
+        <a:defRPr sz="1275" kern="1200">
           <a:solidFill>
             <a:schemeClr val="tx1"/>
           </a:solidFill>
@@ -3264,8 +3269,8 @@
           <a:cs typeface="+mn-cs"/>
         </a:defRPr>
       </a:lvl1pPr>
-      <a:lvl2pPr marL="283190" algn="l" defTabSz="566379" rtl="0" eaLnBrk="1" latinLnBrk="0" hangingPunct="1">
-        <a:defRPr sz="1115" kern="1200">
+      <a:lvl2pPr marL="323972" algn="l" defTabSz="647944" rtl="0" eaLnBrk="1" latinLnBrk="0" hangingPunct="1">
+        <a:defRPr sz="1275" kern="1200">
           <a:solidFill>
             <a:schemeClr val="tx1"/>
           </a:solidFill>
@@ -3274,8 +3279,8 @@
           <a:cs typeface="+mn-cs"/>
         </a:defRPr>
       </a:lvl2pPr>
-      <a:lvl3pPr marL="566379" algn="l" defTabSz="566379" rtl="0" eaLnBrk="1" latinLnBrk="0" hangingPunct="1">
-        <a:defRPr sz="1115" kern="1200">
+      <a:lvl3pPr marL="647944" algn="l" defTabSz="647944" rtl="0" eaLnBrk="1" latinLnBrk="0" hangingPunct="1">
+        <a:defRPr sz="1275" kern="1200">
           <a:solidFill>
             <a:schemeClr val="tx1"/>
           </a:solidFill>
@@ -3284,8 +3289,8 @@
           <a:cs typeface="+mn-cs"/>
         </a:defRPr>
       </a:lvl3pPr>
-      <a:lvl4pPr marL="849569" algn="l" defTabSz="566379" rtl="0" eaLnBrk="1" latinLnBrk="0" hangingPunct="1">
-        <a:defRPr sz="1115" kern="1200">
+      <a:lvl4pPr marL="971916" algn="l" defTabSz="647944" rtl="0" eaLnBrk="1" latinLnBrk="0" hangingPunct="1">
+        <a:defRPr sz="1275" kern="1200">
           <a:solidFill>
             <a:schemeClr val="tx1"/>
           </a:solidFill>
@@ -3294,8 +3299,8 @@
           <a:cs typeface="+mn-cs"/>
         </a:defRPr>
       </a:lvl4pPr>
-      <a:lvl5pPr marL="1132759" algn="l" defTabSz="566379" rtl="0" eaLnBrk="1" latinLnBrk="0" hangingPunct="1">
-        <a:defRPr sz="1115" kern="1200">
+      <a:lvl5pPr marL="1295888" algn="l" defTabSz="647944" rtl="0" eaLnBrk="1" latinLnBrk="0" hangingPunct="1">
+        <a:defRPr sz="1275" kern="1200">
           <a:solidFill>
             <a:schemeClr val="tx1"/>
           </a:solidFill>
@@ -3304,8 +3309,8 @@
           <a:cs typeface="+mn-cs"/>
         </a:defRPr>
       </a:lvl5pPr>
-      <a:lvl6pPr marL="1415948" algn="l" defTabSz="566379" rtl="0" eaLnBrk="1" latinLnBrk="0" hangingPunct="1">
-        <a:defRPr sz="1115" kern="1200">
+      <a:lvl6pPr marL="1619860" algn="l" defTabSz="647944" rtl="0" eaLnBrk="1" latinLnBrk="0" hangingPunct="1">
+        <a:defRPr sz="1275" kern="1200">
           <a:solidFill>
             <a:schemeClr val="tx1"/>
           </a:solidFill>
@@ -3314,8 +3319,8 @@
           <a:cs typeface="+mn-cs"/>
         </a:defRPr>
       </a:lvl6pPr>
-      <a:lvl7pPr marL="1699138" algn="l" defTabSz="566379" rtl="0" eaLnBrk="1" latinLnBrk="0" hangingPunct="1">
-        <a:defRPr sz="1115" kern="1200">
+      <a:lvl7pPr marL="1943832" algn="l" defTabSz="647944" rtl="0" eaLnBrk="1" latinLnBrk="0" hangingPunct="1">
+        <a:defRPr sz="1275" kern="1200">
           <a:solidFill>
             <a:schemeClr val="tx1"/>
           </a:solidFill>
@@ -3324,8 +3329,8 @@
           <a:cs typeface="+mn-cs"/>
         </a:defRPr>
       </a:lvl7pPr>
-      <a:lvl8pPr marL="1982328" algn="l" defTabSz="566379" rtl="0" eaLnBrk="1" latinLnBrk="0" hangingPunct="1">
-        <a:defRPr sz="1115" kern="1200">
+      <a:lvl8pPr marL="2267803" algn="l" defTabSz="647944" rtl="0" eaLnBrk="1" latinLnBrk="0" hangingPunct="1">
+        <a:defRPr sz="1275" kern="1200">
           <a:solidFill>
             <a:schemeClr val="tx1"/>
           </a:solidFill>
@@ -3334,8 +3339,8 @@
           <a:cs typeface="+mn-cs"/>
         </a:defRPr>
       </a:lvl8pPr>
-      <a:lvl9pPr marL="2265517" algn="l" defTabSz="566379" rtl="0" eaLnBrk="1" latinLnBrk="0" hangingPunct="1">
-        <a:defRPr sz="1115" kern="1200">
+      <a:lvl9pPr marL="2591775" algn="l" defTabSz="647944" rtl="0" eaLnBrk="1" latinLnBrk="0" hangingPunct="1">
+        <a:defRPr sz="1275" kern="1200">
           <a:solidFill>
             <a:schemeClr val="tx1"/>
           </a:solidFill>
@@ -3368,83 +3373,2504 @@
       </p:grpSpPr>
       <p:grpSp>
         <p:nvGrpSpPr>
-          <p:cNvPr id="6" name="Group 5"/>
+          <p:cNvPr id="201" name="Group 200"/>
           <p:cNvGrpSpPr/>
           <p:nvPr/>
         </p:nvGrpSpPr>
         <p:grpSpPr>
           <a:xfrm>
-            <a:off x="4791752" y="56775"/>
-            <a:ext cx="2160000" cy="500332"/>
-            <a:chOff x="4779034" y="483079"/>
-            <a:chExt cx="2160000" cy="500332"/>
+            <a:off x="44343" y="73560"/>
+            <a:ext cx="10886140" cy="4747221"/>
+            <a:chOff x="44343" y="-282835"/>
+            <a:chExt cx="10886140" cy="4747221"/>
           </a:xfrm>
         </p:grpSpPr>
-        <p:sp>
-          <p:nvSpPr>
-            <p:cNvPr id="4" name="Rounded Rectangle 3"/>
-            <p:cNvSpPr/>
+        <p:grpSp>
+          <p:nvGrpSpPr>
+            <p:cNvPr id="6" name="Group 5"/>
+            <p:cNvGrpSpPr/>
             <p:nvPr/>
-          </p:nvSpPr>
+          </p:nvGrpSpPr>
+          <p:grpSpPr>
+            <a:xfrm>
+              <a:off x="4463739" y="-282835"/>
+              <a:ext cx="2616819" cy="565669"/>
+              <a:chOff x="4317692" y="485361"/>
+              <a:chExt cx="2616819" cy="565669"/>
+            </a:xfrm>
+          </p:grpSpPr>
+          <p:sp>
+            <p:nvSpPr>
+              <p:cNvPr id="4" name="Rounded Rectangle 3"/>
+              <p:cNvSpPr/>
+              <p:nvPr/>
+            </p:nvSpPr>
+            <p:spPr>
+              <a:xfrm>
+                <a:off x="4317692" y="485361"/>
+                <a:ext cx="2616819" cy="565669"/>
+              </a:xfrm>
+              <a:prstGeom prst="roundRect">
+                <a:avLst>
+                  <a:gd name="adj" fmla="val 20166"/>
+                </a:avLst>
+              </a:prstGeom>
+              <a:noFill/>
+              <a:ln>
+                <a:solidFill>
+                  <a:schemeClr val="tx1"/>
+                </a:solidFill>
+              </a:ln>
+            </p:spPr>
+            <p:style>
+              <a:lnRef idx="2">
+                <a:schemeClr val="accent1">
+                  <a:shade val="50000"/>
+                </a:schemeClr>
+              </a:lnRef>
+              <a:fillRef idx="1">
+                <a:schemeClr val="accent1"/>
+              </a:fillRef>
+              <a:effectRef idx="0">
+                <a:schemeClr val="accent1"/>
+              </a:effectRef>
+              <a:fontRef idx="minor">
+                <a:schemeClr val="lt1"/>
+              </a:fontRef>
+            </p:style>
+            <p:txBody>
+              <a:bodyPr rot="0" spcFirstLastPara="0" vertOverflow="overflow" horzOverflow="overflow" vert="horz" wrap="square" lIns="91440" tIns="45720" rIns="91440" bIns="45720" numCol="1" spcCol="0" rtlCol="0" fromWordArt="0" anchor="ctr" anchorCtr="0" forceAA="0" compatLnSpc="1">
+                <a:prstTxWarp prst="textNoShape">
+                  <a:avLst/>
+                </a:prstTxWarp>
+                <a:noAutofit/>
+              </a:bodyPr>
+              <a:lstStyle/>
+              <a:p>
+                <a:pPr algn="ctr"/>
+                <a:endParaRPr lang="en-US">
+                  <a:noFill/>
+                </a:endParaRPr>
+              </a:p>
+            </p:txBody>
+          </p:sp>
+          <p:sp>
+            <p:nvSpPr>
+              <p:cNvPr id="5" name="TextBox 4"/>
+              <p:cNvSpPr txBox="1"/>
+              <p:nvPr/>
+            </p:nvSpPr>
+            <p:spPr>
+              <a:xfrm>
+                <a:off x="4512436" y="558337"/>
+                <a:ext cx="2256776" cy="400110"/>
+              </a:xfrm>
+              <a:prstGeom prst="rect">
+                <a:avLst/>
+              </a:prstGeom>
+              <a:noFill/>
+            </p:spPr>
+            <p:txBody>
+              <a:bodyPr wrap="square" rtlCol="0">
+                <a:spAutoFit/>
+              </a:bodyPr>
+              <a:lstStyle/>
+              <a:p>
+                <a:r>
+                  <a:rPr lang="zh-CN" altLang="en-US" sz="2000" dirty="0">
+                    <a:latin typeface="SimSun" charset="-122"/>
+                    <a:ea typeface="SimSun" charset="-122"/>
+                    <a:cs typeface="SimSun" charset="-122"/>
+                  </a:rPr>
+                  <a:t>复杂视觉场景理解</a:t>
+                </a:r>
+                <a:endParaRPr lang="en-US" sz="2000" dirty="0">
+                  <a:latin typeface="SimSun" charset="-122"/>
+                  <a:ea typeface="SimSun" charset="-122"/>
+                  <a:cs typeface="SimSun" charset="-122"/>
+                </a:endParaRPr>
+              </a:p>
+            </p:txBody>
+          </p:sp>
+        </p:grpSp>
+        <p:grpSp>
+          <p:nvGrpSpPr>
+            <p:cNvPr id="7" name="Group 6"/>
+            <p:cNvGrpSpPr/>
+            <p:nvPr/>
+          </p:nvGrpSpPr>
+          <p:grpSpPr>
+            <a:xfrm>
+              <a:off x="2799082" y="852348"/>
+              <a:ext cx="754905" cy="492862"/>
+              <a:chOff x="3856158" y="436268"/>
+              <a:chExt cx="2386449" cy="501222"/>
+            </a:xfrm>
+          </p:grpSpPr>
+          <p:sp>
+            <p:nvSpPr>
+              <p:cNvPr id="8" name="Rounded Rectangle 7"/>
+              <p:cNvSpPr/>
+              <p:nvPr/>
+            </p:nvSpPr>
+            <p:spPr>
+              <a:xfrm>
+                <a:off x="3856158" y="436268"/>
+                <a:ext cx="2386449" cy="501222"/>
+              </a:xfrm>
+              <a:prstGeom prst="roundRect">
+                <a:avLst>
+                  <a:gd name="adj" fmla="val 0"/>
+                </a:avLst>
+              </a:prstGeom>
+              <a:noFill/>
+              <a:ln>
+                <a:solidFill>
+                  <a:schemeClr val="tx1"/>
+                </a:solidFill>
+              </a:ln>
+            </p:spPr>
+            <p:style>
+              <a:lnRef idx="2">
+                <a:schemeClr val="accent1">
+                  <a:shade val="50000"/>
+                </a:schemeClr>
+              </a:lnRef>
+              <a:fillRef idx="1">
+                <a:schemeClr val="accent1"/>
+              </a:fillRef>
+              <a:effectRef idx="0">
+                <a:schemeClr val="accent1"/>
+              </a:effectRef>
+              <a:fontRef idx="minor">
+                <a:schemeClr val="lt1"/>
+              </a:fontRef>
+            </p:style>
+            <p:txBody>
+              <a:bodyPr rot="0" spcFirstLastPara="0" vertOverflow="overflow" horzOverflow="overflow" vert="horz" wrap="square" lIns="91440" tIns="45720" rIns="91440" bIns="45720" numCol="1" spcCol="0" rtlCol="0" fromWordArt="0" anchor="ctr" anchorCtr="0" forceAA="0" compatLnSpc="1">
+                <a:prstTxWarp prst="textNoShape">
+                  <a:avLst/>
+                </a:prstTxWarp>
+                <a:noAutofit/>
+              </a:bodyPr>
+              <a:lstStyle/>
+              <a:p>
+                <a:pPr algn="ctr"/>
+                <a:endParaRPr lang="en-US">
+                  <a:noFill/>
+                </a:endParaRPr>
+              </a:p>
+            </p:txBody>
+          </p:sp>
+          <p:sp>
+            <p:nvSpPr>
+              <p:cNvPr id="9" name="TextBox 8"/>
+              <p:cNvSpPr txBox="1"/>
+              <p:nvPr/>
+            </p:nvSpPr>
+            <p:spPr>
+              <a:xfrm>
+                <a:off x="3950736" y="484671"/>
+                <a:ext cx="2291871" cy="406897"/>
+              </a:xfrm>
+              <a:prstGeom prst="rect">
+                <a:avLst/>
+              </a:prstGeom>
+              <a:noFill/>
+            </p:spPr>
+            <p:txBody>
+              <a:bodyPr wrap="square" rtlCol="0">
+                <a:spAutoFit/>
+              </a:bodyPr>
+              <a:lstStyle/>
+              <a:p>
+                <a:r>
+                  <a:rPr lang="zh-CN" altLang="en-US" sz="2000" dirty="0">
+                    <a:latin typeface="SimSun" charset="-122"/>
+                    <a:ea typeface="SimSun" charset="-122"/>
+                    <a:cs typeface="SimSun" charset="-122"/>
+                  </a:rPr>
+                  <a:t>识别</a:t>
+                </a:r>
+                <a:endParaRPr lang="en-US" sz="2000" dirty="0">
+                  <a:latin typeface="SimSun" charset="-122"/>
+                  <a:ea typeface="SimSun" charset="-122"/>
+                  <a:cs typeface="SimSun" charset="-122"/>
+                </a:endParaRPr>
+              </a:p>
+            </p:txBody>
+          </p:sp>
+        </p:grpSp>
+        <p:grpSp>
+          <p:nvGrpSpPr>
+            <p:cNvPr id="10" name="Group 9"/>
+            <p:cNvGrpSpPr/>
+            <p:nvPr/>
+          </p:nvGrpSpPr>
+          <p:grpSpPr>
+            <a:xfrm>
+              <a:off x="8209784" y="852348"/>
+              <a:ext cx="814588" cy="492862"/>
+              <a:chOff x="4232740" y="483077"/>
+              <a:chExt cx="2575122" cy="448824"/>
+            </a:xfrm>
+          </p:grpSpPr>
+          <p:sp>
+            <p:nvSpPr>
+              <p:cNvPr id="11" name="Rounded Rectangle 10"/>
+              <p:cNvSpPr/>
+              <p:nvPr/>
+            </p:nvSpPr>
+            <p:spPr>
+              <a:xfrm>
+                <a:off x="4232740" y="483077"/>
+                <a:ext cx="2575122" cy="448824"/>
+              </a:xfrm>
+              <a:prstGeom prst="roundRect">
+                <a:avLst>
+                  <a:gd name="adj" fmla="val 0"/>
+                </a:avLst>
+              </a:prstGeom>
+              <a:noFill/>
+              <a:ln>
+                <a:solidFill>
+                  <a:schemeClr val="tx1"/>
+                </a:solidFill>
+              </a:ln>
+            </p:spPr>
+            <p:style>
+              <a:lnRef idx="2">
+                <a:schemeClr val="accent1">
+                  <a:shade val="50000"/>
+                </a:schemeClr>
+              </a:lnRef>
+              <a:fillRef idx="1">
+                <a:schemeClr val="accent1"/>
+              </a:fillRef>
+              <a:effectRef idx="0">
+                <a:schemeClr val="accent1"/>
+              </a:effectRef>
+              <a:fontRef idx="minor">
+                <a:schemeClr val="lt1"/>
+              </a:fontRef>
+            </p:style>
+            <p:txBody>
+              <a:bodyPr rot="0" spcFirstLastPara="0" vertOverflow="overflow" horzOverflow="overflow" vert="horz" wrap="square" lIns="91440" tIns="45720" rIns="91440" bIns="45720" numCol="1" spcCol="0" rtlCol="0" fromWordArt="0" anchor="ctr" anchorCtr="0" forceAA="0" compatLnSpc="1">
+                <a:prstTxWarp prst="textNoShape">
+                  <a:avLst/>
+                </a:prstTxWarp>
+                <a:noAutofit/>
+              </a:bodyPr>
+              <a:lstStyle/>
+              <a:p>
+                <a:pPr algn="ctr"/>
+                <a:endParaRPr lang="en-US">
+                  <a:noFill/>
+                </a:endParaRPr>
+              </a:p>
+            </p:txBody>
+          </p:sp>
+          <p:sp>
+            <p:nvSpPr>
+              <p:cNvPr id="12" name="TextBox 11"/>
+              <p:cNvSpPr txBox="1"/>
+              <p:nvPr/>
+            </p:nvSpPr>
+            <p:spPr>
+              <a:xfrm>
+                <a:off x="4372082" y="525309"/>
+                <a:ext cx="2435780" cy="364360"/>
+              </a:xfrm>
+              <a:prstGeom prst="rect">
+                <a:avLst/>
+              </a:prstGeom>
+              <a:noFill/>
+            </p:spPr>
+            <p:txBody>
+              <a:bodyPr wrap="square" rtlCol="0">
+                <a:spAutoFit/>
+              </a:bodyPr>
+              <a:lstStyle/>
+              <a:p>
+                <a:r>
+                  <a:rPr lang="zh-CN" altLang="en-US" sz="2000" dirty="0">
+                    <a:latin typeface="SimSun" charset="-122"/>
+                    <a:ea typeface="SimSun" charset="-122"/>
+                    <a:cs typeface="SimSun" charset="-122"/>
+                  </a:rPr>
+                  <a:t>推理</a:t>
+                </a:r>
+                <a:endParaRPr lang="en-US" sz="2000" dirty="0">
+                  <a:latin typeface="SimSun" charset="-122"/>
+                  <a:ea typeface="SimSun" charset="-122"/>
+                  <a:cs typeface="SimSun" charset="-122"/>
+                </a:endParaRPr>
+              </a:p>
+            </p:txBody>
+          </p:sp>
+        </p:grpSp>
+        <p:grpSp>
+          <p:nvGrpSpPr>
+            <p:cNvPr id="13" name="Group 12"/>
+            <p:cNvGrpSpPr/>
+            <p:nvPr/>
+          </p:nvGrpSpPr>
+          <p:grpSpPr>
+            <a:xfrm>
+              <a:off x="1179779" y="2221258"/>
+              <a:ext cx="1239973" cy="519000"/>
+              <a:chOff x="4779030" y="483078"/>
+              <a:chExt cx="3686478" cy="527807"/>
+            </a:xfrm>
+          </p:grpSpPr>
+          <p:sp>
+            <p:nvSpPr>
+              <p:cNvPr id="14" name="Rounded Rectangle 13"/>
+              <p:cNvSpPr/>
+              <p:nvPr/>
+            </p:nvSpPr>
+            <p:spPr>
+              <a:xfrm>
+                <a:off x="4779030" y="483078"/>
+                <a:ext cx="3647623" cy="527807"/>
+              </a:xfrm>
+              <a:prstGeom prst="roundRect">
+                <a:avLst>
+                  <a:gd name="adj" fmla="val 0"/>
+                </a:avLst>
+              </a:prstGeom>
+              <a:noFill/>
+              <a:ln>
+                <a:solidFill>
+                  <a:schemeClr val="tx1"/>
+                </a:solidFill>
+              </a:ln>
+            </p:spPr>
+            <p:style>
+              <a:lnRef idx="2">
+                <a:schemeClr val="accent1">
+                  <a:shade val="50000"/>
+                </a:schemeClr>
+              </a:lnRef>
+              <a:fillRef idx="1">
+                <a:schemeClr val="accent1"/>
+              </a:fillRef>
+              <a:effectRef idx="0">
+                <a:schemeClr val="accent1"/>
+              </a:effectRef>
+              <a:fontRef idx="minor">
+                <a:schemeClr val="lt1"/>
+              </a:fontRef>
+            </p:style>
+            <p:txBody>
+              <a:bodyPr rot="0" spcFirstLastPara="0" vertOverflow="overflow" horzOverflow="overflow" vert="horz" wrap="square" lIns="91440" tIns="45720" rIns="91440" bIns="45720" numCol="1" spcCol="0" rtlCol="0" fromWordArt="0" anchor="ctr" anchorCtr="0" forceAA="0" compatLnSpc="1">
+                <a:prstTxWarp prst="textNoShape">
+                  <a:avLst/>
+                </a:prstTxWarp>
+                <a:noAutofit/>
+              </a:bodyPr>
+              <a:lstStyle/>
+              <a:p>
+                <a:pPr algn="ctr"/>
+                <a:endParaRPr lang="en-US">
+                  <a:noFill/>
+                </a:endParaRPr>
+              </a:p>
+            </p:txBody>
+          </p:sp>
+          <p:sp>
+            <p:nvSpPr>
+              <p:cNvPr id="15" name="TextBox 14"/>
+              <p:cNvSpPr txBox="1"/>
+              <p:nvPr/>
+            </p:nvSpPr>
+            <p:spPr>
+              <a:xfrm>
+                <a:off x="4833511" y="543532"/>
+                <a:ext cx="3631997" cy="406900"/>
+              </a:xfrm>
+              <a:prstGeom prst="rect">
+                <a:avLst/>
+              </a:prstGeom>
+              <a:noFill/>
+            </p:spPr>
+            <p:txBody>
+              <a:bodyPr wrap="square" rtlCol="0">
+                <a:spAutoFit/>
+              </a:bodyPr>
+              <a:lstStyle/>
+              <a:p>
+                <a:r>
+                  <a:rPr lang="zh-CN" altLang="en-US" sz="2000" dirty="0">
+                    <a:latin typeface="SimSun" charset="-122"/>
+                    <a:ea typeface="SimSun" charset="-122"/>
+                    <a:cs typeface="SimSun" charset="-122"/>
+                  </a:rPr>
+                  <a:t>物体识别</a:t>
+                </a:r>
+                <a:endParaRPr lang="en-US" sz="2000" dirty="0">
+                  <a:latin typeface="SimSun" charset="-122"/>
+                  <a:ea typeface="SimSun" charset="-122"/>
+                  <a:cs typeface="SimSun" charset="-122"/>
+                </a:endParaRPr>
+              </a:p>
+            </p:txBody>
+          </p:sp>
+        </p:grpSp>
+        <p:grpSp>
+          <p:nvGrpSpPr>
+            <p:cNvPr id="16" name="Group 15"/>
+            <p:cNvGrpSpPr/>
+            <p:nvPr/>
+          </p:nvGrpSpPr>
+          <p:grpSpPr>
+            <a:xfrm>
+              <a:off x="4140517" y="2221256"/>
+              <a:ext cx="1234977" cy="517053"/>
+              <a:chOff x="4682589" y="487696"/>
+              <a:chExt cx="3671626" cy="525825"/>
+            </a:xfrm>
+          </p:grpSpPr>
+          <p:sp>
+            <p:nvSpPr>
+              <p:cNvPr id="17" name="Rounded Rectangle 16"/>
+              <p:cNvSpPr/>
+              <p:nvPr/>
+            </p:nvSpPr>
+            <p:spPr>
+              <a:xfrm>
+                <a:off x="4682589" y="487696"/>
+                <a:ext cx="3671626" cy="525825"/>
+              </a:xfrm>
+              <a:prstGeom prst="roundRect">
+                <a:avLst>
+                  <a:gd name="adj" fmla="val 0"/>
+                </a:avLst>
+              </a:prstGeom>
+              <a:noFill/>
+              <a:ln>
+                <a:solidFill>
+                  <a:schemeClr val="tx1"/>
+                </a:solidFill>
+              </a:ln>
+            </p:spPr>
+            <p:style>
+              <a:lnRef idx="2">
+                <a:schemeClr val="accent1">
+                  <a:shade val="50000"/>
+                </a:schemeClr>
+              </a:lnRef>
+              <a:fillRef idx="1">
+                <a:schemeClr val="accent1"/>
+              </a:fillRef>
+              <a:effectRef idx="0">
+                <a:schemeClr val="accent1"/>
+              </a:effectRef>
+              <a:fontRef idx="minor">
+                <a:schemeClr val="lt1"/>
+              </a:fontRef>
+            </p:style>
+            <p:txBody>
+              <a:bodyPr rot="0" spcFirstLastPara="0" vertOverflow="overflow" horzOverflow="overflow" vert="horz" wrap="square" lIns="91440" tIns="45720" rIns="91440" bIns="45720" numCol="1" spcCol="0" rtlCol="0" fromWordArt="0" anchor="ctr" anchorCtr="0" forceAA="0" compatLnSpc="1">
+                <a:prstTxWarp prst="textNoShape">
+                  <a:avLst/>
+                </a:prstTxWarp>
+                <a:noAutofit/>
+              </a:bodyPr>
+              <a:lstStyle/>
+              <a:p>
+                <a:pPr algn="ctr"/>
+                <a:endParaRPr lang="en-US">
+                  <a:noFill/>
+                </a:endParaRPr>
+              </a:p>
+            </p:txBody>
+          </p:sp>
+          <p:sp>
+            <p:nvSpPr>
+              <p:cNvPr id="18" name="TextBox 17"/>
+              <p:cNvSpPr txBox="1"/>
+              <p:nvPr/>
+            </p:nvSpPr>
+            <p:spPr>
+              <a:xfrm>
+                <a:off x="4729997" y="548152"/>
+                <a:ext cx="3624218" cy="406898"/>
+              </a:xfrm>
+              <a:prstGeom prst="rect">
+                <a:avLst/>
+              </a:prstGeom>
+              <a:noFill/>
+            </p:spPr>
+            <p:txBody>
+              <a:bodyPr wrap="square" rtlCol="0">
+                <a:spAutoFit/>
+              </a:bodyPr>
+              <a:lstStyle/>
+              <a:p>
+                <a:r>
+                  <a:rPr lang="zh-CN" altLang="en-US" sz="2000" dirty="0">
+                    <a:latin typeface="SimSun" charset="-122"/>
+                    <a:ea typeface="SimSun" charset="-122"/>
+                    <a:cs typeface="SimSun" charset="-122"/>
+                  </a:rPr>
+                  <a:t>场景识别</a:t>
+                </a:r>
+                <a:endParaRPr lang="en-US" sz="2000" dirty="0">
+                  <a:latin typeface="SimSun" charset="-122"/>
+                  <a:ea typeface="SimSun" charset="-122"/>
+                  <a:cs typeface="SimSun" charset="-122"/>
+                </a:endParaRPr>
+              </a:p>
+            </p:txBody>
+          </p:sp>
+        </p:grpSp>
+        <p:grpSp>
+          <p:nvGrpSpPr>
+            <p:cNvPr id="19" name="Group 18"/>
+            <p:cNvGrpSpPr/>
+            <p:nvPr/>
+          </p:nvGrpSpPr>
+          <p:grpSpPr>
+            <a:xfrm>
+              <a:off x="6905711" y="2221256"/>
+              <a:ext cx="1234132" cy="517053"/>
+              <a:chOff x="4655596" y="483076"/>
+              <a:chExt cx="3669113" cy="525828"/>
+            </a:xfrm>
+          </p:grpSpPr>
+          <p:sp>
+            <p:nvSpPr>
+              <p:cNvPr id="20" name="Rounded Rectangle 19"/>
+              <p:cNvSpPr/>
+              <p:nvPr/>
+            </p:nvSpPr>
+            <p:spPr>
+              <a:xfrm>
+                <a:off x="4655596" y="483076"/>
+                <a:ext cx="3638907" cy="525828"/>
+              </a:xfrm>
+              <a:prstGeom prst="roundRect">
+                <a:avLst>
+                  <a:gd name="adj" fmla="val 0"/>
+                </a:avLst>
+              </a:prstGeom>
+              <a:noFill/>
+              <a:ln>
+                <a:solidFill>
+                  <a:schemeClr val="tx1"/>
+                </a:solidFill>
+              </a:ln>
+            </p:spPr>
+            <p:style>
+              <a:lnRef idx="2">
+                <a:schemeClr val="accent1">
+                  <a:shade val="50000"/>
+                </a:schemeClr>
+              </a:lnRef>
+              <a:fillRef idx="1">
+                <a:schemeClr val="accent1"/>
+              </a:fillRef>
+              <a:effectRef idx="0">
+                <a:schemeClr val="accent1"/>
+              </a:effectRef>
+              <a:fontRef idx="minor">
+                <a:schemeClr val="lt1"/>
+              </a:fontRef>
+            </p:style>
+            <p:txBody>
+              <a:bodyPr rot="0" spcFirstLastPara="0" vertOverflow="overflow" horzOverflow="overflow" vert="horz" wrap="square" lIns="91440" tIns="45720" rIns="91440" bIns="45720" numCol="1" spcCol="0" rtlCol="0" fromWordArt="0" anchor="ctr" anchorCtr="0" forceAA="0" compatLnSpc="1">
+                <a:prstTxWarp prst="textNoShape">
+                  <a:avLst/>
+                </a:prstTxWarp>
+                <a:noAutofit/>
+              </a:bodyPr>
+              <a:lstStyle/>
+              <a:p>
+                <a:pPr algn="ctr"/>
+                <a:endParaRPr lang="en-US">
+                  <a:noFill/>
+                </a:endParaRPr>
+              </a:p>
+            </p:txBody>
+          </p:sp>
+          <p:sp>
+            <p:nvSpPr>
+              <p:cNvPr id="21" name="TextBox 20"/>
+              <p:cNvSpPr txBox="1"/>
+              <p:nvPr/>
+            </p:nvSpPr>
+            <p:spPr>
+              <a:xfrm>
+                <a:off x="4693594" y="548278"/>
+                <a:ext cx="3631115" cy="406900"/>
+              </a:xfrm>
+              <a:prstGeom prst="rect">
+                <a:avLst/>
+              </a:prstGeom>
+              <a:noFill/>
+            </p:spPr>
+            <p:txBody>
+              <a:bodyPr wrap="square" rtlCol="0">
+                <a:spAutoFit/>
+              </a:bodyPr>
+              <a:lstStyle/>
+              <a:p>
+                <a:r>
+                  <a:rPr lang="zh-CN" altLang="en-US" sz="2000" dirty="0">
+                    <a:latin typeface="SimSun" charset="-122"/>
+                    <a:ea typeface="SimSun" charset="-122"/>
+                    <a:cs typeface="SimSun" charset="-122"/>
+                  </a:rPr>
+                  <a:t>场景理解</a:t>
+                </a:r>
+                <a:endParaRPr lang="en-US" sz="2000" dirty="0">
+                  <a:latin typeface="SimSun" charset="-122"/>
+                  <a:ea typeface="SimSun" charset="-122"/>
+                  <a:cs typeface="SimSun" charset="-122"/>
+                </a:endParaRPr>
+              </a:p>
+            </p:txBody>
+          </p:sp>
+        </p:grpSp>
+        <p:grpSp>
+          <p:nvGrpSpPr>
+            <p:cNvPr id="22" name="Group 21"/>
+            <p:cNvGrpSpPr/>
+            <p:nvPr/>
+          </p:nvGrpSpPr>
+          <p:grpSpPr>
+            <a:xfrm>
+              <a:off x="9186639" y="2221256"/>
+              <a:ext cx="1245100" cy="517053"/>
+              <a:chOff x="4559377" y="483077"/>
+              <a:chExt cx="3701721" cy="521580"/>
+            </a:xfrm>
+          </p:grpSpPr>
+          <p:sp>
+            <p:nvSpPr>
+              <p:cNvPr id="23" name="Rounded Rectangle 22"/>
+              <p:cNvSpPr/>
+              <p:nvPr/>
+            </p:nvSpPr>
+            <p:spPr>
+              <a:xfrm>
+                <a:off x="4559377" y="483077"/>
+                <a:ext cx="3701721" cy="521580"/>
+              </a:xfrm>
+              <a:prstGeom prst="roundRect">
+                <a:avLst>
+                  <a:gd name="adj" fmla="val 0"/>
+                </a:avLst>
+              </a:prstGeom>
+              <a:noFill/>
+              <a:ln>
+                <a:solidFill>
+                  <a:schemeClr val="tx1"/>
+                </a:solidFill>
+              </a:ln>
+            </p:spPr>
+            <p:style>
+              <a:lnRef idx="2">
+                <a:schemeClr val="accent1">
+                  <a:shade val="50000"/>
+                </a:schemeClr>
+              </a:lnRef>
+              <a:fillRef idx="1">
+                <a:schemeClr val="accent1"/>
+              </a:fillRef>
+              <a:effectRef idx="0">
+                <a:schemeClr val="accent1"/>
+              </a:effectRef>
+              <a:fontRef idx="minor">
+                <a:schemeClr val="lt1"/>
+              </a:fontRef>
+            </p:style>
+            <p:txBody>
+              <a:bodyPr rot="0" spcFirstLastPara="0" vertOverflow="overflow" horzOverflow="overflow" vert="horz" wrap="square" lIns="91440" tIns="45720" rIns="91440" bIns="45720" numCol="1" spcCol="0" rtlCol="0" fromWordArt="0" anchor="ctr" anchorCtr="0" forceAA="0" compatLnSpc="1">
+                <a:prstTxWarp prst="textNoShape">
+                  <a:avLst/>
+                </a:prstTxWarp>
+                <a:noAutofit/>
+              </a:bodyPr>
+              <a:lstStyle/>
+              <a:p>
+                <a:pPr algn="ctr"/>
+                <a:endParaRPr lang="en-US">
+                  <a:noFill/>
+                </a:endParaRPr>
+              </a:p>
+            </p:txBody>
+          </p:sp>
+          <p:sp>
+            <p:nvSpPr>
+              <p:cNvPr id="24" name="TextBox 23"/>
+              <p:cNvSpPr txBox="1"/>
+              <p:nvPr/>
+            </p:nvSpPr>
+            <p:spPr>
+              <a:xfrm>
+                <a:off x="4644438" y="534976"/>
+                <a:ext cx="3616660" cy="406900"/>
+              </a:xfrm>
+              <a:prstGeom prst="rect">
+                <a:avLst/>
+              </a:prstGeom>
+              <a:noFill/>
+            </p:spPr>
+            <p:txBody>
+              <a:bodyPr wrap="square" rtlCol="0">
+                <a:spAutoFit/>
+              </a:bodyPr>
+              <a:lstStyle/>
+              <a:p>
+                <a:r>
+                  <a:rPr lang="zh-CN" altLang="en-US" sz="2000" dirty="0">
+                    <a:latin typeface="SimSun" charset="-122"/>
+                    <a:ea typeface="SimSun" charset="-122"/>
+                    <a:cs typeface="SimSun" charset="-122"/>
+                  </a:rPr>
+                  <a:t>场景推理</a:t>
+                </a:r>
+                <a:endParaRPr lang="en-US" sz="2000" dirty="0">
+                  <a:latin typeface="SimSun" charset="-122"/>
+                  <a:ea typeface="SimSun" charset="-122"/>
+                  <a:cs typeface="SimSun" charset="-122"/>
+                </a:endParaRPr>
+              </a:p>
+            </p:txBody>
+          </p:sp>
+        </p:grpSp>
+        <p:grpSp>
+          <p:nvGrpSpPr>
+            <p:cNvPr id="25" name="Group 24"/>
+            <p:cNvGrpSpPr/>
+            <p:nvPr/>
+          </p:nvGrpSpPr>
+          <p:grpSpPr>
+            <a:xfrm>
+              <a:off x="9911793" y="3606535"/>
+              <a:ext cx="1018690" cy="360000"/>
+              <a:chOff x="4779031" y="483077"/>
+              <a:chExt cx="3028596" cy="366109"/>
+            </a:xfrm>
+          </p:grpSpPr>
+          <p:sp>
+            <p:nvSpPr>
+              <p:cNvPr id="26" name="Rounded Rectangle 25"/>
+              <p:cNvSpPr/>
+              <p:nvPr/>
+            </p:nvSpPr>
+            <p:spPr>
+              <a:xfrm>
+                <a:off x="4779031" y="483077"/>
+                <a:ext cx="2996815" cy="366109"/>
+              </a:xfrm>
+              <a:prstGeom prst="roundRect">
+                <a:avLst>
+                  <a:gd name="adj" fmla="val 0"/>
+                </a:avLst>
+              </a:prstGeom>
+              <a:solidFill>
+                <a:schemeClr val="bg1">
+                  <a:lumMod val="75000"/>
+                </a:schemeClr>
+              </a:solidFill>
+              <a:ln>
+                <a:solidFill>
+                  <a:schemeClr val="tx1"/>
+                </a:solidFill>
+              </a:ln>
+            </p:spPr>
+            <p:style>
+              <a:lnRef idx="2">
+                <a:schemeClr val="accent1">
+                  <a:shade val="50000"/>
+                </a:schemeClr>
+              </a:lnRef>
+              <a:fillRef idx="1">
+                <a:schemeClr val="accent1"/>
+              </a:fillRef>
+              <a:effectRef idx="0">
+                <a:schemeClr val="accent1"/>
+              </a:effectRef>
+              <a:fontRef idx="minor">
+                <a:schemeClr val="lt1"/>
+              </a:fontRef>
+            </p:style>
+            <p:txBody>
+              <a:bodyPr rot="0" spcFirstLastPara="0" vertOverflow="overflow" horzOverflow="overflow" vert="horz" wrap="square" lIns="91440" tIns="45720" rIns="91440" bIns="45720" numCol="1" spcCol="0" rtlCol="0" fromWordArt="0" anchor="ctr" anchorCtr="0" forceAA="0" compatLnSpc="1">
+                <a:prstTxWarp prst="textNoShape">
+                  <a:avLst/>
+                </a:prstTxWarp>
+                <a:noAutofit/>
+              </a:bodyPr>
+              <a:lstStyle/>
+              <a:p>
+                <a:pPr algn="ctr"/>
+                <a:endParaRPr lang="en-US">
+                  <a:noFill/>
+                </a:endParaRPr>
+              </a:p>
+            </p:txBody>
+          </p:sp>
+          <p:sp>
+            <p:nvSpPr>
+              <p:cNvPr id="27" name="TextBox 26"/>
+              <p:cNvSpPr txBox="1"/>
+              <p:nvPr/>
+            </p:nvSpPr>
+            <p:spPr>
+              <a:xfrm>
+                <a:off x="4842065" y="490250"/>
+                <a:ext cx="2965562" cy="344299"/>
+              </a:xfrm>
+              <a:prstGeom prst="rect">
+                <a:avLst/>
+              </a:prstGeom>
+              <a:noFill/>
+            </p:spPr>
+            <p:txBody>
+              <a:bodyPr wrap="square" rtlCol="0">
+                <a:spAutoFit/>
+              </a:bodyPr>
+              <a:lstStyle/>
+              <a:p>
+                <a:r>
+                  <a:rPr lang="zh-CN" altLang="en-US" sz="1600" b="1" dirty="0">
+                    <a:latin typeface="SimSun" charset="-122"/>
+                    <a:ea typeface="SimSun" charset="-122"/>
+                    <a:cs typeface="SimSun" charset="-122"/>
+                  </a:rPr>
+                  <a:t>视觉问答</a:t>
+                </a:r>
+                <a:endParaRPr lang="en-US" sz="1600" b="1" dirty="0">
+                  <a:latin typeface="SimSun" charset="-122"/>
+                  <a:ea typeface="SimSun" charset="-122"/>
+                  <a:cs typeface="SimSun" charset="-122"/>
+                </a:endParaRPr>
+              </a:p>
+            </p:txBody>
+          </p:sp>
+        </p:grpSp>
+        <p:grpSp>
+          <p:nvGrpSpPr>
+            <p:cNvPr id="28" name="Group 27"/>
+            <p:cNvGrpSpPr/>
+            <p:nvPr/>
+          </p:nvGrpSpPr>
+          <p:grpSpPr>
+            <a:xfrm>
+              <a:off x="7626761" y="3610212"/>
+              <a:ext cx="1031403" cy="360000"/>
+              <a:chOff x="5155502" y="463112"/>
+              <a:chExt cx="3066393" cy="366109"/>
+            </a:xfrm>
+          </p:grpSpPr>
+          <p:sp>
+            <p:nvSpPr>
+              <p:cNvPr id="29" name="Rounded Rectangle 28"/>
+              <p:cNvSpPr/>
+              <p:nvPr/>
+            </p:nvSpPr>
+            <p:spPr>
+              <a:xfrm>
+                <a:off x="5155502" y="463112"/>
+                <a:ext cx="2996816" cy="366109"/>
+              </a:xfrm>
+              <a:prstGeom prst="roundRect">
+                <a:avLst>
+                  <a:gd name="adj" fmla="val 0"/>
+                </a:avLst>
+              </a:prstGeom>
+              <a:solidFill>
+                <a:schemeClr val="bg1">
+                  <a:lumMod val="75000"/>
+                </a:schemeClr>
+              </a:solidFill>
+              <a:ln>
+                <a:solidFill>
+                  <a:schemeClr val="tx1"/>
+                </a:solidFill>
+              </a:ln>
+            </p:spPr>
+            <p:style>
+              <a:lnRef idx="2">
+                <a:schemeClr val="accent1">
+                  <a:shade val="50000"/>
+                </a:schemeClr>
+              </a:lnRef>
+              <a:fillRef idx="1">
+                <a:schemeClr val="accent1"/>
+              </a:fillRef>
+              <a:effectRef idx="0">
+                <a:schemeClr val="accent1"/>
+              </a:effectRef>
+              <a:fontRef idx="minor">
+                <a:schemeClr val="lt1"/>
+              </a:fontRef>
+            </p:style>
+            <p:txBody>
+              <a:bodyPr rot="0" spcFirstLastPara="0" vertOverflow="overflow" horzOverflow="overflow" vert="horz" wrap="square" lIns="91440" tIns="45720" rIns="91440" bIns="45720" numCol="1" spcCol="0" rtlCol="0" fromWordArt="0" anchor="ctr" anchorCtr="0" forceAA="0" compatLnSpc="1">
+                <a:prstTxWarp prst="textNoShape">
+                  <a:avLst/>
+                </a:prstTxWarp>
+                <a:noAutofit/>
+              </a:bodyPr>
+              <a:lstStyle/>
+              <a:p>
+                <a:pPr algn="ctr"/>
+                <a:endParaRPr lang="en-US">
+                  <a:noFill/>
+                </a:endParaRPr>
+              </a:p>
+            </p:txBody>
+          </p:sp>
+          <p:sp>
+            <p:nvSpPr>
+              <p:cNvPr id="30" name="TextBox 29"/>
+              <p:cNvSpPr txBox="1"/>
+              <p:nvPr/>
+            </p:nvSpPr>
+            <p:spPr>
+              <a:xfrm>
+                <a:off x="5256332" y="473281"/>
+                <a:ext cx="2965563" cy="344299"/>
+              </a:xfrm>
+              <a:prstGeom prst="rect">
+                <a:avLst/>
+              </a:prstGeom>
+              <a:noFill/>
+            </p:spPr>
+            <p:txBody>
+              <a:bodyPr wrap="square" rtlCol="0">
+                <a:spAutoFit/>
+              </a:bodyPr>
+              <a:lstStyle/>
+              <a:p>
+                <a:r>
+                  <a:rPr lang="zh-CN" altLang="en-US" sz="1600" b="1" dirty="0">
+                    <a:latin typeface="SimSun" charset="-122"/>
+                    <a:ea typeface="SimSun" charset="-122"/>
+                    <a:cs typeface="SimSun" charset="-122"/>
+                  </a:rPr>
+                  <a:t>视觉检索</a:t>
+                </a:r>
+                <a:endParaRPr lang="en-US" sz="1600" b="1" dirty="0">
+                  <a:latin typeface="SimSun" charset="-122"/>
+                  <a:ea typeface="SimSun" charset="-122"/>
+                  <a:cs typeface="SimSun" charset="-122"/>
+                </a:endParaRPr>
+              </a:p>
+            </p:txBody>
+          </p:sp>
+        </p:grpSp>
+        <p:grpSp>
+          <p:nvGrpSpPr>
+            <p:cNvPr id="31" name="Group 30"/>
+            <p:cNvGrpSpPr/>
+            <p:nvPr/>
+          </p:nvGrpSpPr>
+          <p:grpSpPr>
+            <a:xfrm>
+              <a:off x="5988733" y="3614850"/>
+              <a:ext cx="1512000" cy="360001"/>
+              <a:chOff x="3645794" y="483077"/>
+              <a:chExt cx="4495223" cy="366109"/>
+            </a:xfrm>
+          </p:grpSpPr>
+          <p:sp>
+            <p:nvSpPr>
+              <p:cNvPr id="32" name="Rounded Rectangle 31"/>
+              <p:cNvSpPr/>
+              <p:nvPr/>
+            </p:nvSpPr>
+            <p:spPr>
+              <a:xfrm>
+                <a:off x="3645794" y="483077"/>
+                <a:ext cx="4495223" cy="366109"/>
+              </a:xfrm>
+              <a:prstGeom prst="roundRect">
+                <a:avLst>
+                  <a:gd name="adj" fmla="val 0"/>
+                </a:avLst>
+              </a:prstGeom>
+              <a:solidFill>
+                <a:schemeClr val="bg1">
+                  <a:lumMod val="75000"/>
+                </a:schemeClr>
+              </a:solidFill>
+              <a:ln>
+                <a:solidFill>
+                  <a:schemeClr val="tx1"/>
+                </a:solidFill>
+              </a:ln>
+            </p:spPr>
+            <p:style>
+              <a:lnRef idx="2">
+                <a:schemeClr val="accent1">
+                  <a:shade val="50000"/>
+                </a:schemeClr>
+              </a:lnRef>
+              <a:fillRef idx="1">
+                <a:schemeClr val="accent1"/>
+              </a:fillRef>
+              <a:effectRef idx="0">
+                <a:schemeClr val="accent1"/>
+              </a:effectRef>
+              <a:fontRef idx="minor">
+                <a:schemeClr val="lt1"/>
+              </a:fontRef>
+            </p:style>
+            <p:txBody>
+              <a:bodyPr rot="0" spcFirstLastPara="0" vertOverflow="overflow" horzOverflow="overflow" vert="horz" wrap="square" lIns="91440" tIns="45720" rIns="91440" bIns="45720" numCol="1" spcCol="0" rtlCol="0" fromWordArt="0" anchor="ctr" anchorCtr="0" forceAA="0" compatLnSpc="1">
+                <a:prstTxWarp prst="textNoShape">
+                  <a:avLst/>
+                </a:prstTxWarp>
+                <a:noAutofit/>
+              </a:bodyPr>
+              <a:lstStyle/>
+              <a:p>
+                <a:pPr algn="ctr"/>
+                <a:endParaRPr lang="en-US">
+                  <a:noFill/>
+                </a:endParaRPr>
+              </a:p>
+            </p:txBody>
+          </p:sp>
+          <p:sp>
+            <p:nvSpPr>
+              <p:cNvPr id="33" name="TextBox 32"/>
+              <p:cNvSpPr txBox="1"/>
+              <p:nvPr/>
+            </p:nvSpPr>
+            <p:spPr>
+              <a:xfrm>
+                <a:off x="3792968" y="489265"/>
+                <a:ext cx="4200872" cy="344298"/>
+              </a:xfrm>
+              <a:prstGeom prst="rect">
+                <a:avLst/>
+              </a:prstGeom>
+              <a:noFill/>
+            </p:spPr>
+            <p:txBody>
+              <a:bodyPr wrap="square" rtlCol="0">
+                <a:spAutoFit/>
+              </a:bodyPr>
+              <a:lstStyle/>
+              <a:p>
+                <a:r>
+                  <a:rPr lang="zh-CN" altLang="en-US" sz="1600" b="1" dirty="0">
+                    <a:latin typeface="SimSun" charset="-122"/>
+                    <a:ea typeface="SimSun" charset="-122"/>
+                    <a:cs typeface="SimSun" charset="-122"/>
+                  </a:rPr>
+                  <a:t>视觉描述生成</a:t>
+                </a:r>
+                <a:endParaRPr lang="en-US" sz="1600" b="1" dirty="0">
+                  <a:latin typeface="SimSun" charset="-122"/>
+                  <a:ea typeface="SimSun" charset="-122"/>
+                  <a:cs typeface="SimSun" charset="-122"/>
+                </a:endParaRPr>
+              </a:p>
+            </p:txBody>
+          </p:sp>
+        </p:grpSp>
+        <p:grpSp>
+          <p:nvGrpSpPr>
+            <p:cNvPr id="34" name="Group 33"/>
+            <p:cNvGrpSpPr/>
+            <p:nvPr/>
+          </p:nvGrpSpPr>
+          <p:grpSpPr>
+            <a:xfrm>
+              <a:off x="3450335" y="3627982"/>
+              <a:ext cx="1260000" cy="360850"/>
+              <a:chOff x="4760580" y="482209"/>
+              <a:chExt cx="3746020" cy="366973"/>
+            </a:xfrm>
+          </p:grpSpPr>
+          <p:sp>
+            <p:nvSpPr>
+              <p:cNvPr id="35" name="Rounded Rectangle 34"/>
+              <p:cNvSpPr/>
+              <p:nvPr/>
+            </p:nvSpPr>
+            <p:spPr>
+              <a:xfrm>
+                <a:off x="4760580" y="483073"/>
+                <a:ext cx="3746020" cy="366109"/>
+              </a:xfrm>
+              <a:prstGeom prst="roundRect">
+                <a:avLst>
+                  <a:gd name="adj" fmla="val 0"/>
+                </a:avLst>
+              </a:prstGeom>
+              <a:solidFill>
+                <a:schemeClr val="bg1">
+                  <a:lumMod val="75000"/>
+                </a:schemeClr>
+              </a:solidFill>
+              <a:ln>
+                <a:solidFill>
+                  <a:schemeClr val="tx1"/>
+                </a:solidFill>
+              </a:ln>
+            </p:spPr>
+            <p:style>
+              <a:lnRef idx="2">
+                <a:schemeClr val="accent1">
+                  <a:shade val="50000"/>
+                </a:schemeClr>
+              </a:lnRef>
+              <a:fillRef idx="1">
+                <a:schemeClr val="accent1"/>
+              </a:fillRef>
+              <a:effectRef idx="0">
+                <a:schemeClr val="accent1"/>
+              </a:effectRef>
+              <a:fontRef idx="minor">
+                <a:schemeClr val="lt1"/>
+              </a:fontRef>
+            </p:style>
+            <p:txBody>
+              <a:bodyPr rot="0" spcFirstLastPara="0" vertOverflow="overflow" horzOverflow="overflow" vert="horz" wrap="square" lIns="91440" tIns="45720" rIns="91440" bIns="45720" numCol="1" spcCol="0" rtlCol="0" fromWordArt="0" anchor="ctr" anchorCtr="0" forceAA="0" compatLnSpc="1">
+                <a:prstTxWarp prst="textNoShape">
+                  <a:avLst/>
+                </a:prstTxWarp>
+                <a:noAutofit/>
+              </a:bodyPr>
+              <a:lstStyle/>
+              <a:p>
+                <a:pPr algn="ctr"/>
+                <a:endParaRPr lang="en-US">
+                  <a:noFill/>
+                </a:endParaRPr>
+              </a:p>
+            </p:txBody>
+          </p:sp>
+          <p:sp>
+            <p:nvSpPr>
+              <p:cNvPr id="36" name="TextBox 35"/>
+              <p:cNvSpPr txBox="1"/>
+              <p:nvPr/>
+            </p:nvSpPr>
+            <p:spPr>
+              <a:xfrm>
+                <a:off x="4837463" y="482209"/>
+                <a:ext cx="3592252" cy="344299"/>
+              </a:xfrm>
+              <a:prstGeom prst="rect">
+                <a:avLst/>
+              </a:prstGeom>
+              <a:noFill/>
+            </p:spPr>
+            <p:txBody>
+              <a:bodyPr wrap="square" rtlCol="0">
+                <a:spAutoFit/>
+              </a:bodyPr>
+              <a:lstStyle/>
+              <a:p>
+                <a:r>
+                  <a:rPr lang="zh-CN" altLang="en-US" sz="1600" b="1" dirty="0">
+                    <a:latin typeface="SimSun" charset="-122"/>
+                    <a:ea typeface="SimSun" charset="-122"/>
+                    <a:cs typeface="SimSun" charset="-122"/>
+                  </a:rPr>
+                  <a:t>场景图生成</a:t>
+                </a:r>
+                <a:endParaRPr lang="en-US" sz="1600" b="1" dirty="0">
+                  <a:latin typeface="SimSun" charset="-122"/>
+                  <a:ea typeface="SimSun" charset="-122"/>
+                  <a:cs typeface="SimSun" charset="-122"/>
+                </a:endParaRPr>
+              </a:p>
+            </p:txBody>
+          </p:sp>
+        </p:grpSp>
+        <p:grpSp>
+          <p:nvGrpSpPr>
+            <p:cNvPr id="37" name="Group 36"/>
+            <p:cNvGrpSpPr/>
+            <p:nvPr/>
+          </p:nvGrpSpPr>
+          <p:grpSpPr>
+            <a:xfrm>
+              <a:off x="4846510" y="3627982"/>
+              <a:ext cx="1044633" cy="360911"/>
+              <a:chOff x="4339256" y="482151"/>
+              <a:chExt cx="3736766" cy="367035"/>
+            </a:xfrm>
+          </p:grpSpPr>
+          <p:sp>
+            <p:nvSpPr>
+              <p:cNvPr id="38" name="Rounded Rectangle 37"/>
+              <p:cNvSpPr/>
+              <p:nvPr/>
+            </p:nvSpPr>
+            <p:spPr>
+              <a:xfrm>
+                <a:off x="4339256" y="483077"/>
+                <a:ext cx="3605726" cy="366109"/>
+              </a:xfrm>
+              <a:prstGeom prst="roundRect">
+                <a:avLst>
+                  <a:gd name="adj" fmla="val 0"/>
+                </a:avLst>
+              </a:prstGeom>
+              <a:noFill/>
+              <a:ln>
+                <a:solidFill>
+                  <a:schemeClr val="tx1"/>
+                </a:solidFill>
+              </a:ln>
+            </p:spPr>
+            <p:style>
+              <a:lnRef idx="2">
+                <a:schemeClr val="accent1">
+                  <a:shade val="50000"/>
+                </a:schemeClr>
+              </a:lnRef>
+              <a:fillRef idx="1">
+                <a:schemeClr val="accent1"/>
+              </a:fillRef>
+              <a:effectRef idx="0">
+                <a:schemeClr val="accent1"/>
+              </a:effectRef>
+              <a:fontRef idx="minor">
+                <a:schemeClr val="lt1"/>
+              </a:fontRef>
+            </p:style>
+            <p:txBody>
+              <a:bodyPr rot="0" spcFirstLastPara="0" vertOverflow="overflow" horzOverflow="overflow" vert="horz" wrap="square" lIns="91440" tIns="45720" rIns="91440" bIns="45720" numCol="1" spcCol="0" rtlCol="0" fromWordArt="0" anchor="ctr" anchorCtr="0" forceAA="0" compatLnSpc="1">
+                <a:prstTxWarp prst="textNoShape">
+                  <a:avLst/>
+                </a:prstTxWarp>
+                <a:noAutofit/>
+              </a:bodyPr>
+              <a:lstStyle/>
+              <a:p>
+                <a:pPr algn="ctr"/>
+                <a:endParaRPr lang="en-US">
+                  <a:noFill/>
+                </a:endParaRPr>
+              </a:p>
+            </p:txBody>
+          </p:sp>
+          <p:sp>
+            <p:nvSpPr>
+              <p:cNvPr id="39" name="TextBox 38"/>
+              <p:cNvSpPr txBox="1"/>
+              <p:nvPr/>
+            </p:nvSpPr>
+            <p:spPr>
+              <a:xfrm>
+                <a:off x="4399258" y="482151"/>
+                <a:ext cx="3676764" cy="344299"/>
+              </a:xfrm>
+              <a:prstGeom prst="rect">
+                <a:avLst/>
+              </a:prstGeom>
+              <a:noFill/>
+            </p:spPr>
+            <p:txBody>
+              <a:bodyPr wrap="square" rtlCol="0">
+                <a:spAutoFit/>
+              </a:bodyPr>
+              <a:lstStyle/>
+              <a:p>
+                <a:r>
+                  <a:rPr lang="zh-CN" altLang="en-US" sz="1600" dirty="0">
+                    <a:latin typeface="SimSun" charset="-122"/>
+                    <a:ea typeface="SimSun" charset="-122"/>
+                    <a:cs typeface="SimSun" charset="-122"/>
+                  </a:rPr>
+                  <a:t>全景分割</a:t>
+                </a:r>
+                <a:endParaRPr lang="en-US" sz="1600" dirty="0">
+                  <a:latin typeface="SimSun" charset="-122"/>
+                  <a:ea typeface="SimSun" charset="-122"/>
+                  <a:cs typeface="SimSun" charset="-122"/>
+                </a:endParaRPr>
+              </a:p>
+            </p:txBody>
+          </p:sp>
+        </p:grpSp>
+        <p:grpSp>
+          <p:nvGrpSpPr>
+            <p:cNvPr id="40" name="Group 39"/>
+            <p:cNvGrpSpPr/>
+            <p:nvPr/>
+          </p:nvGrpSpPr>
+          <p:grpSpPr>
+            <a:xfrm>
+              <a:off x="2307673" y="3631275"/>
+              <a:ext cx="1013026" cy="360000"/>
+              <a:chOff x="5013040" y="483077"/>
+              <a:chExt cx="3623705" cy="366109"/>
+            </a:xfrm>
+          </p:grpSpPr>
+          <p:sp>
+            <p:nvSpPr>
+              <p:cNvPr id="41" name="Rounded Rectangle 40"/>
+              <p:cNvSpPr/>
+              <p:nvPr/>
+            </p:nvSpPr>
+            <p:spPr>
+              <a:xfrm>
+                <a:off x="5013040" y="483077"/>
+                <a:ext cx="3605725" cy="366109"/>
+              </a:xfrm>
+              <a:prstGeom prst="roundRect">
+                <a:avLst>
+                  <a:gd name="adj" fmla="val 0"/>
+                </a:avLst>
+              </a:prstGeom>
+              <a:noFill/>
+              <a:ln>
+                <a:solidFill>
+                  <a:schemeClr val="tx1"/>
+                </a:solidFill>
+              </a:ln>
+            </p:spPr>
+            <p:style>
+              <a:lnRef idx="2">
+                <a:schemeClr val="accent1">
+                  <a:shade val="50000"/>
+                </a:schemeClr>
+              </a:lnRef>
+              <a:fillRef idx="1">
+                <a:schemeClr val="accent1"/>
+              </a:fillRef>
+              <a:effectRef idx="0">
+                <a:schemeClr val="accent1"/>
+              </a:effectRef>
+              <a:fontRef idx="minor">
+                <a:schemeClr val="lt1"/>
+              </a:fontRef>
+            </p:style>
+            <p:txBody>
+              <a:bodyPr rot="0" spcFirstLastPara="0" vertOverflow="overflow" horzOverflow="overflow" vert="horz" wrap="square" lIns="91440" tIns="45720" rIns="91440" bIns="45720" numCol="1" spcCol="0" rtlCol="0" fromWordArt="0" anchor="ctr" anchorCtr="0" forceAA="0" compatLnSpc="1">
+                <a:prstTxWarp prst="textNoShape">
+                  <a:avLst/>
+                </a:prstTxWarp>
+                <a:noAutofit/>
+              </a:bodyPr>
+              <a:lstStyle/>
+              <a:p>
+                <a:pPr algn="ctr"/>
+                <a:endParaRPr lang="en-US">
+                  <a:noFill/>
+                </a:endParaRPr>
+              </a:p>
+            </p:txBody>
+          </p:sp>
+          <p:sp>
+            <p:nvSpPr>
+              <p:cNvPr id="42" name="TextBox 41"/>
+              <p:cNvSpPr txBox="1"/>
+              <p:nvPr/>
+            </p:nvSpPr>
+            <p:spPr>
+              <a:xfrm>
+                <a:off x="5042658" y="487768"/>
+                <a:ext cx="3594087" cy="344299"/>
+              </a:xfrm>
+              <a:prstGeom prst="rect">
+                <a:avLst/>
+              </a:prstGeom>
+              <a:noFill/>
+            </p:spPr>
+            <p:txBody>
+              <a:bodyPr wrap="square" rtlCol="0">
+                <a:spAutoFit/>
+              </a:bodyPr>
+              <a:lstStyle/>
+              <a:p>
+                <a:r>
+                  <a:rPr lang="zh-CN" altLang="en-US" sz="1600" dirty="0">
+                    <a:latin typeface="SimSun" charset="-122"/>
+                    <a:ea typeface="SimSun" charset="-122"/>
+                    <a:cs typeface="SimSun" charset="-122"/>
+                  </a:rPr>
+                  <a:t>实例分割</a:t>
+                </a:r>
+                <a:endParaRPr lang="en-US" sz="1600" dirty="0">
+                  <a:latin typeface="SimSun" charset="-122"/>
+                  <a:ea typeface="SimSun" charset="-122"/>
+                  <a:cs typeface="SimSun" charset="-122"/>
+                </a:endParaRPr>
+              </a:p>
+            </p:txBody>
+          </p:sp>
+        </p:grpSp>
+        <p:grpSp>
+          <p:nvGrpSpPr>
+            <p:cNvPr id="43" name="Group 42"/>
+            <p:cNvGrpSpPr/>
+            <p:nvPr/>
+          </p:nvGrpSpPr>
+          <p:grpSpPr>
+            <a:xfrm>
+              <a:off x="1172103" y="3631430"/>
+              <a:ext cx="1020277" cy="360117"/>
+              <a:chOff x="4339255" y="482958"/>
+              <a:chExt cx="3649642" cy="366228"/>
+            </a:xfrm>
+          </p:grpSpPr>
+          <p:sp>
+            <p:nvSpPr>
+              <p:cNvPr id="44" name="Rounded Rectangle 43"/>
+              <p:cNvSpPr/>
+              <p:nvPr/>
+            </p:nvSpPr>
+            <p:spPr>
+              <a:xfrm>
+                <a:off x="4339255" y="483077"/>
+                <a:ext cx="3605726" cy="366109"/>
+              </a:xfrm>
+              <a:prstGeom prst="roundRect">
+                <a:avLst>
+                  <a:gd name="adj" fmla="val 0"/>
+                </a:avLst>
+              </a:prstGeom>
+              <a:noFill/>
+              <a:ln>
+                <a:solidFill>
+                  <a:schemeClr val="tx1"/>
+                </a:solidFill>
+              </a:ln>
+            </p:spPr>
+            <p:style>
+              <a:lnRef idx="2">
+                <a:schemeClr val="accent1">
+                  <a:shade val="50000"/>
+                </a:schemeClr>
+              </a:lnRef>
+              <a:fillRef idx="1">
+                <a:schemeClr val="accent1"/>
+              </a:fillRef>
+              <a:effectRef idx="0">
+                <a:schemeClr val="accent1"/>
+              </a:effectRef>
+              <a:fontRef idx="minor">
+                <a:schemeClr val="lt1"/>
+              </a:fontRef>
+            </p:style>
+            <p:txBody>
+              <a:bodyPr rot="0" spcFirstLastPara="0" vertOverflow="overflow" horzOverflow="overflow" vert="horz" wrap="square" lIns="91440" tIns="45720" rIns="91440" bIns="45720" numCol="1" spcCol="0" rtlCol="0" fromWordArt="0" anchor="ctr" anchorCtr="0" forceAA="0" compatLnSpc="1">
+                <a:prstTxWarp prst="textNoShape">
+                  <a:avLst/>
+                </a:prstTxWarp>
+                <a:noAutofit/>
+              </a:bodyPr>
+              <a:lstStyle/>
+              <a:p>
+                <a:pPr algn="ctr"/>
+                <a:endParaRPr lang="en-US">
+                  <a:noFill/>
+                </a:endParaRPr>
+              </a:p>
+            </p:txBody>
+          </p:sp>
+          <p:sp>
+            <p:nvSpPr>
+              <p:cNvPr id="45" name="TextBox 44"/>
+              <p:cNvSpPr txBox="1"/>
+              <p:nvPr/>
+            </p:nvSpPr>
+            <p:spPr>
+              <a:xfrm>
+                <a:off x="4395938" y="482958"/>
+                <a:ext cx="3592959" cy="344299"/>
+              </a:xfrm>
+              <a:prstGeom prst="rect">
+                <a:avLst/>
+              </a:prstGeom>
+              <a:noFill/>
+            </p:spPr>
+            <p:txBody>
+              <a:bodyPr wrap="square" rtlCol="0">
+                <a:spAutoFit/>
+              </a:bodyPr>
+              <a:lstStyle/>
+              <a:p>
+                <a:r>
+                  <a:rPr lang="zh-CN" altLang="en-US" sz="1600" dirty="0">
+                    <a:latin typeface="SimSun" charset="-122"/>
+                    <a:ea typeface="SimSun" charset="-122"/>
+                    <a:cs typeface="SimSun" charset="-122"/>
+                  </a:rPr>
+                  <a:t>目标检测</a:t>
+                </a:r>
+                <a:endParaRPr lang="en-US" sz="1600" dirty="0">
+                  <a:latin typeface="SimSun" charset="-122"/>
+                  <a:ea typeface="SimSun" charset="-122"/>
+                  <a:cs typeface="SimSun" charset="-122"/>
+                </a:endParaRPr>
+              </a:p>
+            </p:txBody>
+          </p:sp>
+        </p:grpSp>
+        <p:grpSp>
+          <p:nvGrpSpPr>
+            <p:cNvPr id="46" name="Group 45"/>
+            <p:cNvGrpSpPr/>
+            <p:nvPr/>
+          </p:nvGrpSpPr>
+          <p:grpSpPr>
+            <a:xfrm>
+              <a:off x="44343" y="3631275"/>
+              <a:ext cx="1047870" cy="360000"/>
+              <a:chOff x="3153559" y="472165"/>
+              <a:chExt cx="3748345" cy="366109"/>
+            </a:xfrm>
+          </p:grpSpPr>
+          <p:sp>
+            <p:nvSpPr>
+              <p:cNvPr id="47" name="Rounded Rectangle 46"/>
+              <p:cNvSpPr/>
+              <p:nvPr/>
+            </p:nvSpPr>
+            <p:spPr>
+              <a:xfrm>
+                <a:off x="3153559" y="472165"/>
+                <a:ext cx="3605726" cy="366109"/>
+              </a:xfrm>
+              <a:prstGeom prst="roundRect">
+                <a:avLst>
+                  <a:gd name="adj" fmla="val 0"/>
+                </a:avLst>
+              </a:prstGeom>
+              <a:solidFill>
+                <a:schemeClr val="bg1">
+                  <a:lumMod val="75000"/>
+                </a:schemeClr>
+              </a:solidFill>
+              <a:ln>
+                <a:solidFill>
+                  <a:schemeClr val="tx1"/>
+                </a:solidFill>
+              </a:ln>
+            </p:spPr>
+            <p:style>
+              <a:lnRef idx="2">
+                <a:schemeClr val="accent1">
+                  <a:shade val="50000"/>
+                </a:schemeClr>
+              </a:lnRef>
+              <a:fillRef idx="1">
+                <a:schemeClr val="accent1"/>
+              </a:fillRef>
+              <a:effectRef idx="0">
+                <a:schemeClr val="accent1"/>
+              </a:effectRef>
+              <a:fontRef idx="minor">
+                <a:schemeClr val="lt1"/>
+              </a:fontRef>
+            </p:style>
+            <p:txBody>
+              <a:bodyPr rot="0" spcFirstLastPara="0" vertOverflow="overflow" horzOverflow="overflow" vert="horz" wrap="square" lIns="91440" tIns="45720" rIns="91440" bIns="45720" numCol="1" spcCol="0" rtlCol="0" fromWordArt="0" anchor="ctr" anchorCtr="0" forceAA="0" compatLnSpc="1">
+                <a:prstTxWarp prst="textNoShape">
+                  <a:avLst/>
+                </a:prstTxWarp>
+                <a:noAutofit/>
+              </a:bodyPr>
+              <a:lstStyle/>
+              <a:p>
+                <a:pPr algn="ctr"/>
+                <a:endParaRPr lang="en-US">
+                  <a:noFill/>
+                </a:endParaRPr>
+              </a:p>
+            </p:txBody>
+          </p:sp>
+          <p:sp>
+            <p:nvSpPr>
+              <p:cNvPr id="48" name="TextBox 47"/>
+              <p:cNvSpPr txBox="1"/>
+              <p:nvPr/>
+            </p:nvSpPr>
+            <p:spPr>
+              <a:xfrm>
+                <a:off x="3225141" y="472554"/>
+                <a:ext cx="3676763" cy="344299"/>
+              </a:xfrm>
+              <a:prstGeom prst="rect">
+                <a:avLst/>
+              </a:prstGeom>
+              <a:noFill/>
+            </p:spPr>
+            <p:txBody>
+              <a:bodyPr wrap="square" rtlCol="0">
+                <a:spAutoFit/>
+              </a:bodyPr>
+              <a:lstStyle/>
+              <a:p>
+                <a:r>
+                  <a:rPr lang="zh-CN" altLang="en-US" sz="1600" b="1" dirty="0">
+                    <a:latin typeface="SimSun" charset="-122"/>
+                    <a:ea typeface="SimSun" charset="-122"/>
+                    <a:cs typeface="SimSun" charset="-122"/>
+                  </a:rPr>
+                  <a:t>物体分类</a:t>
+                </a:r>
+                <a:endParaRPr lang="en-US" sz="1600" b="1" dirty="0">
+                  <a:latin typeface="SimSun" charset="-122"/>
+                  <a:ea typeface="SimSun" charset="-122"/>
+                  <a:cs typeface="SimSun" charset="-122"/>
+                </a:endParaRPr>
+              </a:p>
+            </p:txBody>
+          </p:sp>
+        </p:grpSp>
+        <p:cxnSp>
+          <p:nvCxnSpPr>
+            <p:cNvPr id="50" name="Straight Arrow Connector 49"/>
+            <p:cNvCxnSpPr>
+              <a:stCxn id="4" idx="2"/>
+              <a:endCxn id="8" idx="0"/>
+            </p:cNvCxnSpPr>
+            <p:nvPr/>
+          </p:nvCxnSpPr>
           <p:spPr>
-            <a:xfrm>
-              <a:off x="4779034" y="483079"/>
-              <a:ext cx="2160000" cy="500332"/>
+            <a:xfrm flipH="1">
+              <a:off x="3176535" y="282834"/>
+              <a:ext cx="2595614" cy="569514"/>
             </a:xfrm>
-            <a:prstGeom prst="roundRect">
-              <a:avLst>
-                <a:gd name="adj" fmla="val 20166"/>
-              </a:avLst>
+            <a:prstGeom prst="straightConnector1">
+              <a:avLst/>
             </a:prstGeom>
-            <a:noFill/>
-            <a:ln>
+            <a:ln w="12700">
               <a:solidFill>
                 <a:schemeClr val="tx1"/>
               </a:solidFill>
+              <a:tailEnd type="triangle" w="med" len="lg"/>
             </a:ln>
           </p:spPr>
           <p:style>
-            <a:lnRef idx="2">
-              <a:schemeClr val="accent1">
-                <a:shade val="50000"/>
-              </a:schemeClr>
+            <a:lnRef idx="1">
+              <a:schemeClr val="accent1"/>
             </a:lnRef>
-            <a:fillRef idx="1">
+            <a:fillRef idx="0">
               <a:schemeClr val="accent1"/>
             </a:fillRef>
             <a:effectRef idx="0">
               <a:schemeClr val="accent1"/>
             </a:effectRef>
             <a:fontRef idx="minor">
-              <a:schemeClr val="lt1"/>
+              <a:schemeClr val="tx1"/>
             </a:fontRef>
           </p:style>
-          <p:txBody>
-            <a:bodyPr rot="0" spcFirstLastPara="0" vertOverflow="overflow" horzOverflow="overflow" vert="horz" wrap="square" lIns="91440" tIns="45720" rIns="91440" bIns="45720" numCol="1" spcCol="0" rtlCol="0" fromWordArt="0" anchor="ctr" anchorCtr="0" forceAA="0" compatLnSpc="1">
-              <a:prstTxWarp prst="textNoShape">
+        </p:cxnSp>
+        <p:cxnSp>
+          <p:nvCxnSpPr>
+            <p:cNvPr id="51" name="Straight Arrow Connector 50"/>
+            <p:cNvCxnSpPr>
+              <a:stCxn id="4" idx="2"/>
+              <a:endCxn id="11" idx="0"/>
+            </p:cNvCxnSpPr>
+            <p:nvPr/>
+          </p:nvCxnSpPr>
+          <p:spPr>
+            <a:xfrm>
+              <a:off x="5772149" y="282834"/>
+              <a:ext cx="2844929" cy="569514"/>
+            </a:xfrm>
+            <a:prstGeom prst="straightConnector1">
+              <a:avLst/>
+            </a:prstGeom>
+            <a:ln w="12700">
+              <a:solidFill>
+                <a:schemeClr val="tx1"/>
+              </a:solidFill>
+              <a:tailEnd type="triangle" w="med" len="lg"/>
+            </a:ln>
+          </p:spPr>
+          <p:style>
+            <a:lnRef idx="1">
+              <a:schemeClr val="accent1"/>
+            </a:lnRef>
+            <a:fillRef idx="0">
+              <a:schemeClr val="accent1"/>
+            </a:fillRef>
+            <a:effectRef idx="0">
+              <a:schemeClr val="accent1"/>
+            </a:effectRef>
+            <a:fontRef idx="minor">
+              <a:schemeClr val="tx1"/>
+            </a:fontRef>
+          </p:style>
+        </p:cxnSp>
+        <p:cxnSp>
+          <p:nvCxnSpPr>
+            <p:cNvPr id="54" name="Straight Arrow Connector 53"/>
+            <p:cNvCxnSpPr>
+              <a:stCxn id="8" idx="2"/>
+              <a:endCxn id="14" idx="0"/>
+            </p:cNvCxnSpPr>
+            <p:nvPr/>
+          </p:nvCxnSpPr>
+          <p:spPr>
+            <a:xfrm flipH="1">
+              <a:off x="1793231" y="1345210"/>
+              <a:ext cx="1383304" cy="876048"/>
+            </a:xfrm>
+            <a:prstGeom prst="straightConnector1">
+              <a:avLst/>
+            </a:prstGeom>
+            <a:ln w="12700">
+              <a:solidFill>
+                <a:schemeClr val="tx1"/>
+              </a:solidFill>
+              <a:tailEnd type="triangle" w="med" len="lg"/>
+            </a:ln>
+          </p:spPr>
+          <p:style>
+            <a:lnRef idx="1">
+              <a:schemeClr val="accent1"/>
+            </a:lnRef>
+            <a:fillRef idx="0">
+              <a:schemeClr val="accent1"/>
+            </a:fillRef>
+            <a:effectRef idx="0">
+              <a:schemeClr val="accent1"/>
+            </a:effectRef>
+            <a:fontRef idx="minor">
+              <a:schemeClr val="tx1"/>
+            </a:fontRef>
+          </p:style>
+        </p:cxnSp>
+        <p:cxnSp>
+          <p:nvCxnSpPr>
+            <p:cNvPr id="57" name="Straight Arrow Connector 56"/>
+            <p:cNvCxnSpPr>
+              <a:stCxn id="8" idx="2"/>
+              <a:endCxn id="17" idx="0"/>
+            </p:cNvCxnSpPr>
+            <p:nvPr/>
+          </p:nvCxnSpPr>
+          <p:spPr>
+            <a:xfrm>
+              <a:off x="3176535" y="1345210"/>
+              <a:ext cx="1581471" cy="876046"/>
+            </a:xfrm>
+            <a:prstGeom prst="straightConnector1">
+              <a:avLst/>
+            </a:prstGeom>
+            <a:ln w="12700">
+              <a:solidFill>
+                <a:schemeClr val="tx1"/>
+              </a:solidFill>
+              <a:tailEnd type="triangle" w="med" len="lg"/>
+            </a:ln>
+          </p:spPr>
+          <p:style>
+            <a:lnRef idx="1">
+              <a:schemeClr val="accent1"/>
+            </a:lnRef>
+            <a:fillRef idx="0">
+              <a:schemeClr val="accent1"/>
+            </a:fillRef>
+            <a:effectRef idx="0">
+              <a:schemeClr val="accent1"/>
+            </a:effectRef>
+            <a:fontRef idx="minor">
+              <a:schemeClr val="tx1"/>
+            </a:fontRef>
+          </p:style>
+        </p:cxnSp>
+        <p:cxnSp>
+          <p:nvCxnSpPr>
+            <p:cNvPr id="67" name="Straight Arrow Connector 66"/>
+            <p:cNvCxnSpPr>
+              <a:stCxn id="11" idx="2"/>
+              <a:endCxn id="20" idx="0"/>
+            </p:cNvCxnSpPr>
+            <p:nvPr/>
+          </p:nvCxnSpPr>
+          <p:spPr>
+            <a:xfrm flipH="1">
+              <a:off x="7517697" y="1345210"/>
+              <a:ext cx="1099381" cy="876046"/>
+            </a:xfrm>
+            <a:prstGeom prst="straightConnector1">
+              <a:avLst/>
+            </a:prstGeom>
+            <a:ln w="12700">
+              <a:solidFill>
+                <a:schemeClr val="tx1"/>
+              </a:solidFill>
+              <a:tailEnd type="triangle" w="med" len="lg"/>
+            </a:ln>
+          </p:spPr>
+          <p:style>
+            <a:lnRef idx="1">
+              <a:schemeClr val="accent1"/>
+            </a:lnRef>
+            <a:fillRef idx="0">
+              <a:schemeClr val="accent1"/>
+            </a:fillRef>
+            <a:effectRef idx="0">
+              <a:schemeClr val="accent1"/>
+            </a:effectRef>
+            <a:fontRef idx="minor">
+              <a:schemeClr val="tx1"/>
+            </a:fontRef>
+          </p:style>
+        </p:cxnSp>
+        <p:cxnSp>
+          <p:nvCxnSpPr>
+            <p:cNvPr id="70" name="Straight Arrow Connector 69"/>
+            <p:cNvCxnSpPr>
+              <a:stCxn id="11" idx="2"/>
+              <a:endCxn id="23" idx="0"/>
+            </p:cNvCxnSpPr>
+            <p:nvPr/>
+          </p:nvCxnSpPr>
+          <p:spPr>
+            <a:xfrm>
+              <a:off x="8617078" y="1345210"/>
+              <a:ext cx="1192111" cy="876046"/>
+            </a:xfrm>
+            <a:prstGeom prst="straightConnector1">
+              <a:avLst/>
+            </a:prstGeom>
+            <a:ln w="12700">
+              <a:solidFill>
+                <a:schemeClr val="tx1"/>
+              </a:solidFill>
+              <a:tailEnd type="triangle" w="med" len="lg"/>
+            </a:ln>
+          </p:spPr>
+          <p:style>
+            <a:lnRef idx="1">
+              <a:schemeClr val="accent1"/>
+            </a:lnRef>
+            <a:fillRef idx="0">
+              <a:schemeClr val="accent1"/>
+            </a:fillRef>
+            <a:effectRef idx="0">
+              <a:schemeClr val="accent1"/>
+            </a:effectRef>
+            <a:fontRef idx="minor">
+              <a:schemeClr val="tx1"/>
+            </a:fontRef>
+          </p:style>
+        </p:cxnSp>
+        <p:cxnSp>
+          <p:nvCxnSpPr>
+            <p:cNvPr id="73" name="Straight Arrow Connector 72"/>
+            <p:cNvCxnSpPr>
+              <a:stCxn id="14" idx="2"/>
+              <a:endCxn id="47" idx="0"/>
+            </p:cNvCxnSpPr>
+            <p:nvPr/>
+          </p:nvCxnSpPr>
+          <p:spPr>
+            <a:xfrm flipH="1">
+              <a:off x="548343" y="2740258"/>
+              <a:ext cx="1244888" cy="891017"/>
+            </a:xfrm>
+            <a:prstGeom prst="straightConnector1">
+              <a:avLst/>
+            </a:prstGeom>
+            <a:ln w="12700">
+              <a:solidFill>
+                <a:schemeClr val="tx1"/>
+              </a:solidFill>
+              <a:tailEnd type="triangle" w="med" len="lg"/>
+            </a:ln>
+          </p:spPr>
+          <p:style>
+            <a:lnRef idx="1">
+              <a:schemeClr val="accent1"/>
+            </a:lnRef>
+            <a:fillRef idx="0">
+              <a:schemeClr val="accent1"/>
+            </a:fillRef>
+            <a:effectRef idx="0">
+              <a:schemeClr val="accent1"/>
+            </a:effectRef>
+            <a:fontRef idx="minor">
+              <a:schemeClr val="tx1"/>
+            </a:fontRef>
+          </p:style>
+        </p:cxnSp>
+        <p:cxnSp>
+          <p:nvCxnSpPr>
+            <p:cNvPr id="76" name="Straight Arrow Connector 75"/>
+            <p:cNvCxnSpPr>
+              <a:stCxn id="14" idx="2"/>
+              <a:endCxn id="44" idx="0"/>
+            </p:cNvCxnSpPr>
+            <p:nvPr/>
+          </p:nvCxnSpPr>
+          <p:spPr>
+            <a:xfrm flipH="1">
+              <a:off x="1676103" y="2740258"/>
+              <a:ext cx="117128" cy="891289"/>
+            </a:xfrm>
+            <a:prstGeom prst="straightConnector1">
+              <a:avLst/>
+            </a:prstGeom>
+            <a:ln w="12700">
+              <a:solidFill>
+                <a:schemeClr val="tx1"/>
+              </a:solidFill>
+              <a:tailEnd type="triangle" w="med" len="lg"/>
+            </a:ln>
+          </p:spPr>
+          <p:style>
+            <a:lnRef idx="1">
+              <a:schemeClr val="accent1"/>
+            </a:lnRef>
+            <a:fillRef idx="0">
+              <a:schemeClr val="accent1"/>
+            </a:fillRef>
+            <a:effectRef idx="0">
+              <a:schemeClr val="accent1"/>
+            </a:effectRef>
+            <a:fontRef idx="minor">
+              <a:schemeClr val="tx1"/>
+            </a:fontRef>
+          </p:style>
+        </p:cxnSp>
+        <p:cxnSp>
+          <p:nvCxnSpPr>
+            <p:cNvPr id="79" name="Straight Arrow Connector 78"/>
+            <p:cNvCxnSpPr>
+              <a:stCxn id="14" idx="2"/>
+              <a:endCxn id="41" idx="0"/>
+            </p:cNvCxnSpPr>
+            <p:nvPr/>
+          </p:nvCxnSpPr>
+          <p:spPr>
+            <a:xfrm>
+              <a:off x="1793231" y="2740258"/>
+              <a:ext cx="1018442" cy="891017"/>
+            </a:xfrm>
+            <a:prstGeom prst="straightConnector1">
+              <a:avLst/>
+            </a:prstGeom>
+            <a:ln w="12700">
+              <a:solidFill>
+                <a:schemeClr val="tx1"/>
+              </a:solidFill>
+              <a:tailEnd type="triangle" w="med" len="lg"/>
+            </a:ln>
+          </p:spPr>
+          <p:style>
+            <a:lnRef idx="1">
+              <a:schemeClr val="accent1"/>
+            </a:lnRef>
+            <a:fillRef idx="0">
+              <a:schemeClr val="accent1"/>
+            </a:fillRef>
+            <a:effectRef idx="0">
+              <a:schemeClr val="accent1"/>
+            </a:effectRef>
+            <a:fontRef idx="minor">
+              <a:schemeClr val="tx1"/>
+            </a:fontRef>
+          </p:style>
+        </p:cxnSp>
+        <p:cxnSp>
+          <p:nvCxnSpPr>
+            <p:cNvPr id="82" name="Straight Arrow Connector 81"/>
+            <p:cNvCxnSpPr>
+              <a:stCxn id="17" idx="2"/>
+              <a:endCxn id="38" idx="0"/>
+            </p:cNvCxnSpPr>
+            <p:nvPr/>
+          </p:nvCxnSpPr>
+          <p:spPr>
+            <a:xfrm>
+              <a:off x="4758006" y="2738309"/>
+              <a:ext cx="592504" cy="890584"/>
+            </a:xfrm>
+            <a:prstGeom prst="straightConnector1">
+              <a:avLst/>
+            </a:prstGeom>
+            <a:ln w="12700">
+              <a:solidFill>
+                <a:schemeClr val="tx1"/>
+              </a:solidFill>
+              <a:tailEnd type="triangle" w="med" len="lg"/>
+            </a:ln>
+          </p:spPr>
+          <p:style>
+            <a:lnRef idx="1">
+              <a:schemeClr val="accent1"/>
+            </a:lnRef>
+            <a:fillRef idx="0">
+              <a:schemeClr val="accent1"/>
+            </a:fillRef>
+            <a:effectRef idx="0">
+              <a:schemeClr val="accent1"/>
+            </a:effectRef>
+            <a:fontRef idx="minor">
+              <a:schemeClr val="tx1"/>
+            </a:fontRef>
+          </p:style>
+        </p:cxnSp>
+        <p:cxnSp>
+          <p:nvCxnSpPr>
+            <p:cNvPr id="85" name="Straight Arrow Connector 84"/>
+            <p:cNvCxnSpPr>
+              <a:stCxn id="17" idx="2"/>
+              <a:endCxn id="35" idx="0"/>
+            </p:cNvCxnSpPr>
+            <p:nvPr/>
+          </p:nvCxnSpPr>
+          <p:spPr>
+            <a:xfrm flipH="1">
+              <a:off x="4080335" y="2738309"/>
+              <a:ext cx="677671" cy="890523"/>
+            </a:xfrm>
+            <a:prstGeom prst="straightConnector1">
+              <a:avLst/>
+            </a:prstGeom>
+            <a:ln w="12700">
+              <a:solidFill>
+                <a:schemeClr val="tx1"/>
+              </a:solidFill>
+              <a:tailEnd type="triangle" w="med" len="lg"/>
+            </a:ln>
+          </p:spPr>
+          <p:style>
+            <a:lnRef idx="1">
+              <a:schemeClr val="accent1"/>
+            </a:lnRef>
+            <a:fillRef idx="0">
+              <a:schemeClr val="accent1"/>
+            </a:fillRef>
+            <a:effectRef idx="0">
+              <a:schemeClr val="accent1"/>
+            </a:effectRef>
+            <a:fontRef idx="minor">
+              <a:schemeClr val="tx1"/>
+            </a:fontRef>
+          </p:style>
+        </p:cxnSp>
+        <p:cxnSp>
+          <p:nvCxnSpPr>
+            <p:cNvPr id="88" name="Straight Arrow Connector 87"/>
+            <p:cNvCxnSpPr>
+              <a:stCxn id="20" idx="2"/>
+              <a:endCxn id="32" idx="0"/>
+            </p:cNvCxnSpPr>
+            <p:nvPr/>
+          </p:nvCxnSpPr>
+          <p:spPr>
+            <a:xfrm flipH="1">
+              <a:off x="6744733" y="2738309"/>
+              <a:ext cx="772964" cy="876541"/>
+            </a:xfrm>
+            <a:prstGeom prst="straightConnector1">
+              <a:avLst/>
+            </a:prstGeom>
+            <a:ln w="12700">
+              <a:solidFill>
+                <a:schemeClr val="tx1"/>
+              </a:solidFill>
+              <a:tailEnd type="triangle" w="med" len="lg"/>
+            </a:ln>
+          </p:spPr>
+          <p:style>
+            <a:lnRef idx="1">
+              <a:schemeClr val="accent1"/>
+            </a:lnRef>
+            <a:fillRef idx="0">
+              <a:schemeClr val="accent1"/>
+            </a:fillRef>
+            <a:effectRef idx="0">
+              <a:schemeClr val="accent1"/>
+            </a:effectRef>
+            <a:fontRef idx="minor">
+              <a:schemeClr val="tx1"/>
+            </a:fontRef>
+          </p:style>
+        </p:cxnSp>
+        <p:cxnSp>
+          <p:nvCxnSpPr>
+            <p:cNvPr id="91" name="Straight Arrow Connector 90"/>
+            <p:cNvCxnSpPr>
+              <a:stCxn id="20" idx="2"/>
+              <a:endCxn id="29" idx="0"/>
+            </p:cNvCxnSpPr>
+            <p:nvPr/>
+          </p:nvCxnSpPr>
+          <p:spPr>
+            <a:xfrm>
+              <a:off x="7517697" y="2738309"/>
+              <a:ext cx="613064" cy="871903"/>
+            </a:xfrm>
+            <a:prstGeom prst="straightConnector1">
+              <a:avLst/>
+            </a:prstGeom>
+            <a:ln w="12700">
+              <a:solidFill>
+                <a:schemeClr val="tx1"/>
+              </a:solidFill>
+              <a:tailEnd type="triangle" w="med" len="lg"/>
+            </a:ln>
+          </p:spPr>
+          <p:style>
+            <a:lnRef idx="1">
+              <a:schemeClr val="accent1"/>
+            </a:lnRef>
+            <a:fillRef idx="0">
+              <a:schemeClr val="accent1"/>
+            </a:fillRef>
+            <a:effectRef idx="0">
+              <a:schemeClr val="accent1"/>
+            </a:effectRef>
+            <a:fontRef idx="minor">
+              <a:schemeClr val="tx1"/>
+            </a:fontRef>
+          </p:style>
+        </p:cxnSp>
+        <p:cxnSp>
+          <p:nvCxnSpPr>
+            <p:cNvPr id="94" name="Straight Arrow Connector 93"/>
+            <p:cNvCxnSpPr>
+              <a:stCxn id="23" idx="2"/>
+              <a:endCxn id="26" idx="0"/>
+            </p:cNvCxnSpPr>
+            <p:nvPr/>
+          </p:nvCxnSpPr>
+          <p:spPr>
+            <a:xfrm>
+              <a:off x="9809189" y="2738309"/>
+              <a:ext cx="606604" cy="868226"/>
+            </a:xfrm>
+            <a:prstGeom prst="straightConnector1">
+              <a:avLst/>
+            </a:prstGeom>
+            <a:ln w="12700">
+              <a:solidFill>
+                <a:schemeClr val="tx1"/>
+              </a:solidFill>
+              <a:tailEnd type="triangle" w="med" len="lg"/>
+            </a:ln>
+          </p:spPr>
+          <p:style>
+            <a:lnRef idx="1">
+              <a:schemeClr val="accent1"/>
+            </a:lnRef>
+            <a:fillRef idx="0">
+              <a:schemeClr val="accent1"/>
+            </a:fillRef>
+            <a:effectRef idx="0">
+              <a:schemeClr val="accent1"/>
+            </a:effectRef>
+            <a:fontRef idx="minor">
+              <a:schemeClr val="tx1"/>
+            </a:fontRef>
+          </p:style>
+        </p:cxnSp>
+        <p:grpSp>
+          <p:nvGrpSpPr>
+            <p:cNvPr id="107" name="Group 106"/>
+            <p:cNvGrpSpPr/>
+            <p:nvPr/>
+          </p:nvGrpSpPr>
+          <p:grpSpPr>
+            <a:xfrm>
+              <a:off x="397613" y="4037942"/>
+              <a:ext cx="353940" cy="400110"/>
+              <a:chOff x="1552006" y="4440558"/>
+              <a:chExt cx="353940" cy="400110"/>
+            </a:xfrm>
+          </p:grpSpPr>
+          <p:sp>
+            <p:nvSpPr>
+              <p:cNvPr id="105" name="TextBox 104"/>
+              <p:cNvSpPr txBox="1"/>
+              <p:nvPr/>
+            </p:nvSpPr>
+            <p:spPr>
+              <a:xfrm>
+                <a:off x="1559406" y="4440558"/>
+                <a:ext cx="346540" cy="400110"/>
+              </a:xfrm>
+              <a:prstGeom prst="rect">
                 <a:avLst/>
-              </a:prstTxWarp>
-              <a:noAutofit/>
-            </a:bodyPr>
-            <a:lstStyle/>
-            <a:p>
-              <a:pPr algn="ctr"/>
-              <a:endParaRPr lang="en-US">
-                <a:noFill/>
-              </a:endParaRPr>
-            </a:p>
-          </p:txBody>
-        </p:sp>
+              </a:prstGeom>
+              <a:noFill/>
+            </p:spPr>
+            <p:txBody>
+              <a:bodyPr wrap="square" rtlCol="0">
+                <a:spAutoFit/>
+              </a:bodyPr>
+              <a:lstStyle/>
+              <a:p>
+                <a:r>
+                  <a:rPr lang="en-US" altLang="zh-CN" sz="2000" b="1" dirty="0">
+                    <a:latin typeface="SimSun" charset="-122"/>
+                    <a:ea typeface="SimSun" charset="-122"/>
+                    <a:cs typeface="SimSun" charset="-122"/>
+                  </a:rPr>
+                  <a:t>1</a:t>
+                </a:r>
+                <a:endParaRPr lang="en-US" sz="2000" b="1" dirty="0">
+                  <a:latin typeface="SimSun" charset="-122"/>
+                  <a:ea typeface="SimSun" charset="-122"/>
+                  <a:cs typeface="SimSun" charset="-122"/>
+                </a:endParaRPr>
+              </a:p>
+            </p:txBody>
+          </p:sp>
+          <p:sp>
+            <p:nvSpPr>
+              <p:cNvPr id="106" name="Oval 105"/>
+              <p:cNvSpPr/>
+              <p:nvPr/>
+            </p:nvSpPr>
+            <p:spPr>
+              <a:xfrm>
+                <a:off x="1552006" y="4504875"/>
+                <a:ext cx="324000" cy="324000"/>
+              </a:xfrm>
+              <a:prstGeom prst="ellipse">
+                <a:avLst/>
+              </a:prstGeom>
+              <a:noFill/>
+              <a:ln>
+                <a:solidFill>
+                  <a:schemeClr val="tx1"/>
+                </a:solidFill>
+              </a:ln>
+            </p:spPr>
+            <p:style>
+              <a:lnRef idx="2">
+                <a:schemeClr val="accent1">
+                  <a:shade val="50000"/>
+                </a:schemeClr>
+              </a:lnRef>
+              <a:fillRef idx="1">
+                <a:schemeClr val="accent1"/>
+              </a:fillRef>
+              <a:effectRef idx="0">
+                <a:schemeClr val="accent1"/>
+              </a:effectRef>
+              <a:fontRef idx="minor">
+                <a:schemeClr val="lt1"/>
+              </a:fontRef>
+            </p:style>
+            <p:txBody>
+              <a:bodyPr rot="0" spcFirstLastPara="0" vertOverflow="overflow" horzOverflow="overflow" vert="horz" wrap="square" lIns="91440" tIns="45720" rIns="91440" bIns="45720" numCol="1" spcCol="0" rtlCol="0" fromWordArt="0" anchor="ctr" anchorCtr="0" forceAA="0" compatLnSpc="1">
+                <a:prstTxWarp prst="textNoShape">
+                  <a:avLst/>
+                </a:prstTxWarp>
+                <a:noAutofit/>
+              </a:bodyPr>
+              <a:lstStyle/>
+              <a:p>
+                <a:pPr algn="ctr"/>
+                <a:endParaRPr lang="en-US"/>
+              </a:p>
+            </p:txBody>
+          </p:sp>
+        </p:grpSp>
+        <p:cxnSp>
+          <p:nvCxnSpPr>
+            <p:cNvPr id="120" name="Straight Arrow Connector 119"/>
+            <p:cNvCxnSpPr>
+              <a:stCxn id="106" idx="6"/>
+              <a:endCxn id="178" idx="2"/>
+            </p:cNvCxnSpPr>
+            <p:nvPr/>
+          </p:nvCxnSpPr>
+          <p:spPr>
+            <a:xfrm>
+              <a:off x="721613" y="4264259"/>
+              <a:ext cx="3205117" cy="2058"/>
+            </a:xfrm>
+            <a:prstGeom prst="straightConnector1">
+              <a:avLst/>
+            </a:prstGeom>
+            <a:ln w="12700">
+              <a:solidFill>
+                <a:schemeClr val="tx1"/>
+              </a:solidFill>
+              <a:tailEnd type="triangle"/>
+            </a:ln>
+          </p:spPr>
+          <p:style>
+            <a:lnRef idx="1">
+              <a:schemeClr val="accent1"/>
+            </a:lnRef>
+            <a:fillRef idx="0">
+              <a:schemeClr val="accent1"/>
+            </a:fillRef>
+            <a:effectRef idx="0">
+              <a:schemeClr val="accent1"/>
+            </a:effectRef>
+            <a:fontRef idx="minor">
+              <a:schemeClr val="tx1"/>
+            </a:fontRef>
+          </p:style>
+        </p:cxnSp>
+        <p:grpSp>
+          <p:nvGrpSpPr>
+            <p:cNvPr id="144" name="Group 143"/>
+            <p:cNvGrpSpPr/>
+            <p:nvPr/>
+          </p:nvGrpSpPr>
+          <p:grpSpPr>
+            <a:xfrm>
+              <a:off x="8773587" y="3606546"/>
+              <a:ext cx="1044406" cy="360000"/>
+              <a:chOff x="4339256" y="483077"/>
+              <a:chExt cx="3735953" cy="366109"/>
+            </a:xfrm>
+          </p:grpSpPr>
+          <p:sp>
+            <p:nvSpPr>
+              <p:cNvPr id="145" name="Rounded Rectangle 144"/>
+              <p:cNvSpPr/>
+              <p:nvPr/>
+            </p:nvSpPr>
+            <p:spPr>
+              <a:xfrm>
+                <a:off x="4339256" y="483077"/>
+                <a:ext cx="3605726" cy="366109"/>
+              </a:xfrm>
+              <a:prstGeom prst="roundRect">
+                <a:avLst>
+                  <a:gd name="adj" fmla="val 0"/>
+                </a:avLst>
+              </a:prstGeom>
+              <a:noFill/>
+              <a:ln>
+                <a:solidFill>
+                  <a:schemeClr val="tx1"/>
+                </a:solidFill>
+              </a:ln>
+            </p:spPr>
+            <p:style>
+              <a:lnRef idx="2">
+                <a:schemeClr val="accent1">
+                  <a:shade val="50000"/>
+                </a:schemeClr>
+              </a:lnRef>
+              <a:fillRef idx="1">
+                <a:schemeClr val="accent1"/>
+              </a:fillRef>
+              <a:effectRef idx="0">
+                <a:schemeClr val="accent1"/>
+              </a:effectRef>
+              <a:fontRef idx="minor">
+                <a:schemeClr val="lt1"/>
+              </a:fontRef>
+            </p:style>
+            <p:txBody>
+              <a:bodyPr rot="0" spcFirstLastPara="0" vertOverflow="overflow" horzOverflow="overflow" vert="horz" wrap="square" lIns="91440" tIns="45720" rIns="91440" bIns="45720" numCol="1" spcCol="0" rtlCol="0" fromWordArt="0" anchor="ctr" anchorCtr="0" forceAA="0" compatLnSpc="1">
+                <a:prstTxWarp prst="textNoShape">
+                  <a:avLst/>
+                </a:prstTxWarp>
+                <a:noAutofit/>
+              </a:bodyPr>
+              <a:lstStyle/>
+              <a:p>
+                <a:pPr algn="ctr"/>
+                <a:endParaRPr lang="en-US">
+                  <a:noFill/>
+                </a:endParaRPr>
+              </a:p>
+            </p:txBody>
+          </p:sp>
+          <p:sp>
+            <p:nvSpPr>
+              <p:cNvPr id="146" name="TextBox 145"/>
+              <p:cNvSpPr txBox="1"/>
+              <p:nvPr/>
+            </p:nvSpPr>
+            <p:spPr>
+              <a:xfrm>
+                <a:off x="4398446" y="496974"/>
+                <a:ext cx="3676763" cy="344299"/>
+              </a:xfrm>
+              <a:prstGeom prst="rect">
+                <a:avLst/>
+              </a:prstGeom>
+              <a:noFill/>
+            </p:spPr>
+            <p:txBody>
+              <a:bodyPr wrap="square" rtlCol="0">
+                <a:spAutoFit/>
+              </a:bodyPr>
+              <a:lstStyle/>
+              <a:p>
+                <a:r>
+                  <a:rPr lang="zh-CN" altLang="en-US" sz="1600" dirty="0">
+                    <a:latin typeface="SimSun" charset="-122"/>
+                    <a:ea typeface="SimSun" charset="-122"/>
+                    <a:cs typeface="SimSun" charset="-122"/>
+                  </a:rPr>
+                  <a:t>视觉对话</a:t>
+                </a:r>
+                <a:endParaRPr lang="en-US" sz="1600" dirty="0">
+                  <a:latin typeface="SimSun" charset="-122"/>
+                  <a:ea typeface="SimSun" charset="-122"/>
+                  <a:cs typeface="SimSun" charset="-122"/>
+                </a:endParaRPr>
+              </a:p>
+            </p:txBody>
+          </p:sp>
+        </p:grpSp>
+        <p:cxnSp>
+          <p:nvCxnSpPr>
+            <p:cNvPr id="147" name="Straight Arrow Connector 146"/>
+            <p:cNvCxnSpPr>
+              <a:stCxn id="23" idx="2"/>
+              <a:endCxn id="145" idx="0"/>
+            </p:cNvCxnSpPr>
+            <p:nvPr/>
+          </p:nvCxnSpPr>
+          <p:spPr>
+            <a:xfrm flipH="1">
+              <a:off x="9277587" y="2738309"/>
+              <a:ext cx="531602" cy="868237"/>
+            </a:xfrm>
+            <a:prstGeom prst="straightConnector1">
+              <a:avLst/>
+            </a:prstGeom>
+            <a:ln w="12700">
+              <a:solidFill>
+                <a:schemeClr val="tx1"/>
+              </a:solidFill>
+              <a:tailEnd type="triangle" w="med" len="lg"/>
+            </a:ln>
+          </p:spPr>
+          <p:style>
+            <a:lnRef idx="1">
+              <a:schemeClr val="accent1"/>
+            </a:lnRef>
+            <a:fillRef idx="0">
+              <a:schemeClr val="accent1"/>
+            </a:fillRef>
+            <a:effectRef idx="0">
+              <a:schemeClr val="accent1"/>
+            </a:effectRef>
+            <a:fontRef idx="minor">
+              <a:schemeClr val="tx1"/>
+            </a:fontRef>
+          </p:style>
+        </p:cxnSp>
         <p:sp>
           <p:nvSpPr>
-            <p:cNvPr id="5" name="TextBox 4"/>
+            <p:cNvPr id="84" name="TextBox 83"/>
             <p:cNvSpPr txBox="1"/>
             <p:nvPr/>
           </p:nvSpPr>
           <p:spPr>
-            <a:xfrm>
-              <a:off x="4948856" y="558337"/>
-              <a:ext cx="1820356" cy="338554"/>
+            <a:xfrm rot="19648482">
+              <a:off x="1800710" y="1501113"/>
+              <a:ext cx="1017033" cy="338554"/>
             </a:xfrm>
             <a:prstGeom prst="rect">
               <a:avLst/>
@@ -3463,15 +5889,7 @@
                   <a:ea typeface="SimSun" charset="-122"/>
                   <a:cs typeface="SimSun" charset="-122"/>
                 </a:rPr>
-                <a:t>复杂</a:t>
-              </a:r>
-              <a:r>
-                <a:rPr lang="zh-CN" altLang="en-US" sz="1600">
-                  <a:latin typeface="SimSun" charset="-122"/>
-                  <a:ea typeface="SimSun" charset="-122"/>
-                  <a:cs typeface="SimSun" charset="-122"/>
-                </a:rPr>
-                <a:t>视觉场景理解</a:t>
+                <a:t>个体层次</a:t>
               </a:r>
               <a:endParaRPr lang="en-US" sz="1600" dirty="0">
                 <a:latin typeface="SimSun" charset="-122"/>
@@ -3481,86 +5899,16 @@
             </a:p>
           </p:txBody>
         </p:sp>
-      </p:grpSp>
-      <p:grpSp>
-        <p:nvGrpSpPr>
-          <p:cNvPr id="7" name="Group 6"/>
-          <p:cNvGrpSpPr/>
-          <p:nvPr/>
-        </p:nvGrpSpPr>
-        <p:grpSpPr>
-          <a:xfrm>
-            <a:off x="2829001" y="1056423"/>
-            <a:ext cx="621334" cy="432000"/>
-            <a:chOff x="3950740" y="483077"/>
-            <a:chExt cx="1964196" cy="439328"/>
-          </a:xfrm>
-        </p:grpSpPr>
         <p:sp>
           <p:nvSpPr>
-            <p:cNvPr id="8" name="Rounded Rectangle 7"/>
-            <p:cNvSpPr/>
-            <p:nvPr/>
-          </p:nvSpPr>
-          <p:spPr>
-            <a:xfrm>
-              <a:off x="3967621" y="483077"/>
-              <a:ext cx="1820883" cy="439328"/>
-            </a:xfrm>
-            <a:prstGeom prst="roundRect">
-              <a:avLst>
-                <a:gd name="adj" fmla="val 0"/>
-              </a:avLst>
-            </a:prstGeom>
-            <a:noFill/>
-            <a:ln>
-              <a:solidFill>
-                <a:schemeClr val="tx1"/>
-              </a:solidFill>
-            </a:ln>
-          </p:spPr>
-          <p:style>
-            <a:lnRef idx="2">
-              <a:schemeClr val="accent1">
-                <a:shade val="50000"/>
-              </a:schemeClr>
-            </a:lnRef>
-            <a:fillRef idx="1">
-              <a:schemeClr val="accent1"/>
-            </a:fillRef>
-            <a:effectRef idx="0">
-              <a:schemeClr val="accent1"/>
-            </a:effectRef>
-            <a:fontRef idx="minor">
-              <a:schemeClr val="lt1"/>
-            </a:fontRef>
-          </p:style>
-          <p:txBody>
-            <a:bodyPr rot="0" spcFirstLastPara="0" vertOverflow="overflow" horzOverflow="overflow" vert="horz" wrap="square" lIns="91440" tIns="45720" rIns="91440" bIns="45720" numCol="1" spcCol="0" rtlCol="0" fromWordArt="0" anchor="ctr" anchorCtr="0" forceAA="0" compatLnSpc="1">
-              <a:prstTxWarp prst="textNoShape">
-                <a:avLst/>
-              </a:prstTxWarp>
-              <a:noAutofit/>
-            </a:bodyPr>
-            <a:lstStyle/>
-            <a:p>
-              <a:pPr algn="ctr"/>
-              <a:endParaRPr lang="en-US">
-                <a:noFill/>
-              </a:endParaRPr>
-            </a:p>
-          </p:txBody>
-        </p:sp>
-        <p:sp>
-          <p:nvSpPr>
-            <p:cNvPr id="9" name="TextBox 8"/>
+            <p:cNvPr id="86" name="TextBox 85"/>
             <p:cNvSpPr txBox="1"/>
             <p:nvPr/>
           </p:nvSpPr>
           <p:spPr>
-            <a:xfrm>
-              <a:off x="3950740" y="530593"/>
-              <a:ext cx="1964196" cy="344297"/>
+            <a:xfrm rot="1694009">
+              <a:off x="3649772" y="1523921"/>
+              <a:ext cx="1032403" cy="338554"/>
             </a:xfrm>
             <a:prstGeom prst="rect">
               <a:avLst/>
@@ -3579,7 +5927,7 @@
                   <a:ea typeface="SimSun" charset="-122"/>
                   <a:cs typeface="SimSun" charset="-122"/>
                 </a:rPr>
-                <a:t>识别</a:t>
+                <a:t>场景层次</a:t>
               </a:r>
               <a:endParaRPr lang="en-US" sz="1600" dirty="0">
                 <a:latin typeface="SimSun" charset="-122"/>
@@ -3589,86 +5937,16 @@
             </a:p>
           </p:txBody>
         </p:sp>
-      </p:grpSp>
-      <p:grpSp>
-        <p:nvGrpSpPr>
-          <p:cNvPr id="10" name="Group 9"/>
-          <p:cNvGrpSpPr/>
-          <p:nvPr/>
-        </p:nvGrpSpPr>
-        <p:grpSpPr>
-          <a:xfrm>
-            <a:off x="8303570" y="1060828"/>
-            <a:ext cx="640890" cy="432000"/>
-            <a:chOff x="4779034" y="483077"/>
-            <a:chExt cx="2026019" cy="439328"/>
-          </a:xfrm>
-        </p:grpSpPr>
         <p:sp>
           <p:nvSpPr>
-            <p:cNvPr id="11" name="Rounded Rectangle 10"/>
-            <p:cNvSpPr/>
-            <p:nvPr/>
-          </p:nvSpPr>
-          <p:spPr>
-            <a:xfrm>
-              <a:off x="4779034" y="483077"/>
-              <a:ext cx="1820885" cy="439328"/>
-            </a:xfrm>
-            <a:prstGeom prst="roundRect">
-              <a:avLst>
-                <a:gd name="adj" fmla="val 0"/>
-              </a:avLst>
-            </a:prstGeom>
-            <a:noFill/>
-            <a:ln>
-              <a:solidFill>
-                <a:schemeClr val="tx1"/>
-              </a:solidFill>
-            </a:ln>
-          </p:spPr>
-          <p:style>
-            <a:lnRef idx="2">
-              <a:schemeClr val="accent1">
-                <a:shade val="50000"/>
-              </a:schemeClr>
-            </a:lnRef>
-            <a:fillRef idx="1">
-              <a:schemeClr val="accent1"/>
-            </a:fillRef>
-            <a:effectRef idx="0">
-              <a:schemeClr val="accent1"/>
-            </a:effectRef>
-            <a:fontRef idx="minor">
-              <a:schemeClr val="lt1"/>
-            </a:fontRef>
-          </p:style>
-          <p:txBody>
-            <a:bodyPr rot="0" spcFirstLastPara="0" vertOverflow="overflow" horzOverflow="overflow" vert="horz" wrap="square" lIns="91440" tIns="45720" rIns="91440" bIns="45720" numCol="1" spcCol="0" rtlCol="0" fromWordArt="0" anchor="ctr" anchorCtr="0" forceAA="0" compatLnSpc="1">
-              <a:prstTxWarp prst="textNoShape">
-                <a:avLst/>
-              </a:prstTxWarp>
-              <a:noAutofit/>
-            </a:bodyPr>
-            <a:lstStyle/>
-            <a:p>
-              <a:pPr algn="ctr"/>
-              <a:endParaRPr lang="en-US">
-                <a:noFill/>
-              </a:endParaRPr>
-            </a:p>
-          </p:txBody>
-        </p:sp>
-        <p:sp>
-          <p:nvSpPr>
-            <p:cNvPr id="12" name="TextBox 11"/>
+            <p:cNvPr id="87" name="TextBox 86"/>
             <p:cNvSpPr txBox="1"/>
             <p:nvPr/>
           </p:nvSpPr>
           <p:spPr>
-            <a:xfrm>
-              <a:off x="4846970" y="526113"/>
-              <a:ext cx="1958083" cy="344297"/>
+            <a:xfrm rot="19262721">
+              <a:off x="7335167" y="1535196"/>
+              <a:ext cx="1057146" cy="338554"/>
             </a:xfrm>
             <a:prstGeom prst="rect">
               <a:avLst/>
@@ -3687,7 +5965,7 @@
                   <a:ea typeface="SimSun" charset="-122"/>
                   <a:cs typeface="SimSun" charset="-122"/>
                 </a:rPr>
-                <a:t>推理</a:t>
+                <a:t>直接推理</a:t>
               </a:r>
               <a:endParaRPr lang="en-US" sz="1600" dirty="0">
                 <a:latin typeface="SimSun" charset="-122"/>
@@ -3697,302 +5975,16 @@
             </a:p>
           </p:txBody>
         </p:sp>
-      </p:grpSp>
-      <p:grpSp>
-        <p:nvGrpSpPr>
-          <p:cNvPr id="13" name="Group 12"/>
-          <p:cNvGrpSpPr/>
-          <p:nvPr/>
-        </p:nvGrpSpPr>
-        <p:grpSpPr>
-          <a:xfrm>
-            <a:off x="1179779" y="2221257"/>
-            <a:ext cx="1008000" cy="360000"/>
-            <a:chOff x="4779030" y="483077"/>
-            <a:chExt cx="2996816" cy="366109"/>
-          </a:xfrm>
-        </p:grpSpPr>
         <p:sp>
           <p:nvSpPr>
-            <p:cNvPr id="14" name="Rounded Rectangle 13"/>
-            <p:cNvSpPr/>
-            <p:nvPr/>
-          </p:nvSpPr>
-          <p:spPr>
-            <a:xfrm>
-              <a:off x="4779030" y="483077"/>
-              <a:ext cx="2996816" cy="366109"/>
-            </a:xfrm>
-            <a:prstGeom prst="roundRect">
-              <a:avLst>
-                <a:gd name="adj" fmla="val 0"/>
-              </a:avLst>
-            </a:prstGeom>
-            <a:noFill/>
-            <a:ln>
-              <a:solidFill>
-                <a:schemeClr val="tx1"/>
-              </a:solidFill>
-            </a:ln>
-          </p:spPr>
-          <p:style>
-            <a:lnRef idx="2">
-              <a:schemeClr val="accent1">
-                <a:shade val="50000"/>
-              </a:schemeClr>
-            </a:lnRef>
-            <a:fillRef idx="1">
-              <a:schemeClr val="accent1"/>
-            </a:fillRef>
-            <a:effectRef idx="0">
-              <a:schemeClr val="accent1"/>
-            </a:effectRef>
-            <a:fontRef idx="minor">
-              <a:schemeClr val="lt1"/>
-            </a:fontRef>
-          </p:style>
-          <p:txBody>
-            <a:bodyPr rot="0" spcFirstLastPara="0" vertOverflow="overflow" horzOverflow="overflow" vert="horz" wrap="square" lIns="91440" tIns="45720" rIns="91440" bIns="45720" numCol="1" spcCol="0" rtlCol="0" fromWordArt="0" anchor="ctr" anchorCtr="0" forceAA="0" compatLnSpc="1">
-              <a:prstTxWarp prst="textNoShape">
-                <a:avLst/>
-              </a:prstTxWarp>
-              <a:noAutofit/>
-            </a:bodyPr>
-            <a:lstStyle/>
-            <a:p>
-              <a:pPr algn="ctr"/>
-              <a:endParaRPr lang="en-US">
-                <a:noFill/>
-              </a:endParaRPr>
-            </a:p>
-          </p:txBody>
-        </p:sp>
-        <p:sp>
-          <p:nvSpPr>
-            <p:cNvPr id="15" name="TextBox 14"/>
+            <p:cNvPr id="89" name="TextBox 88"/>
             <p:cNvSpPr txBox="1"/>
             <p:nvPr/>
           </p:nvSpPr>
           <p:spPr>
-            <a:xfrm>
-              <a:off x="4794656" y="489522"/>
-              <a:ext cx="2965563" cy="344299"/>
-            </a:xfrm>
-            <a:prstGeom prst="rect">
-              <a:avLst/>
-            </a:prstGeom>
-            <a:noFill/>
-          </p:spPr>
-          <p:txBody>
-            <a:bodyPr wrap="square" rtlCol="0">
-              <a:spAutoFit/>
-            </a:bodyPr>
-            <a:lstStyle/>
-            <a:p>
-              <a:r>
-                <a:rPr lang="zh-CN" altLang="en-US" sz="1600" dirty="0" smtClean="0">
-                  <a:latin typeface="SimSun" charset="-122"/>
-                  <a:ea typeface="SimSun" charset="-122"/>
-                  <a:cs typeface="SimSun" charset="-122"/>
-                </a:rPr>
-                <a:t>物体识别</a:t>
-              </a:r>
-              <a:endParaRPr lang="en-US" sz="1600" dirty="0">
-                <a:latin typeface="SimSun" charset="-122"/>
-                <a:ea typeface="SimSun" charset="-122"/>
-                <a:cs typeface="SimSun" charset="-122"/>
-              </a:endParaRPr>
-            </a:p>
-          </p:txBody>
-        </p:sp>
-      </p:grpSp>
-      <p:grpSp>
-        <p:nvGrpSpPr>
-          <p:cNvPr id="16" name="Group 15"/>
-          <p:cNvGrpSpPr/>
-          <p:nvPr/>
-        </p:nvGrpSpPr>
-        <p:grpSpPr>
-          <a:xfrm>
-            <a:off x="4164421" y="2216714"/>
-            <a:ext cx="1016535" cy="360000"/>
-            <a:chOff x="4753655" y="483077"/>
-            <a:chExt cx="3022191" cy="366108"/>
-          </a:xfrm>
-        </p:grpSpPr>
-        <p:sp>
-          <p:nvSpPr>
-            <p:cNvPr id="17" name="Rounded Rectangle 16"/>
-            <p:cNvSpPr/>
-            <p:nvPr/>
-          </p:nvSpPr>
-          <p:spPr>
-            <a:xfrm>
-              <a:off x="4779030" y="483077"/>
-              <a:ext cx="2996816" cy="366108"/>
-            </a:xfrm>
-            <a:prstGeom prst="roundRect">
-              <a:avLst>
-                <a:gd name="adj" fmla="val 0"/>
-              </a:avLst>
-            </a:prstGeom>
-            <a:noFill/>
-            <a:ln>
-              <a:solidFill>
-                <a:schemeClr val="tx1"/>
-              </a:solidFill>
-            </a:ln>
-          </p:spPr>
-          <p:style>
-            <a:lnRef idx="2">
-              <a:schemeClr val="accent1">
-                <a:shade val="50000"/>
-              </a:schemeClr>
-            </a:lnRef>
-            <a:fillRef idx="1">
-              <a:schemeClr val="accent1"/>
-            </a:fillRef>
-            <a:effectRef idx="0">
-              <a:schemeClr val="accent1"/>
-            </a:effectRef>
-            <a:fontRef idx="minor">
-              <a:schemeClr val="lt1"/>
-            </a:fontRef>
-          </p:style>
-          <p:txBody>
-            <a:bodyPr rot="0" spcFirstLastPara="0" vertOverflow="overflow" horzOverflow="overflow" vert="horz" wrap="square" lIns="91440" tIns="45720" rIns="91440" bIns="45720" numCol="1" spcCol="0" rtlCol="0" fromWordArt="0" anchor="ctr" anchorCtr="0" forceAA="0" compatLnSpc="1">
-              <a:prstTxWarp prst="textNoShape">
-                <a:avLst/>
-              </a:prstTxWarp>
-              <a:noAutofit/>
-            </a:bodyPr>
-            <a:lstStyle/>
-            <a:p>
-              <a:pPr algn="ctr"/>
-              <a:endParaRPr lang="en-US">
-                <a:noFill/>
-              </a:endParaRPr>
-            </a:p>
-          </p:txBody>
-        </p:sp>
-        <p:sp>
-          <p:nvSpPr>
-            <p:cNvPr id="18" name="TextBox 17"/>
-            <p:cNvSpPr txBox="1"/>
-            <p:nvPr/>
-          </p:nvSpPr>
-          <p:spPr>
-            <a:xfrm>
-              <a:off x="4753655" y="490192"/>
-              <a:ext cx="2965564" cy="344298"/>
-            </a:xfrm>
-            <a:prstGeom prst="rect">
-              <a:avLst/>
-            </a:prstGeom>
-            <a:noFill/>
-          </p:spPr>
-          <p:txBody>
-            <a:bodyPr wrap="square" rtlCol="0">
-              <a:spAutoFit/>
-            </a:bodyPr>
-            <a:lstStyle/>
-            <a:p>
-              <a:r>
-                <a:rPr lang="zh-CN" altLang="en-US" sz="1600" dirty="0" smtClean="0">
-                  <a:latin typeface="SimSun" charset="-122"/>
-                  <a:ea typeface="SimSun" charset="-122"/>
-                  <a:cs typeface="SimSun" charset="-122"/>
-                </a:rPr>
-                <a:t>场景识别</a:t>
-              </a:r>
-              <a:endParaRPr lang="en-US" sz="1600" dirty="0">
-                <a:latin typeface="SimSun" charset="-122"/>
-                <a:ea typeface="SimSun" charset="-122"/>
-                <a:cs typeface="SimSun" charset="-122"/>
-              </a:endParaRPr>
-            </a:p>
-          </p:txBody>
-        </p:sp>
-      </p:grpSp>
-      <p:grpSp>
-        <p:nvGrpSpPr>
-          <p:cNvPr id="19" name="Group 18"/>
-          <p:cNvGrpSpPr/>
-          <p:nvPr/>
-        </p:nvGrpSpPr>
-        <p:grpSpPr>
-          <a:xfrm>
-            <a:off x="6947229" y="2221257"/>
-            <a:ext cx="1008000" cy="360000"/>
-            <a:chOff x="4779030" y="483077"/>
-            <a:chExt cx="2996816" cy="366109"/>
-          </a:xfrm>
-        </p:grpSpPr>
-        <p:sp>
-          <p:nvSpPr>
-            <p:cNvPr id="20" name="Rounded Rectangle 19"/>
-            <p:cNvSpPr/>
-            <p:nvPr/>
-          </p:nvSpPr>
-          <p:spPr>
-            <a:xfrm>
-              <a:off x="4779030" y="483077"/>
-              <a:ext cx="2996816" cy="366109"/>
-            </a:xfrm>
-            <a:prstGeom prst="roundRect">
-              <a:avLst>
-                <a:gd name="adj" fmla="val 0"/>
-              </a:avLst>
-            </a:prstGeom>
-            <a:noFill/>
-            <a:ln>
-              <a:solidFill>
-                <a:schemeClr val="tx1"/>
-              </a:solidFill>
-            </a:ln>
-          </p:spPr>
-          <p:style>
-            <a:lnRef idx="2">
-              <a:schemeClr val="accent1">
-                <a:shade val="50000"/>
-              </a:schemeClr>
-            </a:lnRef>
-            <a:fillRef idx="1">
-              <a:schemeClr val="accent1"/>
-            </a:fillRef>
-            <a:effectRef idx="0">
-              <a:schemeClr val="accent1"/>
-            </a:effectRef>
-            <a:fontRef idx="minor">
-              <a:schemeClr val="lt1"/>
-            </a:fontRef>
-          </p:style>
-          <p:txBody>
-            <a:bodyPr rot="0" spcFirstLastPara="0" vertOverflow="overflow" horzOverflow="overflow" vert="horz" wrap="square" lIns="91440" tIns="45720" rIns="91440" bIns="45720" numCol="1" spcCol="0" rtlCol="0" fromWordArt="0" anchor="ctr" anchorCtr="0" forceAA="0" compatLnSpc="1">
-              <a:prstTxWarp prst="textNoShape">
-                <a:avLst/>
-              </a:prstTxWarp>
-              <a:noAutofit/>
-            </a:bodyPr>
-            <a:lstStyle/>
-            <a:p>
-              <a:pPr algn="ctr"/>
-              <a:endParaRPr lang="en-US">
-                <a:noFill/>
-              </a:endParaRPr>
-            </a:p>
-          </p:txBody>
-        </p:sp>
-        <p:sp>
-          <p:nvSpPr>
-            <p:cNvPr id="21" name="TextBox 20"/>
-            <p:cNvSpPr txBox="1"/>
-            <p:nvPr/>
-          </p:nvSpPr>
-          <p:spPr>
-            <a:xfrm>
-              <a:off x="4797638" y="490165"/>
-              <a:ext cx="2965563" cy="344299"/>
+            <a:xfrm rot="2203294">
+              <a:off x="8921436" y="1586821"/>
+              <a:ext cx="1079181" cy="338554"/>
             </a:xfrm>
             <a:prstGeom prst="rect">
               <a:avLst/>
@@ -4011,7 +6003,7 @@
                   <a:ea typeface="SimSun" charset="-122"/>
                   <a:cs typeface="SimSun" charset="-122"/>
                 </a:rPr>
-                <a:t>场景理解</a:t>
+                <a:t>间接推理</a:t>
               </a:r>
               <a:endParaRPr lang="en-US" sz="1600" dirty="0">
                 <a:latin typeface="SimSun" charset="-122"/>
@@ -4021,2508 +6013,520 @@
             </a:p>
           </p:txBody>
         </p:sp>
-      </p:grpSp>
-      <p:grpSp>
-        <p:nvGrpSpPr>
-          <p:cNvPr id="22" name="Group 21"/>
-          <p:cNvGrpSpPr/>
-          <p:nvPr/>
-        </p:nvGrpSpPr>
-        <p:grpSpPr>
-          <a:xfrm>
-            <a:off x="9260521" y="2224929"/>
-            <a:ext cx="1019810" cy="360000"/>
-            <a:chOff x="4779030" y="483077"/>
-            <a:chExt cx="3031927" cy="366109"/>
-          </a:xfrm>
-        </p:grpSpPr>
-        <p:sp>
-          <p:nvSpPr>
-            <p:cNvPr id="23" name="Rounded Rectangle 22"/>
-            <p:cNvSpPr/>
+        <p:cxnSp>
+          <p:nvCxnSpPr>
+            <p:cNvPr id="180" name="Straight Arrow Connector 179"/>
+            <p:cNvCxnSpPr>
+              <a:stCxn id="178" idx="6"/>
+              <a:endCxn id="181" idx="2"/>
+            </p:cNvCxnSpPr>
             <p:nvPr/>
-          </p:nvSpPr>
+          </p:nvCxnSpPr>
           <p:spPr>
-            <a:xfrm>
-              <a:off x="4779030" y="483077"/>
-              <a:ext cx="2996816" cy="366109"/>
+            <a:xfrm flipV="1">
+              <a:off x="4250730" y="4264296"/>
+              <a:ext cx="2344448" cy="2021"/>
             </a:xfrm>
-            <a:prstGeom prst="roundRect">
-              <a:avLst>
-                <a:gd name="adj" fmla="val 0"/>
-              </a:avLst>
+            <a:prstGeom prst="straightConnector1">
+              <a:avLst/>
             </a:prstGeom>
-            <a:noFill/>
-            <a:ln>
+            <a:ln w="12700">
               <a:solidFill>
                 <a:schemeClr val="tx1"/>
               </a:solidFill>
+              <a:tailEnd type="triangle"/>
             </a:ln>
           </p:spPr>
           <p:style>
-            <a:lnRef idx="2">
-              <a:schemeClr val="accent1">
-                <a:shade val="50000"/>
-              </a:schemeClr>
+            <a:lnRef idx="1">
+              <a:schemeClr val="accent1"/>
             </a:lnRef>
-            <a:fillRef idx="1">
+            <a:fillRef idx="0">
               <a:schemeClr val="accent1"/>
             </a:fillRef>
             <a:effectRef idx="0">
               <a:schemeClr val="accent1"/>
             </a:effectRef>
             <a:fontRef idx="minor">
-              <a:schemeClr val="lt1"/>
+              <a:schemeClr val="tx1"/>
             </a:fontRef>
           </p:style>
-          <p:txBody>
-            <a:bodyPr rot="0" spcFirstLastPara="0" vertOverflow="overflow" horzOverflow="overflow" vert="horz" wrap="square" lIns="91440" tIns="45720" rIns="91440" bIns="45720" numCol="1" spcCol="0" rtlCol="0" fromWordArt="0" anchor="ctr" anchorCtr="0" forceAA="0" compatLnSpc="1">
-              <a:prstTxWarp prst="textNoShape">
-                <a:avLst/>
-              </a:prstTxWarp>
-              <a:noAutofit/>
-            </a:bodyPr>
-            <a:lstStyle/>
-            <a:p>
-              <a:pPr algn="ctr"/>
-              <a:endParaRPr lang="en-US">
-                <a:noFill/>
-              </a:endParaRPr>
-            </a:p>
-          </p:txBody>
-        </p:sp>
-        <p:sp>
-          <p:nvSpPr>
-            <p:cNvPr id="24" name="TextBox 23"/>
-            <p:cNvSpPr txBox="1"/>
+        </p:cxnSp>
+        <p:cxnSp>
+          <p:nvCxnSpPr>
+            <p:cNvPr id="184" name="Straight Arrow Connector 183"/>
+            <p:cNvCxnSpPr>
+              <a:stCxn id="181" idx="6"/>
+              <a:endCxn id="185" idx="2"/>
+            </p:cNvCxnSpPr>
             <p:nvPr/>
-          </p:nvSpPr>
+          </p:nvCxnSpPr>
           <p:spPr>
-            <a:xfrm>
-              <a:off x="4845394" y="490247"/>
-              <a:ext cx="2965563" cy="344299"/>
+            <a:xfrm flipV="1">
+              <a:off x="6919178" y="4254696"/>
+              <a:ext cx="1048505" cy="9600"/>
             </a:xfrm>
-            <a:prstGeom prst="rect">
+            <a:prstGeom prst="straightConnector1">
               <a:avLst/>
             </a:prstGeom>
-            <a:noFill/>
-          </p:spPr>
-          <p:txBody>
-            <a:bodyPr wrap="square" rtlCol="0">
-              <a:spAutoFit/>
-            </a:bodyPr>
-            <a:lstStyle/>
-            <a:p>
-              <a:r>
-                <a:rPr lang="zh-CN" altLang="en-US" sz="1600" dirty="0">
-                  <a:latin typeface="SimSun" charset="-122"/>
-                  <a:ea typeface="SimSun" charset="-122"/>
-                  <a:cs typeface="SimSun" charset="-122"/>
-                </a:rPr>
-                <a:t>场景推理</a:t>
-              </a:r>
-              <a:endParaRPr lang="en-US" sz="1600" dirty="0">
-                <a:latin typeface="SimSun" charset="-122"/>
-                <a:ea typeface="SimSun" charset="-122"/>
-                <a:cs typeface="SimSun" charset="-122"/>
-              </a:endParaRPr>
-            </a:p>
-          </p:txBody>
-        </p:sp>
-      </p:grpSp>
-      <p:grpSp>
-        <p:nvGrpSpPr>
-          <p:cNvPr id="25" name="Group 24"/>
-          <p:cNvGrpSpPr/>
-          <p:nvPr/>
-        </p:nvGrpSpPr>
-        <p:grpSpPr>
-          <a:xfrm>
-            <a:off x="9911793" y="3495695"/>
-            <a:ext cx="1018690" cy="360000"/>
-            <a:chOff x="4779031" y="483077"/>
-            <a:chExt cx="3028596" cy="366109"/>
-          </a:xfrm>
-        </p:grpSpPr>
-        <p:sp>
-          <p:nvSpPr>
-            <p:cNvPr id="26" name="Rounded Rectangle 25"/>
-            <p:cNvSpPr/>
-            <p:nvPr/>
-          </p:nvSpPr>
-          <p:spPr>
-            <a:xfrm>
-              <a:off x="4779031" y="483077"/>
-              <a:ext cx="2996815" cy="366109"/>
-            </a:xfrm>
-            <a:prstGeom prst="roundRect">
-              <a:avLst>
-                <a:gd name="adj" fmla="val 0"/>
-              </a:avLst>
-            </a:prstGeom>
-            <a:solidFill>
-              <a:schemeClr val="bg1">
-                <a:lumMod val="95000"/>
-              </a:schemeClr>
-            </a:solidFill>
-            <a:ln>
+            <a:ln w="12700">
               <a:solidFill>
                 <a:schemeClr val="tx1"/>
               </a:solidFill>
+              <a:tailEnd type="triangle"/>
             </a:ln>
           </p:spPr>
           <p:style>
-            <a:lnRef idx="2">
-              <a:schemeClr val="accent1">
-                <a:shade val="50000"/>
-              </a:schemeClr>
+            <a:lnRef idx="1">
+              <a:schemeClr val="accent1"/>
             </a:lnRef>
-            <a:fillRef idx="1">
+            <a:fillRef idx="0">
               <a:schemeClr val="accent1"/>
             </a:fillRef>
             <a:effectRef idx="0">
               <a:schemeClr val="accent1"/>
             </a:effectRef>
             <a:fontRef idx="minor">
-              <a:schemeClr val="lt1"/>
+              <a:schemeClr val="tx1"/>
             </a:fontRef>
           </p:style>
-          <p:txBody>
-            <a:bodyPr rot="0" spcFirstLastPara="0" vertOverflow="overflow" horzOverflow="overflow" vert="horz" wrap="square" lIns="91440" tIns="45720" rIns="91440" bIns="45720" numCol="1" spcCol="0" rtlCol="0" fromWordArt="0" anchor="ctr" anchorCtr="0" forceAA="0" compatLnSpc="1">
-              <a:prstTxWarp prst="textNoShape">
-                <a:avLst/>
-              </a:prstTxWarp>
-              <a:noAutofit/>
-            </a:bodyPr>
-            <a:lstStyle/>
-            <a:p>
-              <a:pPr algn="ctr"/>
-              <a:endParaRPr lang="en-US">
-                <a:noFill/>
-              </a:endParaRPr>
-            </a:p>
-          </p:txBody>
-        </p:sp>
-        <p:sp>
-          <p:nvSpPr>
-            <p:cNvPr id="27" name="TextBox 26"/>
-            <p:cNvSpPr txBox="1"/>
+        </p:cxnSp>
+        <p:cxnSp>
+          <p:nvCxnSpPr>
+            <p:cNvPr id="190" name="Straight Arrow Connector 189"/>
+            <p:cNvCxnSpPr>
+              <a:stCxn id="185" idx="6"/>
+              <a:endCxn id="187" idx="2"/>
+            </p:cNvCxnSpPr>
             <p:nvPr/>
-          </p:nvSpPr>
+          </p:nvCxnSpPr>
           <p:spPr>
             <a:xfrm>
-              <a:off x="4842065" y="490250"/>
-              <a:ext cx="2965562" cy="344299"/>
+              <a:off x="8291683" y="4254696"/>
+              <a:ext cx="1962110" cy="9563"/>
             </a:xfrm>
-            <a:prstGeom prst="rect">
+            <a:prstGeom prst="straightConnector1">
               <a:avLst/>
             </a:prstGeom>
-            <a:noFill/>
-          </p:spPr>
-          <p:txBody>
-            <a:bodyPr wrap="square" rtlCol="0">
-              <a:spAutoFit/>
-            </a:bodyPr>
-            <a:lstStyle/>
-            <a:p>
-              <a:r>
-                <a:rPr lang="zh-CN" altLang="en-US" sz="1600" dirty="0">
-                  <a:latin typeface="SimSun" charset="-122"/>
-                  <a:ea typeface="SimSun" charset="-122"/>
-                  <a:cs typeface="SimSun" charset="-122"/>
-                </a:rPr>
-                <a:t>视觉问答</a:t>
-              </a:r>
-              <a:endParaRPr lang="en-US" sz="1600" dirty="0">
-                <a:latin typeface="SimSun" charset="-122"/>
-                <a:ea typeface="SimSun" charset="-122"/>
-                <a:cs typeface="SimSun" charset="-122"/>
-              </a:endParaRPr>
-            </a:p>
-          </p:txBody>
-        </p:sp>
-      </p:grpSp>
-      <p:grpSp>
-        <p:nvGrpSpPr>
-          <p:cNvPr id="28" name="Group 27"/>
-          <p:cNvGrpSpPr/>
-          <p:nvPr/>
-        </p:nvGrpSpPr>
-        <p:grpSpPr>
-          <a:xfrm>
-            <a:off x="7626761" y="3499372"/>
-            <a:ext cx="1008000" cy="360000"/>
-            <a:chOff x="5155502" y="463112"/>
-            <a:chExt cx="2996816" cy="366109"/>
-          </a:xfrm>
-        </p:grpSpPr>
-        <p:sp>
-          <p:nvSpPr>
-            <p:cNvPr id="29" name="Rounded Rectangle 28"/>
-            <p:cNvSpPr/>
-            <p:nvPr/>
-          </p:nvSpPr>
-          <p:spPr>
-            <a:xfrm>
-              <a:off x="5155502" y="463112"/>
-              <a:ext cx="2996816" cy="366109"/>
-            </a:xfrm>
-            <a:prstGeom prst="roundRect">
-              <a:avLst>
-                <a:gd name="adj" fmla="val 0"/>
-              </a:avLst>
-            </a:prstGeom>
-            <a:solidFill>
-              <a:schemeClr val="bg1">
-                <a:lumMod val="95000"/>
-              </a:schemeClr>
-            </a:solidFill>
-            <a:ln>
+            <a:ln w="12700">
               <a:solidFill>
                 <a:schemeClr val="tx1"/>
               </a:solidFill>
+              <a:tailEnd type="triangle"/>
             </a:ln>
           </p:spPr>
           <p:style>
-            <a:lnRef idx="2">
-              <a:schemeClr val="accent1">
-                <a:shade val="50000"/>
-              </a:schemeClr>
+            <a:lnRef idx="1">
+              <a:schemeClr val="accent1"/>
             </a:lnRef>
-            <a:fillRef idx="1">
+            <a:fillRef idx="0">
               <a:schemeClr val="accent1"/>
             </a:fillRef>
             <a:effectRef idx="0">
               <a:schemeClr val="accent1"/>
             </a:effectRef>
             <a:fontRef idx="minor">
-              <a:schemeClr val="lt1"/>
+              <a:schemeClr val="tx1"/>
             </a:fontRef>
           </p:style>
-          <p:txBody>
-            <a:bodyPr rot="0" spcFirstLastPara="0" vertOverflow="overflow" horzOverflow="overflow" vert="horz" wrap="square" lIns="91440" tIns="45720" rIns="91440" bIns="45720" numCol="1" spcCol="0" rtlCol="0" fromWordArt="0" anchor="ctr" anchorCtr="0" forceAA="0" compatLnSpc="1">
-              <a:prstTxWarp prst="textNoShape">
+        </p:cxnSp>
+        <p:grpSp>
+          <p:nvGrpSpPr>
+            <p:cNvPr id="197" name="Group 196"/>
+            <p:cNvGrpSpPr/>
+            <p:nvPr/>
+          </p:nvGrpSpPr>
+          <p:grpSpPr>
+            <a:xfrm>
+              <a:off x="3926730" y="4054861"/>
+              <a:ext cx="358392" cy="400110"/>
+              <a:chOff x="3926730" y="4054861"/>
+              <a:chExt cx="358392" cy="400110"/>
+            </a:xfrm>
+          </p:grpSpPr>
+          <p:sp>
+            <p:nvSpPr>
+              <p:cNvPr id="178" name="Oval 177"/>
+              <p:cNvSpPr/>
+              <p:nvPr/>
+            </p:nvSpPr>
+            <p:spPr>
+              <a:xfrm>
+                <a:off x="3926730" y="4104317"/>
+                <a:ext cx="324000" cy="324000"/>
+              </a:xfrm>
+              <a:prstGeom prst="ellipse">
                 <a:avLst/>
-              </a:prstTxWarp>
-              <a:noAutofit/>
-            </a:bodyPr>
-            <a:lstStyle/>
-            <a:p>
-              <a:pPr algn="ctr"/>
-              <a:endParaRPr lang="en-US">
-                <a:noFill/>
-              </a:endParaRPr>
-            </a:p>
-          </p:txBody>
-        </p:sp>
-        <p:sp>
-          <p:nvSpPr>
-            <p:cNvPr id="30" name="TextBox 29"/>
-            <p:cNvSpPr txBox="1"/>
+              </a:prstGeom>
+              <a:noFill/>
+              <a:ln>
+                <a:solidFill>
+                  <a:schemeClr val="tx1"/>
+                </a:solidFill>
+              </a:ln>
+            </p:spPr>
+            <p:style>
+              <a:lnRef idx="2">
+                <a:schemeClr val="accent1">
+                  <a:shade val="50000"/>
+                </a:schemeClr>
+              </a:lnRef>
+              <a:fillRef idx="1">
+                <a:schemeClr val="accent1"/>
+              </a:fillRef>
+              <a:effectRef idx="0">
+                <a:schemeClr val="accent1"/>
+              </a:effectRef>
+              <a:fontRef idx="minor">
+                <a:schemeClr val="lt1"/>
+              </a:fontRef>
+            </p:style>
+            <p:txBody>
+              <a:bodyPr rot="0" spcFirstLastPara="0" vertOverflow="overflow" horzOverflow="overflow" vert="horz" wrap="square" lIns="91440" tIns="45720" rIns="91440" bIns="45720" numCol="1" spcCol="0" rtlCol="0" fromWordArt="0" anchor="ctr" anchorCtr="0" forceAA="0" compatLnSpc="1">
+                <a:prstTxWarp prst="textNoShape">
+                  <a:avLst/>
+                </a:prstTxWarp>
+                <a:noAutofit/>
+              </a:bodyPr>
+              <a:lstStyle/>
+              <a:p>
+                <a:pPr algn="ctr"/>
+                <a:endParaRPr lang="en-US"/>
+              </a:p>
+            </p:txBody>
+          </p:sp>
+          <p:sp>
+            <p:nvSpPr>
+              <p:cNvPr id="193" name="TextBox 192"/>
+              <p:cNvSpPr txBox="1"/>
+              <p:nvPr/>
+            </p:nvSpPr>
+            <p:spPr>
+              <a:xfrm>
+                <a:off x="3938582" y="4054861"/>
+                <a:ext cx="346540" cy="400110"/>
+              </a:xfrm>
+              <a:prstGeom prst="rect">
+                <a:avLst/>
+              </a:prstGeom>
+              <a:noFill/>
+            </p:spPr>
+            <p:txBody>
+              <a:bodyPr wrap="square" rtlCol="0">
+                <a:spAutoFit/>
+              </a:bodyPr>
+              <a:lstStyle/>
+              <a:p>
+                <a:r>
+                  <a:rPr lang="en-US" sz="2000" b="1" dirty="0">
+                    <a:latin typeface="SimSun" charset="-122"/>
+                    <a:ea typeface="SimSun" charset="-122"/>
+                    <a:cs typeface="SimSun" charset="-122"/>
+                  </a:rPr>
+                  <a:t>2</a:t>
+                </a:r>
+              </a:p>
+            </p:txBody>
+          </p:sp>
+        </p:grpSp>
+        <p:grpSp>
+          <p:nvGrpSpPr>
+            <p:cNvPr id="198" name="Group 197"/>
+            <p:cNvGrpSpPr/>
             <p:nvPr/>
-          </p:nvSpPr>
-          <p:spPr>
+          </p:nvGrpSpPr>
+          <p:grpSpPr>
             <a:xfrm>
-              <a:off x="5167923" y="473281"/>
-              <a:ext cx="2965563" cy="344299"/>
+              <a:off x="6595178" y="4045150"/>
+              <a:ext cx="357936" cy="400110"/>
+              <a:chOff x="6595178" y="4045150"/>
+              <a:chExt cx="357936" cy="400110"/>
             </a:xfrm>
-            <a:prstGeom prst="rect">
-              <a:avLst/>
-            </a:prstGeom>
-            <a:noFill/>
-          </p:spPr>
-          <p:txBody>
-            <a:bodyPr wrap="square" rtlCol="0">
-              <a:spAutoFit/>
-            </a:bodyPr>
-            <a:lstStyle/>
-            <a:p>
-              <a:r>
-                <a:rPr lang="zh-CN" altLang="en-US" sz="1600" dirty="0">
-                  <a:latin typeface="SimSun" charset="-122"/>
-                  <a:ea typeface="SimSun" charset="-122"/>
-                  <a:cs typeface="SimSun" charset="-122"/>
-                </a:rPr>
-                <a:t>视觉检索</a:t>
-              </a:r>
-              <a:endParaRPr lang="en-US" sz="1600" dirty="0">
-                <a:latin typeface="SimSun" charset="-122"/>
-                <a:ea typeface="SimSun" charset="-122"/>
-                <a:cs typeface="SimSun" charset="-122"/>
-              </a:endParaRPr>
-            </a:p>
-          </p:txBody>
-        </p:sp>
+          </p:grpSpPr>
+          <p:sp>
+            <p:nvSpPr>
+              <p:cNvPr id="181" name="Oval 180"/>
+              <p:cNvSpPr/>
+              <p:nvPr/>
+            </p:nvSpPr>
+            <p:spPr>
+              <a:xfrm>
+                <a:off x="6595178" y="4102296"/>
+                <a:ext cx="324000" cy="324000"/>
+              </a:xfrm>
+              <a:prstGeom prst="ellipse">
+                <a:avLst/>
+              </a:prstGeom>
+              <a:noFill/>
+              <a:ln>
+                <a:solidFill>
+                  <a:schemeClr val="tx1"/>
+                </a:solidFill>
+              </a:ln>
+            </p:spPr>
+            <p:style>
+              <a:lnRef idx="2">
+                <a:schemeClr val="accent1">
+                  <a:shade val="50000"/>
+                </a:schemeClr>
+              </a:lnRef>
+              <a:fillRef idx="1">
+                <a:schemeClr val="accent1"/>
+              </a:fillRef>
+              <a:effectRef idx="0">
+                <a:schemeClr val="accent1"/>
+              </a:effectRef>
+              <a:fontRef idx="minor">
+                <a:schemeClr val="lt1"/>
+              </a:fontRef>
+            </p:style>
+            <p:txBody>
+              <a:bodyPr rot="0" spcFirstLastPara="0" vertOverflow="overflow" horzOverflow="overflow" vert="horz" wrap="square" lIns="91440" tIns="45720" rIns="91440" bIns="45720" numCol="1" spcCol="0" rtlCol="0" fromWordArt="0" anchor="ctr" anchorCtr="0" forceAA="0" compatLnSpc="1">
+                <a:prstTxWarp prst="textNoShape">
+                  <a:avLst/>
+                </a:prstTxWarp>
+                <a:noAutofit/>
+              </a:bodyPr>
+              <a:lstStyle/>
+              <a:p>
+                <a:pPr algn="ctr"/>
+                <a:endParaRPr lang="en-US"/>
+              </a:p>
+            </p:txBody>
+          </p:sp>
+          <p:sp>
+            <p:nvSpPr>
+              <p:cNvPr id="194" name="TextBox 193"/>
+              <p:cNvSpPr txBox="1"/>
+              <p:nvPr/>
+            </p:nvSpPr>
+            <p:spPr>
+              <a:xfrm>
+                <a:off x="6606574" y="4045150"/>
+                <a:ext cx="346540" cy="400110"/>
+              </a:xfrm>
+              <a:prstGeom prst="rect">
+                <a:avLst/>
+              </a:prstGeom>
+              <a:noFill/>
+            </p:spPr>
+            <p:txBody>
+              <a:bodyPr wrap="square" rtlCol="0">
+                <a:spAutoFit/>
+              </a:bodyPr>
+              <a:lstStyle/>
+              <a:p>
+                <a:r>
+                  <a:rPr lang="en-US" sz="2000" b="1" dirty="0">
+                    <a:latin typeface="SimSun" charset="-122"/>
+                    <a:ea typeface="SimSun" charset="-122"/>
+                    <a:cs typeface="SimSun" charset="-122"/>
+                  </a:rPr>
+                  <a:t>3</a:t>
+                </a:r>
+              </a:p>
+            </p:txBody>
+          </p:sp>
+        </p:grpSp>
+        <p:grpSp>
+          <p:nvGrpSpPr>
+            <p:cNvPr id="199" name="Group 198"/>
+            <p:cNvGrpSpPr/>
+            <p:nvPr/>
+          </p:nvGrpSpPr>
+          <p:grpSpPr>
+            <a:xfrm>
+              <a:off x="7967683" y="4045150"/>
+              <a:ext cx="352714" cy="400110"/>
+              <a:chOff x="7967683" y="4045150"/>
+              <a:chExt cx="352714" cy="400110"/>
+            </a:xfrm>
+          </p:grpSpPr>
+          <p:sp>
+            <p:nvSpPr>
+              <p:cNvPr id="185" name="Oval 184"/>
+              <p:cNvSpPr/>
+              <p:nvPr/>
+            </p:nvSpPr>
+            <p:spPr>
+              <a:xfrm>
+                <a:off x="7967683" y="4092696"/>
+                <a:ext cx="324000" cy="324000"/>
+              </a:xfrm>
+              <a:prstGeom prst="ellipse">
+                <a:avLst/>
+              </a:prstGeom>
+              <a:noFill/>
+              <a:ln>
+                <a:solidFill>
+                  <a:schemeClr val="tx1"/>
+                </a:solidFill>
+              </a:ln>
+            </p:spPr>
+            <p:style>
+              <a:lnRef idx="2">
+                <a:schemeClr val="accent1">
+                  <a:shade val="50000"/>
+                </a:schemeClr>
+              </a:lnRef>
+              <a:fillRef idx="1">
+                <a:schemeClr val="accent1"/>
+              </a:fillRef>
+              <a:effectRef idx="0">
+                <a:schemeClr val="accent1"/>
+              </a:effectRef>
+              <a:fontRef idx="minor">
+                <a:schemeClr val="lt1"/>
+              </a:fontRef>
+            </p:style>
+            <p:txBody>
+              <a:bodyPr rot="0" spcFirstLastPara="0" vertOverflow="overflow" horzOverflow="overflow" vert="horz" wrap="square" lIns="91440" tIns="45720" rIns="91440" bIns="45720" numCol="1" spcCol="0" rtlCol="0" fromWordArt="0" anchor="ctr" anchorCtr="0" forceAA="0" compatLnSpc="1">
+                <a:prstTxWarp prst="textNoShape">
+                  <a:avLst/>
+                </a:prstTxWarp>
+                <a:noAutofit/>
+              </a:bodyPr>
+              <a:lstStyle/>
+              <a:p>
+                <a:pPr algn="ctr"/>
+                <a:endParaRPr lang="en-US"/>
+              </a:p>
+            </p:txBody>
+          </p:sp>
+          <p:sp>
+            <p:nvSpPr>
+              <p:cNvPr id="195" name="TextBox 194"/>
+              <p:cNvSpPr txBox="1"/>
+              <p:nvPr/>
+            </p:nvSpPr>
+            <p:spPr>
+              <a:xfrm>
+                <a:off x="7973857" y="4045150"/>
+                <a:ext cx="346540" cy="400110"/>
+              </a:xfrm>
+              <a:prstGeom prst="rect">
+                <a:avLst/>
+              </a:prstGeom>
+              <a:noFill/>
+            </p:spPr>
+            <p:txBody>
+              <a:bodyPr wrap="square" rtlCol="0">
+                <a:spAutoFit/>
+              </a:bodyPr>
+              <a:lstStyle/>
+              <a:p>
+                <a:r>
+                  <a:rPr lang="en-US" sz="2000" b="1" dirty="0">
+                    <a:latin typeface="SimSun" charset="-122"/>
+                    <a:ea typeface="SimSun" charset="-122"/>
+                    <a:cs typeface="SimSun" charset="-122"/>
+                  </a:rPr>
+                  <a:t>4</a:t>
+                </a:r>
+              </a:p>
+            </p:txBody>
+          </p:sp>
+        </p:grpSp>
+        <p:grpSp>
+          <p:nvGrpSpPr>
+            <p:cNvPr id="200" name="Group 199"/>
+            <p:cNvGrpSpPr/>
+            <p:nvPr/>
+          </p:nvGrpSpPr>
+          <p:grpSpPr>
+            <a:xfrm>
+              <a:off x="10253793" y="4064276"/>
+              <a:ext cx="351216" cy="400110"/>
+              <a:chOff x="10253793" y="4064276"/>
+              <a:chExt cx="351216" cy="400110"/>
+            </a:xfrm>
+          </p:grpSpPr>
+          <p:sp>
+            <p:nvSpPr>
+              <p:cNvPr id="187" name="Oval 186"/>
+              <p:cNvSpPr/>
+              <p:nvPr/>
+            </p:nvSpPr>
+            <p:spPr>
+              <a:xfrm>
+                <a:off x="10253793" y="4102259"/>
+                <a:ext cx="324000" cy="324000"/>
+              </a:xfrm>
+              <a:prstGeom prst="ellipse">
+                <a:avLst/>
+              </a:prstGeom>
+              <a:noFill/>
+              <a:ln>
+                <a:solidFill>
+                  <a:schemeClr val="tx1"/>
+                </a:solidFill>
+              </a:ln>
+            </p:spPr>
+            <p:style>
+              <a:lnRef idx="2">
+                <a:schemeClr val="accent1">
+                  <a:shade val="50000"/>
+                </a:schemeClr>
+              </a:lnRef>
+              <a:fillRef idx="1">
+                <a:schemeClr val="accent1"/>
+              </a:fillRef>
+              <a:effectRef idx="0">
+                <a:schemeClr val="accent1"/>
+              </a:effectRef>
+              <a:fontRef idx="minor">
+                <a:schemeClr val="lt1"/>
+              </a:fontRef>
+            </p:style>
+            <p:txBody>
+              <a:bodyPr rot="0" spcFirstLastPara="0" vertOverflow="overflow" horzOverflow="overflow" vert="horz" wrap="square" lIns="91440" tIns="45720" rIns="91440" bIns="45720" numCol="1" spcCol="0" rtlCol="0" fromWordArt="0" anchor="ctr" anchorCtr="0" forceAA="0" compatLnSpc="1">
+                <a:prstTxWarp prst="textNoShape">
+                  <a:avLst/>
+                </a:prstTxWarp>
+                <a:noAutofit/>
+              </a:bodyPr>
+              <a:lstStyle/>
+              <a:p>
+                <a:pPr algn="ctr"/>
+                <a:endParaRPr lang="en-US"/>
+              </a:p>
+            </p:txBody>
+          </p:sp>
+          <p:sp>
+            <p:nvSpPr>
+              <p:cNvPr id="196" name="TextBox 195"/>
+              <p:cNvSpPr txBox="1"/>
+              <p:nvPr/>
+            </p:nvSpPr>
+            <p:spPr>
+              <a:xfrm>
+                <a:off x="10258469" y="4064276"/>
+                <a:ext cx="346540" cy="400110"/>
+              </a:xfrm>
+              <a:prstGeom prst="rect">
+                <a:avLst/>
+              </a:prstGeom>
+              <a:noFill/>
+            </p:spPr>
+            <p:txBody>
+              <a:bodyPr wrap="square" rtlCol="0">
+                <a:spAutoFit/>
+              </a:bodyPr>
+              <a:lstStyle/>
+              <a:p>
+                <a:r>
+                  <a:rPr lang="en-US" sz="2000" b="1" dirty="0">
+                    <a:latin typeface="SimSun" charset="-122"/>
+                    <a:ea typeface="SimSun" charset="-122"/>
+                    <a:cs typeface="SimSun" charset="-122"/>
+                  </a:rPr>
+                  <a:t>5</a:t>
+                </a:r>
+              </a:p>
+            </p:txBody>
+          </p:sp>
+        </p:grpSp>
       </p:grpSp>
-      <p:grpSp>
-        <p:nvGrpSpPr>
-          <p:cNvPr id="31" name="Group 30"/>
-          <p:cNvGrpSpPr/>
-          <p:nvPr/>
-        </p:nvGrpSpPr>
-        <p:grpSpPr>
-          <a:xfrm>
-            <a:off x="5988733" y="3504010"/>
-            <a:ext cx="1512000" cy="360001"/>
-            <a:chOff x="3645794" y="483077"/>
-            <a:chExt cx="4495223" cy="366109"/>
-          </a:xfrm>
-        </p:grpSpPr>
-        <p:sp>
-          <p:nvSpPr>
-            <p:cNvPr id="32" name="Rounded Rectangle 31"/>
-            <p:cNvSpPr/>
-            <p:nvPr/>
-          </p:nvSpPr>
-          <p:spPr>
-            <a:xfrm>
-              <a:off x="3645794" y="483077"/>
-              <a:ext cx="4495223" cy="366109"/>
-            </a:xfrm>
-            <a:prstGeom prst="roundRect">
-              <a:avLst>
-                <a:gd name="adj" fmla="val 0"/>
-              </a:avLst>
-            </a:prstGeom>
-            <a:solidFill>
-              <a:schemeClr val="bg1">
-                <a:lumMod val="95000"/>
-              </a:schemeClr>
-            </a:solidFill>
-            <a:ln>
-              <a:solidFill>
-                <a:schemeClr val="tx1"/>
-              </a:solidFill>
-            </a:ln>
-          </p:spPr>
-          <p:style>
-            <a:lnRef idx="2">
-              <a:schemeClr val="accent1">
-                <a:shade val="50000"/>
-              </a:schemeClr>
-            </a:lnRef>
-            <a:fillRef idx="1">
-              <a:schemeClr val="accent1"/>
-            </a:fillRef>
-            <a:effectRef idx="0">
-              <a:schemeClr val="accent1"/>
-            </a:effectRef>
-            <a:fontRef idx="minor">
-              <a:schemeClr val="lt1"/>
-            </a:fontRef>
-          </p:style>
-          <p:txBody>
-            <a:bodyPr rot="0" spcFirstLastPara="0" vertOverflow="overflow" horzOverflow="overflow" vert="horz" wrap="square" lIns="91440" tIns="45720" rIns="91440" bIns="45720" numCol="1" spcCol="0" rtlCol="0" fromWordArt="0" anchor="ctr" anchorCtr="0" forceAA="0" compatLnSpc="1">
-              <a:prstTxWarp prst="textNoShape">
-                <a:avLst/>
-              </a:prstTxWarp>
-              <a:noAutofit/>
-            </a:bodyPr>
-            <a:lstStyle/>
-            <a:p>
-              <a:pPr algn="ctr"/>
-              <a:endParaRPr lang="en-US">
-                <a:noFill/>
-              </a:endParaRPr>
-            </a:p>
-          </p:txBody>
-        </p:sp>
-        <p:sp>
-          <p:nvSpPr>
-            <p:cNvPr id="33" name="TextBox 32"/>
-            <p:cNvSpPr txBox="1"/>
-            <p:nvPr/>
-          </p:nvSpPr>
-          <p:spPr>
-            <a:xfrm>
-              <a:off x="3792968" y="489265"/>
-              <a:ext cx="4200872" cy="344298"/>
-            </a:xfrm>
-            <a:prstGeom prst="rect">
-              <a:avLst/>
-            </a:prstGeom>
-            <a:noFill/>
-          </p:spPr>
-          <p:txBody>
-            <a:bodyPr wrap="square" rtlCol="0">
-              <a:spAutoFit/>
-            </a:bodyPr>
-            <a:lstStyle/>
-            <a:p>
-              <a:r>
-                <a:rPr lang="zh-CN" altLang="en-US" sz="1600" dirty="0">
-                  <a:latin typeface="SimSun" charset="-122"/>
-                  <a:ea typeface="SimSun" charset="-122"/>
-                  <a:cs typeface="SimSun" charset="-122"/>
-                </a:rPr>
-                <a:t>视觉描述生成</a:t>
-              </a:r>
-              <a:endParaRPr lang="en-US" sz="1600" dirty="0">
-                <a:latin typeface="SimSun" charset="-122"/>
-                <a:ea typeface="SimSun" charset="-122"/>
-                <a:cs typeface="SimSun" charset="-122"/>
-              </a:endParaRPr>
-            </a:p>
-          </p:txBody>
-        </p:sp>
-      </p:grpSp>
-      <p:grpSp>
-        <p:nvGrpSpPr>
-          <p:cNvPr id="34" name="Group 33"/>
-          <p:cNvGrpSpPr/>
-          <p:nvPr/>
-        </p:nvGrpSpPr>
-        <p:grpSpPr>
-          <a:xfrm>
-            <a:off x="3450335" y="3517142"/>
-            <a:ext cx="1260000" cy="360850"/>
-            <a:chOff x="4760580" y="482209"/>
-            <a:chExt cx="3746020" cy="366973"/>
-          </a:xfrm>
-        </p:grpSpPr>
-        <p:sp>
-          <p:nvSpPr>
-            <p:cNvPr id="35" name="Rounded Rectangle 34"/>
-            <p:cNvSpPr/>
-            <p:nvPr/>
-          </p:nvSpPr>
-          <p:spPr>
-            <a:xfrm>
-              <a:off x="4760580" y="483073"/>
-              <a:ext cx="3746020" cy="366109"/>
-            </a:xfrm>
-            <a:prstGeom prst="roundRect">
-              <a:avLst>
-                <a:gd name="adj" fmla="val 0"/>
-              </a:avLst>
-            </a:prstGeom>
-            <a:solidFill>
-              <a:schemeClr val="bg1">
-                <a:lumMod val="95000"/>
-              </a:schemeClr>
-            </a:solidFill>
-            <a:ln>
-              <a:solidFill>
-                <a:schemeClr val="tx1"/>
-              </a:solidFill>
-            </a:ln>
-          </p:spPr>
-          <p:style>
-            <a:lnRef idx="2">
-              <a:schemeClr val="accent1">
-                <a:shade val="50000"/>
-              </a:schemeClr>
-            </a:lnRef>
-            <a:fillRef idx="1">
-              <a:schemeClr val="accent1"/>
-            </a:fillRef>
-            <a:effectRef idx="0">
-              <a:schemeClr val="accent1"/>
-            </a:effectRef>
-            <a:fontRef idx="minor">
-              <a:schemeClr val="lt1"/>
-            </a:fontRef>
-          </p:style>
-          <p:txBody>
-            <a:bodyPr rot="0" spcFirstLastPara="0" vertOverflow="overflow" horzOverflow="overflow" vert="horz" wrap="square" lIns="91440" tIns="45720" rIns="91440" bIns="45720" numCol="1" spcCol="0" rtlCol="0" fromWordArt="0" anchor="ctr" anchorCtr="0" forceAA="0" compatLnSpc="1">
-              <a:prstTxWarp prst="textNoShape">
-                <a:avLst/>
-              </a:prstTxWarp>
-              <a:noAutofit/>
-            </a:bodyPr>
-            <a:lstStyle/>
-            <a:p>
-              <a:pPr algn="ctr"/>
-              <a:endParaRPr lang="en-US">
-                <a:noFill/>
-              </a:endParaRPr>
-            </a:p>
-          </p:txBody>
-        </p:sp>
-        <p:sp>
-          <p:nvSpPr>
-            <p:cNvPr id="36" name="TextBox 35"/>
-            <p:cNvSpPr txBox="1"/>
-            <p:nvPr/>
-          </p:nvSpPr>
-          <p:spPr>
-            <a:xfrm>
-              <a:off x="4837463" y="482209"/>
-              <a:ext cx="3592252" cy="344299"/>
-            </a:xfrm>
-            <a:prstGeom prst="rect">
-              <a:avLst/>
-            </a:prstGeom>
-            <a:noFill/>
-          </p:spPr>
-          <p:txBody>
-            <a:bodyPr wrap="square" rtlCol="0">
-              <a:spAutoFit/>
-            </a:bodyPr>
-            <a:lstStyle/>
-            <a:p>
-              <a:r>
-                <a:rPr lang="zh-CN" altLang="en-US" sz="1600" dirty="0">
-                  <a:latin typeface="SimSun" charset="-122"/>
-                  <a:ea typeface="SimSun" charset="-122"/>
-                  <a:cs typeface="SimSun" charset="-122"/>
-                </a:rPr>
-                <a:t>场景图生成</a:t>
-              </a:r>
-              <a:endParaRPr lang="en-US" sz="1600" dirty="0">
-                <a:latin typeface="SimSun" charset="-122"/>
-                <a:ea typeface="SimSun" charset="-122"/>
-                <a:cs typeface="SimSun" charset="-122"/>
-              </a:endParaRPr>
-            </a:p>
-          </p:txBody>
-        </p:sp>
-      </p:grpSp>
-      <p:grpSp>
-        <p:nvGrpSpPr>
-          <p:cNvPr id="37" name="Group 36"/>
-          <p:cNvGrpSpPr/>
-          <p:nvPr/>
-        </p:nvGrpSpPr>
-        <p:grpSpPr>
-          <a:xfrm>
-            <a:off x="4846510" y="3517142"/>
-            <a:ext cx="1044633" cy="360911"/>
-            <a:chOff x="4339256" y="482151"/>
-            <a:chExt cx="3736766" cy="367035"/>
-          </a:xfrm>
-        </p:grpSpPr>
-        <p:sp>
-          <p:nvSpPr>
-            <p:cNvPr id="38" name="Rounded Rectangle 37"/>
-            <p:cNvSpPr/>
-            <p:nvPr/>
-          </p:nvSpPr>
-          <p:spPr>
-            <a:xfrm>
-              <a:off x="4339256" y="483077"/>
-              <a:ext cx="3605726" cy="366109"/>
-            </a:xfrm>
-            <a:prstGeom prst="roundRect">
-              <a:avLst>
-                <a:gd name="adj" fmla="val 0"/>
-              </a:avLst>
-            </a:prstGeom>
-            <a:noFill/>
-            <a:ln>
-              <a:solidFill>
-                <a:schemeClr val="tx1"/>
-              </a:solidFill>
-            </a:ln>
-          </p:spPr>
-          <p:style>
-            <a:lnRef idx="2">
-              <a:schemeClr val="accent1">
-                <a:shade val="50000"/>
-              </a:schemeClr>
-            </a:lnRef>
-            <a:fillRef idx="1">
-              <a:schemeClr val="accent1"/>
-            </a:fillRef>
-            <a:effectRef idx="0">
-              <a:schemeClr val="accent1"/>
-            </a:effectRef>
-            <a:fontRef idx="minor">
-              <a:schemeClr val="lt1"/>
-            </a:fontRef>
-          </p:style>
-          <p:txBody>
-            <a:bodyPr rot="0" spcFirstLastPara="0" vertOverflow="overflow" horzOverflow="overflow" vert="horz" wrap="square" lIns="91440" tIns="45720" rIns="91440" bIns="45720" numCol="1" spcCol="0" rtlCol="0" fromWordArt="0" anchor="ctr" anchorCtr="0" forceAA="0" compatLnSpc="1">
-              <a:prstTxWarp prst="textNoShape">
-                <a:avLst/>
-              </a:prstTxWarp>
-              <a:noAutofit/>
-            </a:bodyPr>
-            <a:lstStyle/>
-            <a:p>
-              <a:pPr algn="ctr"/>
-              <a:endParaRPr lang="en-US">
-                <a:noFill/>
-              </a:endParaRPr>
-            </a:p>
-          </p:txBody>
-        </p:sp>
-        <p:sp>
-          <p:nvSpPr>
-            <p:cNvPr id="39" name="TextBox 38"/>
-            <p:cNvSpPr txBox="1"/>
-            <p:nvPr/>
-          </p:nvSpPr>
-          <p:spPr>
-            <a:xfrm>
-              <a:off x="4399258" y="482151"/>
-              <a:ext cx="3676764" cy="344299"/>
-            </a:xfrm>
-            <a:prstGeom prst="rect">
-              <a:avLst/>
-            </a:prstGeom>
-            <a:noFill/>
-          </p:spPr>
-          <p:txBody>
-            <a:bodyPr wrap="square" rtlCol="0">
-              <a:spAutoFit/>
-            </a:bodyPr>
-            <a:lstStyle/>
-            <a:p>
-              <a:r>
-                <a:rPr lang="zh-CN" altLang="en-US" sz="1600" dirty="0">
-                  <a:latin typeface="SimSun" charset="-122"/>
-                  <a:ea typeface="SimSun" charset="-122"/>
-                  <a:cs typeface="SimSun" charset="-122"/>
-                </a:rPr>
-                <a:t>全景分割</a:t>
-              </a:r>
-              <a:endParaRPr lang="en-US" sz="1600" dirty="0">
-                <a:latin typeface="SimSun" charset="-122"/>
-                <a:ea typeface="SimSun" charset="-122"/>
-                <a:cs typeface="SimSun" charset="-122"/>
-              </a:endParaRPr>
-            </a:p>
-          </p:txBody>
-        </p:sp>
-      </p:grpSp>
-      <p:grpSp>
-        <p:nvGrpSpPr>
-          <p:cNvPr id="40" name="Group 39"/>
-          <p:cNvGrpSpPr/>
-          <p:nvPr/>
-        </p:nvGrpSpPr>
-        <p:grpSpPr>
-          <a:xfrm>
-            <a:off x="2307673" y="3520435"/>
-            <a:ext cx="1013026" cy="360000"/>
-            <a:chOff x="5013040" y="483077"/>
-            <a:chExt cx="3623705" cy="366109"/>
-          </a:xfrm>
-        </p:grpSpPr>
-        <p:sp>
-          <p:nvSpPr>
-            <p:cNvPr id="41" name="Rounded Rectangle 40"/>
-            <p:cNvSpPr/>
-            <p:nvPr/>
-          </p:nvSpPr>
-          <p:spPr>
-            <a:xfrm>
-              <a:off x="5013040" y="483077"/>
-              <a:ext cx="3605725" cy="366109"/>
-            </a:xfrm>
-            <a:prstGeom prst="roundRect">
-              <a:avLst>
-                <a:gd name="adj" fmla="val 0"/>
-              </a:avLst>
-            </a:prstGeom>
-            <a:noFill/>
-            <a:ln>
-              <a:solidFill>
-                <a:schemeClr val="tx1"/>
-              </a:solidFill>
-            </a:ln>
-          </p:spPr>
-          <p:style>
-            <a:lnRef idx="2">
-              <a:schemeClr val="accent1">
-                <a:shade val="50000"/>
-              </a:schemeClr>
-            </a:lnRef>
-            <a:fillRef idx="1">
-              <a:schemeClr val="accent1"/>
-            </a:fillRef>
-            <a:effectRef idx="0">
-              <a:schemeClr val="accent1"/>
-            </a:effectRef>
-            <a:fontRef idx="minor">
-              <a:schemeClr val="lt1"/>
-            </a:fontRef>
-          </p:style>
-          <p:txBody>
-            <a:bodyPr rot="0" spcFirstLastPara="0" vertOverflow="overflow" horzOverflow="overflow" vert="horz" wrap="square" lIns="91440" tIns="45720" rIns="91440" bIns="45720" numCol="1" spcCol="0" rtlCol="0" fromWordArt="0" anchor="ctr" anchorCtr="0" forceAA="0" compatLnSpc="1">
-              <a:prstTxWarp prst="textNoShape">
-                <a:avLst/>
-              </a:prstTxWarp>
-              <a:noAutofit/>
-            </a:bodyPr>
-            <a:lstStyle/>
-            <a:p>
-              <a:pPr algn="ctr"/>
-              <a:endParaRPr lang="en-US">
-                <a:noFill/>
-              </a:endParaRPr>
-            </a:p>
-          </p:txBody>
-        </p:sp>
-        <p:sp>
-          <p:nvSpPr>
-            <p:cNvPr id="42" name="TextBox 41"/>
-            <p:cNvSpPr txBox="1"/>
-            <p:nvPr/>
-          </p:nvSpPr>
-          <p:spPr>
-            <a:xfrm>
-              <a:off x="5042658" y="487768"/>
-              <a:ext cx="3594087" cy="344299"/>
-            </a:xfrm>
-            <a:prstGeom prst="rect">
-              <a:avLst/>
-            </a:prstGeom>
-            <a:noFill/>
-          </p:spPr>
-          <p:txBody>
-            <a:bodyPr wrap="square" rtlCol="0">
-              <a:spAutoFit/>
-            </a:bodyPr>
-            <a:lstStyle/>
-            <a:p>
-              <a:r>
-                <a:rPr lang="zh-CN" altLang="en-US" sz="1600" dirty="0">
-                  <a:latin typeface="SimSun" charset="-122"/>
-                  <a:ea typeface="SimSun" charset="-122"/>
-                  <a:cs typeface="SimSun" charset="-122"/>
-                </a:rPr>
-                <a:t>实例分割</a:t>
-              </a:r>
-              <a:endParaRPr lang="en-US" sz="1600" dirty="0">
-                <a:latin typeface="SimSun" charset="-122"/>
-                <a:ea typeface="SimSun" charset="-122"/>
-                <a:cs typeface="SimSun" charset="-122"/>
-              </a:endParaRPr>
-            </a:p>
-          </p:txBody>
-        </p:sp>
-      </p:grpSp>
-      <p:grpSp>
-        <p:nvGrpSpPr>
-          <p:cNvPr id="43" name="Group 42"/>
-          <p:cNvGrpSpPr/>
-          <p:nvPr/>
-        </p:nvGrpSpPr>
-        <p:grpSpPr>
-          <a:xfrm>
-            <a:off x="1172103" y="3520590"/>
-            <a:ext cx="1020277" cy="360117"/>
-            <a:chOff x="4339255" y="482958"/>
-            <a:chExt cx="3649642" cy="366228"/>
-          </a:xfrm>
-        </p:grpSpPr>
-        <p:sp>
-          <p:nvSpPr>
-            <p:cNvPr id="44" name="Rounded Rectangle 43"/>
-            <p:cNvSpPr/>
-            <p:nvPr/>
-          </p:nvSpPr>
-          <p:spPr>
-            <a:xfrm>
-              <a:off x="4339255" y="483077"/>
-              <a:ext cx="3605726" cy="366109"/>
-            </a:xfrm>
-            <a:prstGeom prst="roundRect">
-              <a:avLst>
-                <a:gd name="adj" fmla="val 0"/>
-              </a:avLst>
-            </a:prstGeom>
-            <a:noFill/>
-            <a:ln>
-              <a:solidFill>
-                <a:schemeClr val="tx1"/>
-              </a:solidFill>
-            </a:ln>
-          </p:spPr>
-          <p:style>
-            <a:lnRef idx="2">
-              <a:schemeClr val="accent1">
-                <a:shade val="50000"/>
-              </a:schemeClr>
-            </a:lnRef>
-            <a:fillRef idx="1">
-              <a:schemeClr val="accent1"/>
-            </a:fillRef>
-            <a:effectRef idx="0">
-              <a:schemeClr val="accent1"/>
-            </a:effectRef>
-            <a:fontRef idx="minor">
-              <a:schemeClr val="lt1"/>
-            </a:fontRef>
-          </p:style>
-          <p:txBody>
-            <a:bodyPr rot="0" spcFirstLastPara="0" vertOverflow="overflow" horzOverflow="overflow" vert="horz" wrap="square" lIns="91440" tIns="45720" rIns="91440" bIns="45720" numCol="1" spcCol="0" rtlCol="0" fromWordArt="0" anchor="ctr" anchorCtr="0" forceAA="0" compatLnSpc="1">
-              <a:prstTxWarp prst="textNoShape">
-                <a:avLst/>
-              </a:prstTxWarp>
-              <a:noAutofit/>
-            </a:bodyPr>
-            <a:lstStyle/>
-            <a:p>
-              <a:pPr algn="ctr"/>
-              <a:endParaRPr lang="en-US">
-                <a:noFill/>
-              </a:endParaRPr>
-            </a:p>
-          </p:txBody>
-        </p:sp>
-        <p:sp>
-          <p:nvSpPr>
-            <p:cNvPr id="45" name="TextBox 44"/>
-            <p:cNvSpPr txBox="1"/>
-            <p:nvPr/>
-          </p:nvSpPr>
-          <p:spPr>
-            <a:xfrm>
-              <a:off x="4395938" y="482958"/>
-              <a:ext cx="3592959" cy="344299"/>
-            </a:xfrm>
-            <a:prstGeom prst="rect">
-              <a:avLst/>
-            </a:prstGeom>
-            <a:noFill/>
-          </p:spPr>
-          <p:txBody>
-            <a:bodyPr wrap="square" rtlCol="0">
-              <a:spAutoFit/>
-            </a:bodyPr>
-            <a:lstStyle/>
-            <a:p>
-              <a:r>
-                <a:rPr lang="zh-CN" altLang="en-US" sz="1600" dirty="0">
-                  <a:latin typeface="SimSun" charset="-122"/>
-                  <a:ea typeface="SimSun" charset="-122"/>
-                  <a:cs typeface="SimSun" charset="-122"/>
-                </a:rPr>
-                <a:t>目标检测</a:t>
-              </a:r>
-              <a:endParaRPr lang="en-US" sz="1600" dirty="0">
-                <a:latin typeface="SimSun" charset="-122"/>
-                <a:ea typeface="SimSun" charset="-122"/>
-                <a:cs typeface="SimSun" charset="-122"/>
-              </a:endParaRPr>
-            </a:p>
-          </p:txBody>
-        </p:sp>
-      </p:grpSp>
-      <p:grpSp>
-        <p:nvGrpSpPr>
-          <p:cNvPr id="46" name="Group 45"/>
-          <p:cNvGrpSpPr/>
-          <p:nvPr/>
-        </p:nvGrpSpPr>
-        <p:grpSpPr>
-          <a:xfrm>
-            <a:off x="44343" y="3520435"/>
-            <a:ext cx="1047870" cy="360000"/>
-            <a:chOff x="3153559" y="472165"/>
-            <a:chExt cx="3748345" cy="366109"/>
-          </a:xfrm>
-        </p:grpSpPr>
-        <p:sp>
-          <p:nvSpPr>
-            <p:cNvPr id="47" name="Rounded Rectangle 46"/>
-            <p:cNvSpPr/>
-            <p:nvPr/>
-          </p:nvSpPr>
-          <p:spPr>
-            <a:xfrm>
-              <a:off x="3153559" y="472165"/>
-              <a:ext cx="3605726" cy="366109"/>
-            </a:xfrm>
-            <a:prstGeom prst="roundRect">
-              <a:avLst>
-                <a:gd name="adj" fmla="val 0"/>
-              </a:avLst>
-            </a:prstGeom>
-            <a:solidFill>
-              <a:schemeClr val="bg1">
-                <a:lumMod val="95000"/>
-              </a:schemeClr>
-            </a:solidFill>
-            <a:ln>
-              <a:solidFill>
-                <a:schemeClr val="tx1"/>
-              </a:solidFill>
-            </a:ln>
-          </p:spPr>
-          <p:style>
-            <a:lnRef idx="2">
-              <a:schemeClr val="accent1">
-                <a:shade val="50000"/>
-              </a:schemeClr>
-            </a:lnRef>
-            <a:fillRef idx="1">
-              <a:schemeClr val="accent1"/>
-            </a:fillRef>
-            <a:effectRef idx="0">
-              <a:schemeClr val="accent1"/>
-            </a:effectRef>
-            <a:fontRef idx="minor">
-              <a:schemeClr val="lt1"/>
-            </a:fontRef>
-          </p:style>
-          <p:txBody>
-            <a:bodyPr rot="0" spcFirstLastPara="0" vertOverflow="overflow" horzOverflow="overflow" vert="horz" wrap="square" lIns="91440" tIns="45720" rIns="91440" bIns="45720" numCol="1" spcCol="0" rtlCol="0" fromWordArt="0" anchor="ctr" anchorCtr="0" forceAA="0" compatLnSpc="1">
-              <a:prstTxWarp prst="textNoShape">
-                <a:avLst/>
-              </a:prstTxWarp>
-              <a:noAutofit/>
-            </a:bodyPr>
-            <a:lstStyle/>
-            <a:p>
-              <a:pPr algn="ctr"/>
-              <a:endParaRPr lang="en-US">
-                <a:noFill/>
-              </a:endParaRPr>
-            </a:p>
-          </p:txBody>
-        </p:sp>
-        <p:sp>
-          <p:nvSpPr>
-            <p:cNvPr id="48" name="TextBox 47"/>
-            <p:cNvSpPr txBox="1"/>
-            <p:nvPr/>
-          </p:nvSpPr>
-          <p:spPr>
-            <a:xfrm>
-              <a:off x="3225140" y="472554"/>
-              <a:ext cx="3676764" cy="344299"/>
-            </a:xfrm>
-            <a:prstGeom prst="rect">
-              <a:avLst/>
-            </a:prstGeom>
-            <a:noFill/>
-          </p:spPr>
-          <p:txBody>
-            <a:bodyPr wrap="square" rtlCol="0">
-              <a:spAutoFit/>
-            </a:bodyPr>
-            <a:lstStyle/>
-            <a:p>
-              <a:r>
-                <a:rPr lang="zh-CN" altLang="en-US" sz="1600" dirty="0">
-                  <a:latin typeface="SimSun" charset="-122"/>
-                  <a:ea typeface="SimSun" charset="-122"/>
-                  <a:cs typeface="SimSun" charset="-122"/>
-                </a:rPr>
-                <a:t>物体分类</a:t>
-              </a:r>
-              <a:endParaRPr lang="en-US" sz="1600" dirty="0">
-                <a:latin typeface="SimSun" charset="-122"/>
-                <a:ea typeface="SimSun" charset="-122"/>
-                <a:cs typeface="SimSun" charset="-122"/>
-              </a:endParaRPr>
-            </a:p>
-          </p:txBody>
-        </p:sp>
-      </p:grpSp>
-      <p:cxnSp>
-        <p:nvCxnSpPr>
-          <p:cNvPr id="50" name="Straight Arrow Connector 49"/>
-          <p:cNvCxnSpPr>
-            <a:stCxn id="4" idx="2"/>
-            <a:endCxn id="8" idx="0"/>
-          </p:cNvCxnSpPr>
-          <p:nvPr/>
-        </p:nvCxnSpPr>
-        <p:spPr>
-          <a:xfrm flipH="1">
-            <a:off x="3122341" y="557107"/>
-            <a:ext cx="2749411" cy="499316"/>
-          </a:xfrm>
-          <a:prstGeom prst="straightConnector1">
-            <a:avLst/>
-          </a:prstGeom>
-          <a:ln w="12700">
-            <a:solidFill>
-              <a:schemeClr val="tx1"/>
-            </a:solidFill>
-            <a:tailEnd type="triangle" w="med" len="lg"/>
-          </a:ln>
-        </p:spPr>
-        <p:style>
-          <a:lnRef idx="1">
-            <a:schemeClr val="accent1"/>
-          </a:lnRef>
-          <a:fillRef idx="0">
-            <a:schemeClr val="accent1"/>
-          </a:fillRef>
-          <a:effectRef idx="0">
-            <a:schemeClr val="accent1"/>
-          </a:effectRef>
-          <a:fontRef idx="minor">
-            <a:schemeClr val="tx1"/>
-          </a:fontRef>
-        </p:style>
-      </p:cxnSp>
-      <p:cxnSp>
-        <p:nvCxnSpPr>
-          <p:cNvPr id="51" name="Straight Arrow Connector 50"/>
-          <p:cNvCxnSpPr>
-            <a:stCxn id="4" idx="2"/>
-            <a:endCxn id="11" idx="0"/>
-          </p:cNvCxnSpPr>
-          <p:nvPr/>
-        </p:nvCxnSpPr>
-        <p:spPr>
-          <a:xfrm>
-            <a:off x="5871752" y="557107"/>
-            <a:ext cx="2719819" cy="503721"/>
-          </a:xfrm>
-          <a:prstGeom prst="straightConnector1">
-            <a:avLst/>
-          </a:prstGeom>
-          <a:ln w="12700">
-            <a:solidFill>
-              <a:schemeClr val="tx1"/>
-            </a:solidFill>
-            <a:tailEnd type="triangle" w="med" len="lg"/>
-          </a:ln>
-        </p:spPr>
-        <p:style>
-          <a:lnRef idx="1">
-            <a:schemeClr val="accent1"/>
-          </a:lnRef>
-          <a:fillRef idx="0">
-            <a:schemeClr val="accent1"/>
-          </a:fillRef>
-          <a:effectRef idx="0">
-            <a:schemeClr val="accent1"/>
-          </a:effectRef>
-          <a:fontRef idx="minor">
-            <a:schemeClr val="tx1"/>
-          </a:fontRef>
-        </p:style>
-      </p:cxnSp>
-      <p:cxnSp>
-        <p:nvCxnSpPr>
-          <p:cNvPr id="54" name="Straight Arrow Connector 53"/>
-          <p:cNvCxnSpPr>
-            <a:stCxn id="8" idx="2"/>
-            <a:endCxn id="14" idx="0"/>
-          </p:cNvCxnSpPr>
-          <p:nvPr/>
-        </p:nvCxnSpPr>
-        <p:spPr>
-          <a:xfrm flipH="1">
-            <a:off x="1683779" y="1488423"/>
-            <a:ext cx="1438562" cy="732834"/>
-          </a:xfrm>
-          <a:prstGeom prst="straightConnector1">
-            <a:avLst/>
-          </a:prstGeom>
-          <a:ln w="12700">
-            <a:solidFill>
-              <a:schemeClr val="tx1"/>
-            </a:solidFill>
-            <a:tailEnd type="triangle" w="med" len="lg"/>
-          </a:ln>
-        </p:spPr>
-        <p:style>
-          <a:lnRef idx="1">
-            <a:schemeClr val="accent1"/>
-          </a:lnRef>
-          <a:fillRef idx="0">
-            <a:schemeClr val="accent1"/>
-          </a:fillRef>
-          <a:effectRef idx="0">
-            <a:schemeClr val="accent1"/>
-          </a:effectRef>
-          <a:fontRef idx="minor">
-            <a:schemeClr val="tx1"/>
-          </a:fontRef>
-        </p:style>
-      </p:cxnSp>
-      <p:cxnSp>
-        <p:nvCxnSpPr>
-          <p:cNvPr id="57" name="Straight Arrow Connector 56"/>
-          <p:cNvCxnSpPr>
-            <a:stCxn id="8" idx="2"/>
-            <a:endCxn id="17" idx="0"/>
-          </p:cNvCxnSpPr>
-          <p:nvPr/>
-        </p:nvCxnSpPr>
-        <p:spPr>
-          <a:xfrm>
-            <a:off x="3122341" y="1488423"/>
-            <a:ext cx="1554615" cy="728291"/>
-          </a:xfrm>
-          <a:prstGeom prst="straightConnector1">
-            <a:avLst/>
-          </a:prstGeom>
-          <a:ln w="12700">
-            <a:solidFill>
-              <a:schemeClr val="tx1"/>
-            </a:solidFill>
-            <a:tailEnd type="triangle" w="med" len="lg"/>
-          </a:ln>
-        </p:spPr>
-        <p:style>
-          <a:lnRef idx="1">
-            <a:schemeClr val="accent1"/>
-          </a:lnRef>
-          <a:fillRef idx="0">
-            <a:schemeClr val="accent1"/>
-          </a:fillRef>
-          <a:effectRef idx="0">
-            <a:schemeClr val="accent1"/>
-          </a:effectRef>
-          <a:fontRef idx="minor">
-            <a:schemeClr val="tx1"/>
-          </a:fontRef>
-        </p:style>
-      </p:cxnSp>
-      <p:cxnSp>
-        <p:nvCxnSpPr>
-          <p:cNvPr id="67" name="Straight Arrow Connector 66"/>
-          <p:cNvCxnSpPr>
-            <a:stCxn id="11" idx="2"/>
-            <a:endCxn id="20" idx="0"/>
-          </p:cNvCxnSpPr>
-          <p:nvPr/>
-        </p:nvCxnSpPr>
-        <p:spPr>
-          <a:xfrm flipH="1">
-            <a:off x="7451229" y="1492828"/>
-            <a:ext cx="1140342" cy="728429"/>
-          </a:xfrm>
-          <a:prstGeom prst="straightConnector1">
-            <a:avLst/>
-          </a:prstGeom>
-          <a:ln w="12700">
-            <a:solidFill>
-              <a:schemeClr val="tx1"/>
-            </a:solidFill>
-            <a:tailEnd type="triangle" w="med" len="lg"/>
-          </a:ln>
-        </p:spPr>
-        <p:style>
-          <a:lnRef idx="1">
-            <a:schemeClr val="accent1"/>
-          </a:lnRef>
-          <a:fillRef idx="0">
-            <a:schemeClr val="accent1"/>
-          </a:fillRef>
-          <a:effectRef idx="0">
-            <a:schemeClr val="accent1"/>
-          </a:effectRef>
-          <a:fontRef idx="minor">
-            <a:schemeClr val="tx1"/>
-          </a:fontRef>
-        </p:style>
-      </p:cxnSp>
-      <p:cxnSp>
-        <p:nvCxnSpPr>
-          <p:cNvPr id="70" name="Straight Arrow Connector 69"/>
-          <p:cNvCxnSpPr>
-            <a:stCxn id="11" idx="2"/>
-            <a:endCxn id="23" idx="0"/>
-          </p:cNvCxnSpPr>
-          <p:nvPr/>
-        </p:nvCxnSpPr>
-        <p:spPr>
-          <a:xfrm>
-            <a:off x="8591571" y="1492828"/>
-            <a:ext cx="1172950" cy="732101"/>
-          </a:xfrm>
-          <a:prstGeom prst="straightConnector1">
-            <a:avLst/>
-          </a:prstGeom>
-          <a:ln w="12700">
-            <a:solidFill>
-              <a:schemeClr val="tx1"/>
-            </a:solidFill>
-            <a:tailEnd type="triangle" w="med" len="lg"/>
-          </a:ln>
-        </p:spPr>
-        <p:style>
-          <a:lnRef idx="1">
-            <a:schemeClr val="accent1"/>
-          </a:lnRef>
-          <a:fillRef idx="0">
-            <a:schemeClr val="accent1"/>
-          </a:fillRef>
-          <a:effectRef idx="0">
-            <a:schemeClr val="accent1"/>
-          </a:effectRef>
-          <a:fontRef idx="minor">
-            <a:schemeClr val="tx1"/>
-          </a:fontRef>
-        </p:style>
-      </p:cxnSp>
-      <p:cxnSp>
-        <p:nvCxnSpPr>
-          <p:cNvPr id="73" name="Straight Arrow Connector 72"/>
-          <p:cNvCxnSpPr>
-            <a:stCxn id="14" idx="2"/>
-            <a:endCxn id="47" idx="0"/>
-          </p:cNvCxnSpPr>
-          <p:nvPr/>
-        </p:nvCxnSpPr>
-        <p:spPr>
-          <a:xfrm flipH="1">
-            <a:off x="548343" y="2581257"/>
-            <a:ext cx="1135436" cy="939178"/>
-          </a:xfrm>
-          <a:prstGeom prst="straightConnector1">
-            <a:avLst/>
-          </a:prstGeom>
-          <a:ln w="12700">
-            <a:solidFill>
-              <a:schemeClr val="tx1"/>
-            </a:solidFill>
-            <a:tailEnd type="triangle" w="med" len="lg"/>
-          </a:ln>
-        </p:spPr>
-        <p:style>
-          <a:lnRef idx="1">
-            <a:schemeClr val="accent1"/>
-          </a:lnRef>
-          <a:fillRef idx="0">
-            <a:schemeClr val="accent1"/>
-          </a:fillRef>
-          <a:effectRef idx="0">
-            <a:schemeClr val="accent1"/>
-          </a:effectRef>
-          <a:fontRef idx="minor">
-            <a:schemeClr val="tx1"/>
-          </a:fontRef>
-        </p:style>
-      </p:cxnSp>
-      <p:cxnSp>
-        <p:nvCxnSpPr>
-          <p:cNvPr id="76" name="Straight Arrow Connector 75"/>
-          <p:cNvCxnSpPr>
-            <a:stCxn id="14" idx="2"/>
-            <a:endCxn id="44" idx="0"/>
-          </p:cNvCxnSpPr>
-          <p:nvPr/>
-        </p:nvCxnSpPr>
-        <p:spPr>
-          <a:xfrm flipH="1">
-            <a:off x="1676103" y="2581257"/>
-            <a:ext cx="7676" cy="939450"/>
-          </a:xfrm>
-          <a:prstGeom prst="straightConnector1">
-            <a:avLst/>
-          </a:prstGeom>
-          <a:ln w="12700">
-            <a:solidFill>
-              <a:schemeClr val="tx1"/>
-            </a:solidFill>
-            <a:tailEnd type="triangle" w="med" len="lg"/>
-          </a:ln>
-        </p:spPr>
-        <p:style>
-          <a:lnRef idx="1">
-            <a:schemeClr val="accent1"/>
-          </a:lnRef>
-          <a:fillRef idx="0">
-            <a:schemeClr val="accent1"/>
-          </a:fillRef>
-          <a:effectRef idx="0">
-            <a:schemeClr val="accent1"/>
-          </a:effectRef>
-          <a:fontRef idx="minor">
-            <a:schemeClr val="tx1"/>
-          </a:fontRef>
-        </p:style>
-      </p:cxnSp>
-      <p:cxnSp>
-        <p:nvCxnSpPr>
-          <p:cNvPr id="79" name="Straight Arrow Connector 78"/>
-          <p:cNvCxnSpPr>
-            <a:stCxn id="14" idx="2"/>
-            <a:endCxn id="41" idx="0"/>
-          </p:cNvCxnSpPr>
-          <p:nvPr/>
-        </p:nvCxnSpPr>
-        <p:spPr>
-          <a:xfrm>
-            <a:off x="1683779" y="2581257"/>
-            <a:ext cx="1127895" cy="939178"/>
-          </a:xfrm>
-          <a:prstGeom prst="straightConnector1">
-            <a:avLst/>
-          </a:prstGeom>
-          <a:ln w="12700">
-            <a:solidFill>
-              <a:schemeClr val="tx1"/>
-            </a:solidFill>
-            <a:tailEnd type="triangle" w="med" len="lg"/>
-          </a:ln>
-        </p:spPr>
-        <p:style>
-          <a:lnRef idx="1">
-            <a:schemeClr val="accent1"/>
-          </a:lnRef>
-          <a:fillRef idx="0">
-            <a:schemeClr val="accent1"/>
-          </a:fillRef>
-          <a:effectRef idx="0">
-            <a:schemeClr val="accent1"/>
-          </a:effectRef>
-          <a:fontRef idx="minor">
-            <a:schemeClr val="tx1"/>
-          </a:fontRef>
-        </p:style>
-      </p:cxnSp>
-      <p:cxnSp>
-        <p:nvCxnSpPr>
-          <p:cNvPr id="82" name="Straight Arrow Connector 81"/>
-          <p:cNvCxnSpPr>
-            <a:stCxn id="17" idx="2"/>
-            <a:endCxn id="38" idx="0"/>
-          </p:cNvCxnSpPr>
-          <p:nvPr/>
-        </p:nvCxnSpPr>
-        <p:spPr>
-          <a:xfrm>
-            <a:off x="4676956" y="2576714"/>
-            <a:ext cx="673554" cy="941338"/>
-          </a:xfrm>
-          <a:prstGeom prst="straightConnector1">
-            <a:avLst/>
-          </a:prstGeom>
-          <a:ln w="12700">
-            <a:solidFill>
-              <a:schemeClr val="tx1"/>
-            </a:solidFill>
-            <a:tailEnd type="triangle" w="med" len="lg"/>
-          </a:ln>
-        </p:spPr>
-        <p:style>
-          <a:lnRef idx="1">
-            <a:schemeClr val="accent1"/>
-          </a:lnRef>
-          <a:fillRef idx="0">
-            <a:schemeClr val="accent1"/>
-          </a:fillRef>
-          <a:effectRef idx="0">
-            <a:schemeClr val="accent1"/>
-          </a:effectRef>
-          <a:fontRef idx="minor">
-            <a:schemeClr val="tx1"/>
-          </a:fontRef>
-        </p:style>
-      </p:cxnSp>
-      <p:cxnSp>
-        <p:nvCxnSpPr>
-          <p:cNvPr id="85" name="Straight Arrow Connector 84"/>
-          <p:cNvCxnSpPr>
-            <a:stCxn id="17" idx="2"/>
-            <a:endCxn id="35" idx="0"/>
-          </p:cNvCxnSpPr>
-          <p:nvPr/>
-        </p:nvCxnSpPr>
-        <p:spPr>
-          <a:xfrm flipH="1">
-            <a:off x="4080335" y="2576714"/>
-            <a:ext cx="596621" cy="941277"/>
-          </a:xfrm>
-          <a:prstGeom prst="straightConnector1">
-            <a:avLst/>
-          </a:prstGeom>
-          <a:ln w="12700">
-            <a:solidFill>
-              <a:schemeClr val="tx1"/>
-            </a:solidFill>
-            <a:tailEnd type="triangle" w="med" len="lg"/>
-          </a:ln>
-        </p:spPr>
-        <p:style>
-          <a:lnRef idx="1">
-            <a:schemeClr val="accent1"/>
-          </a:lnRef>
-          <a:fillRef idx="0">
-            <a:schemeClr val="accent1"/>
-          </a:fillRef>
-          <a:effectRef idx="0">
-            <a:schemeClr val="accent1"/>
-          </a:effectRef>
-          <a:fontRef idx="minor">
-            <a:schemeClr val="tx1"/>
-          </a:fontRef>
-        </p:style>
-      </p:cxnSp>
-      <p:cxnSp>
-        <p:nvCxnSpPr>
-          <p:cNvPr id="88" name="Straight Arrow Connector 87"/>
-          <p:cNvCxnSpPr>
-            <a:stCxn id="20" idx="2"/>
-            <a:endCxn id="32" idx="0"/>
-          </p:cNvCxnSpPr>
-          <p:nvPr/>
-        </p:nvCxnSpPr>
-        <p:spPr>
-          <a:xfrm flipH="1">
-            <a:off x="6744733" y="2581257"/>
-            <a:ext cx="706496" cy="922753"/>
-          </a:xfrm>
-          <a:prstGeom prst="straightConnector1">
-            <a:avLst/>
-          </a:prstGeom>
-          <a:ln w="12700">
-            <a:solidFill>
-              <a:schemeClr val="tx1"/>
-            </a:solidFill>
-            <a:tailEnd type="triangle" w="med" len="lg"/>
-          </a:ln>
-        </p:spPr>
-        <p:style>
-          <a:lnRef idx="1">
-            <a:schemeClr val="accent1"/>
-          </a:lnRef>
-          <a:fillRef idx="0">
-            <a:schemeClr val="accent1"/>
-          </a:fillRef>
-          <a:effectRef idx="0">
-            <a:schemeClr val="accent1"/>
-          </a:effectRef>
-          <a:fontRef idx="minor">
-            <a:schemeClr val="tx1"/>
-          </a:fontRef>
-        </p:style>
-      </p:cxnSp>
-      <p:cxnSp>
-        <p:nvCxnSpPr>
-          <p:cNvPr id="91" name="Straight Arrow Connector 90"/>
-          <p:cNvCxnSpPr>
-            <a:stCxn id="20" idx="2"/>
-            <a:endCxn id="29" idx="0"/>
-          </p:cNvCxnSpPr>
-          <p:nvPr/>
-        </p:nvCxnSpPr>
-        <p:spPr>
-          <a:xfrm>
-            <a:off x="7451229" y="2581257"/>
-            <a:ext cx="679532" cy="918115"/>
-          </a:xfrm>
-          <a:prstGeom prst="straightConnector1">
-            <a:avLst/>
-          </a:prstGeom>
-          <a:ln w="12700">
-            <a:solidFill>
-              <a:schemeClr val="tx1"/>
-            </a:solidFill>
-            <a:tailEnd type="triangle" w="med" len="lg"/>
-          </a:ln>
-        </p:spPr>
-        <p:style>
-          <a:lnRef idx="1">
-            <a:schemeClr val="accent1"/>
-          </a:lnRef>
-          <a:fillRef idx="0">
-            <a:schemeClr val="accent1"/>
-          </a:fillRef>
-          <a:effectRef idx="0">
-            <a:schemeClr val="accent1"/>
-          </a:effectRef>
-          <a:fontRef idx="minor">
-            <a:schemeClr val="tx1"/>
-          </a:fontRef>
-        </p:style>
-      </p:cxnSp>
-      <p:cxnSp>
-        <p:nvCxnSpPr>
-          <p:cNvPr id="94" name="Straight Arrow Connector 93"/>
-          <p:cNvCxnSpPr>
-            <a:stCxn id="23" idx="2"/>
-            <a:endCxn id="26" idx="0"/>
-          </p:cNvCxnSpPr>
-          <p:nvPr/>
-        </p:nvCxnSpPr>
-        <p:spPr>
-          <a:xfrm>
-            <a:off x="9764521" y="2584929"/>
-            <a:ext cx="651272" cy="910766"/>
-          </a:xfrm>
-          <a:prstGeom prst="straightConnector1">
-            <a:avLst/>
-          </a:prstGeom>
-          <a:ln w="12700">
-            <a:solidFill>
-              <a:schemeClr val="tx1"/>
-            </a:solidFill>
-            <a:tailEnd type="triangle" w="med" len="lg"/>
-          </a:ln>
-        </p:spPr>
-        <p:style>
-          <a:lnRef idx="1">
-            <a:schemeClr val="accent1"/>
-          </a:lnRef>
-          <a:fillRef idx="0">
-            <a:schemeClr val="accent1"/>
-          </a:fillRef>
-          <a:effectRef idx="0">
-            <a:schemeClr val="accent1"/>
-          </a:effectRef>
-          <a:fontRef idx="minor">
-            <a:schemeClr val="tx1"/>
-          </a:fontRef>
-        </p:style>
-      </p:cxnSp>
-      <p:grpSp>
-        <p:nvGrpSpPr>
-          <p:cNvPr id="107" name="Group 106"/>
-          <p:cNvGrpSpPr/>
-          <p:nvPr/>
-        </p:nvGrpSpPr>
-        <p:grpSpPr>
-          <a:xfrm>
-            <a:off x="394737" y="3917176"/>
-            <a:ext cx="307210" cy="276999"/>
-            <a:chOff x="1529466" y="4461495"/>
-            <a:chExt cx="307210" cy="276999"/>
-          </a:xfrm>
-        </p:grpSpPr>
-        <p:sp>
-          <p:nvSpPr>
-            <p:cNvPr id="105" name="TextBox 104"/>
-            <p:cNvSpPr txBox="1"/>
-            <p:nvPr/>
-          </p:nvSpPr>
-          <p:spPr>
-            <a:xfrm>
-              <a:off x="1529466" y="4461495"/>
-              <a:ext cx="307210" cy="276999"/>
-            </a:xfrm>
-            <a:prstGeom prst="rect">
-              <a:avLst/>
-            </a:prstGeom>
-            <a:noFill/>
-          </p:spPr>
-          <p:txBody>
-            <a:bodyPr wrap="square" rtlCol="0">
-              <a:spAutoFit/>
-            </a:bodyPr>
-            <a:lstStyle/>
-            <a:p>
-              <a:r>
-                <a:rPr lang="en-US" altLang="zh-CN" sz="1200" b="1" dirty="0">
-                  <a:latin typeface="SimSun" charset="-122"/>
-                  <a:ea typeface="SimSun" charset="-122"/>
-                  <a:cs typeface="SimSun" charset="-122"/>
-                </a:rPr>
-                <a:t>1</a:t>
-              </a:r>
-              <a:endParaRPr lang="en-US" sz="1200" b="1" dirty="0">
-                <a:latin typeface="SimSun" charset="-122"/>
-                <a:ea typeface="SimSun" charset="-122"/>
-                <a:cs typeface="SimSun" charset="-122"/>
-              </a:endParaRPr>
-            </a:p>
-          </p:txBody>
-        </p:sp>
-        <p:sp>
-          <p:nvSpPr>
-            <p:cNvPr id="106" name="Oval 105"/>
-            <p:cNvSpPr/>
-            <p:nvPr/>
-          </p:nvSpPr>
-          <p:spPr>
-            <a:xfrm>
-              <a:off x="1552006" y="4504875"/>
-              <a:ext cx="216000" cy="216000"/>
-            </a:xfrm>
-            <a:prstGeom prst="ellipse">
-              <a:avLst/>
-            </a:prstGeom>
-            <a:noFill/>
-            <a:ln>
-              <a:solidFill>
-                <a:schemeClr val="tx1"/>
-              </a:solidFill>
-            </a:ln>
-          </p:spPr>
-          <p:style>
-            <a:lnRef idx="2">
-              <a:schemeClr val="accent1">
-                <a:shade val="50000"/>
-              </a:schemeClr>
-            </a:lnRef>
-            <a:fillRef idx="1">
-              <a:schemeClr val="accent1"/>
-            </a:fillRef>
-            <a:effectRef idx="0">
-              <a:schemeClr val="accent1"/>
-            </a:effectRef>
-            <a:fontRef idx="minor">
-              <a:schemeClr val="lt1"/>
-            </a:fontRef>
-          </p:style>
-          <p:txBody>
-            <a:bodyPr rot="0" spcFirstLastPara="0" vertOverflow="overflow" horzOverflow="overflow" vert="horz" wrap="square" lIns="91440" tIns="45720" rIns="91440" bIns="45720" numCol="1" spcCol="0" rtlCol="0" fromWordArt="0" anchor="ctr" anchorCtr="0" forceAA="0" compatLnSpc="1">
-              <a:prstTxWarp prst="textNoShape">
-                <a:avLst/>
-              </a:prstTxWarp>
-              <a:noAutofit/>
-            </a:bodyPr>
-            <a:lstStyle/>
-            <a:p>
-              <a:pPr algn="ctr"/>
-              <a:endParaRPr lang="en-US"/>
-            </a:p>
-          </p:txBody>
-        </p:sp>
-      </p:grpSp>
-      <p:grpSp>
-        <p:nvGrpSpPr>
-          <p:cNvPr id="108" name="Group 107"/>
-          <p:cNvGrpSpPr/>
-          <p:nvPr/>
-        </p:nvGrpSpPr>
-        <p:grpSpPr>
-          <a:xfrm>
-            <a:off x="3926730" y="3916451"/>
-            <a:ext cx="307210" cy="276999"/>
-            <a:chOff x="1529466" y="4461495"/>
-            <a:chExt cx="307210" cy="276999"/>
-          </a:xfrm>
-        </p:grpSpPr>
-        <p:sp>
-          <p:nvSpPr>
-            <p:cNvPr id="109" name="TextBox 108"/>
-            <p:cNvSpPr txBox="1"/>
-            <p:nvPr/>
-          </p:nvSpPr>
-          <p:spPr>
-            <a:xfrm>
-              <a:off x="1529466" y="4461495"/>
-              <a:ext cx="307210" cy="276999"/>
-            </a:xfrm>
-            <a:prstGeom prst="rect">
-              <a:avLst/>
-            </a:prstGeom>
-            <a:noFill/>
-          </p:spPr>
-          <p:txBody>
-            <a:bodyPr wrap="square" rtlCol="0">
-              <a:spAutoFit/>
-            </a:bodyPr>
-            <a:lstStyle/>
-            <a:p>
-              <a:r>
-                <a:rPr lang="en-US" sz="1200" b="1" dirty="0">
-                  <a:latin typeface="SimSun" charset="-122"/>
-                  <a:ea typeface="SimSun" charset="-122"/>
-                  <a:cs typeface="SimSun" charset="-122"/>
-                </a:rPr>
-                <a:t>2</a:t>
-              </a:r>
-            </a:p>
-          </p:txBody>
-        </p:sp>
-        <p:sp>
-          <p:nvSpPr>
-            <p:cNvPr id="110" name="Oval 109"/>
-            <p:cNvSpPr/>
-            <p:nvPr/>
-          </p:nvSpPr>
-          <p:spPr>
-            <a:xfrm>
-              <a:off x="1552006" y="4504875"/>
-              <a:ext cx="216000" cy="216000"/>
-            </a:xfrm>
-            <a:prstGeom prst="ellipse">
-              <a:avLst/>
-            </a:prstGeom>
-            <a:noFill/>
-            <a:ln>
-              <a:solidFill>
-                <a:schemeClr val="tx1"/>
-              </a:solidFill>
-            </a:ln>
-          </p:spPr>
-          <p:style>
-            <a:lnRef idx="2">
-              <a:schemeClr val="accent1">
-                <a:shade val="50000"/>
-              </a:schemeClr>
-            </a:lnRef>
-            <a:fillRef idx="1">
-              <a:schemeClr val="accent1"/>
-            </a:fillRef>
-            <a:effectRef idx="0">
-              <a:schemeClr val="accent1"/>
-            </a:effectRef>
-            <a:fontRef idx="minor">
-              <a:schemeClr val="lt1"/>
-            </a:fontRef>
-          </p:style>
-          <p:txBody>
-            <a:bodyPr rot="0" spcFirstLastPara="0" vertOverflow="overflow" horzOverflow="overflow" vert="horz" wrap="square" lIns="91440" tIns="45720" rIns="91440" bIns="45720" numCol="1" spcCol="0" rtlCol="0" fromWordArt="0" anchor="ctr" anchorCtr="0" forceAA="0" compatLnSpc="1">
-              <a:prstTxWarp prst="textNoShape">
-                <a:avLst/>
-              </a:prstTxWarp>
-              <a:noAutofit/>
-            </a:bodyPr>
-            <a:lstStyle/>
-            <a:p>
-              <a:pPr algn="ctr"/>
-              <a:endParaRPr lang="en-US"/>
-            </a:p>
-          </p:txBody>
-        </p:sp>
-      </p:grpSp>
-      <p:grpSp>
-        <p:nvGrpSpPr>
-          <p:cNvPr id="111" name="Group 110"/>
-          <p:cNvGrpSpPr/>
-          <p:nvPr/>
-        </p:nvGrpSpPr>
-        <p:grpSpPr>
-          <a:xfrm>
-            <a:off x="6591127" y="3917176"/>
-            <a:ext cx="307210" cy="276999"/>
-            <a:chOff x="1529466" y="4461495"/>
-            <a:chExt cx="307210" cy="276999"/>
-          </a:xfrm>
-        </p:grpSpPr>
-        <p:sp>
-          <p:nvSpPr>
-            <p:cNvPr id="112" name="TextBox 111"/>
-            <p:cNvSpPr txBox="1"/>
-            <p:nvPr/>
-          </p:nvSpPr>
-          <p:spPr>
-            <a:xfrm>
-              <a:off x="1529466" y="4461495"/>
-              <a:ext cx="307210" cy="276999"/>
-            </a:xfrm>
-            <a:prstGeom prst="rect">
-              <a:avLst/>
-            </a:prstGeom>
-            <a:noFill/>
-          </p:spPr>
-          <p:txBody>
-            <a:bodyPr wrap="square" rtlCol="0">
-              <a:spAutoFit/>
-            </a:bodyPr>
-            <a:lstStyle/>
-            <a:p>
-              <a:r>
-                <a:rPr lang="en-US" sz="1200" b="1" dirty="0">
-                  <a:latin typeface="SimSun" charset="-122"/>
-                  <a:ea typeface="SimSun" charset="-122"/>
-                  <a:cs typeface="SimSun" charset="-122"/>
-                </a:rPr>
-                <a:t>3</a:t>
-              </a:r>
-            </a:p>
-          </p:txBody>
-        </p:sp>
-        <p:sp>
-          <p:nvSpPr>
-            <p:cNvPr id="113" name="Oval 112"/>
-            <p:cNvSpPr/>
-            <p:nvPr/>
-          </p:nvSpPr>
-          <p:spPr>
-            <a:xfrm>
-              <a:off x="1552006" y="4504875"/>
-              <a:ext cx="216000" cy="216000"/>
-            </a:xfrm>
-            <a:prstGeom prst="ellipse">
-              <a:avLst/>
-            </a:prstGeom>
-            <a:noFill/>
-            <a:ln>
-              <a:solidFill>
-                <a:schemeClr val="tx1"/>
-              </a:solidFill>
-            </a:ln>
-          </p:spPr>
-          <p:style>
-            <a:lnRef idx="2">
-              <a:schemeClr val="accent1">
-                <a:shade val="50000"/>
-              </a:schemeClr>
-            </a:lnRef>
-            <a:fillRef idx="1">
-              <a:schemeClr val="accent1"/>
-            </a:fillRef>
-            <a:effectRef idx="0">
-              <a:schemeClr val="accent1"/>
-            </a:effectRef>
-            <a:fontRef idx="minor">
-              <a:schemeClr val="lt1"/>
-            </a:fontRef>
-          </p:style>
-          <p:txBody>
-            <a:bodyPr rot="0" spcFirstLastPara="0" vertOverflow="overflow" horzOverflow="overflow" vert="horz" wrap="square" lIns="91440" tIns="45720" rIns="91440" bIns="45720" numCol="1" spcCol="0" rtlCol="0" fromWordArt="0" anchor="ctr" anchorCtr="0" forceAA="0" compatLnSpc="1">
-              <a:prstTxWarp prst="textNoShape">
-                <a:avLst/>
-              </a:prstTxWarp>
-              <a:noAutofit/>
-            </a:bodyPr>
-            <a:lstStyle/>
-            <a:p>
-              <a:pPr algn="ctr"/>
-              <a:endParaRPr lang="en-US"/>
-            </a:p>
-          </p:txBody>
-        </p:sp>
-      </p:grpSp>
-      <p:grpSp>
-        <p:nvGrpSpPr>
-          <p:cNvPr id="114" name="Group 113"/>
-          <p:cNvGrpSpPr/>
-          <p:nvPr/>
-        </p:nvGrpSpPr>
-        <p:grpSpPr>
-          <a:xfrm>
-            <a:off x="7977156" y="3917175"/>
-            <a:ext cx="307210" cy="276999"/>
-            <a:chOff x="1529466" y="4461495"/>
-            <a:chExt cx="307210" cy="276999"/>
-          </a:xfrm>
-        </p:grpSpPr>
-        <p:sp>
-          <p:nvSpPr>
-            <p:cNvPr id="115" name="TextBox 114"/>
-            <p:cNvSpPr txBox="1"/>
-            <p:nvPr/>
-          </p:nvSpPr>
-          <p:spPr>
-            <a:xfrm>
-              <a:off x="1529466" y="4461495"/>
-              <a:ext cx="307210" cy="276999"/>
-            </a:xfrm>
-            <a:prstGeom prst="rect">
-              <a:avLst/>
-            </a:prstGeom>
-            <a:noFill/>
-          </p:spPr>
-          <p:txBody>
-            <a:bodyPr wrap="square" rtlCol="0">
-              <a:spAutoFit/>
-            </a:bodyPr>
-            <a:lstStyle/>
-            <a:p>
-              <a:r>
-                <a:rPr lang="en-US" sz="1200" b="1" dirty="0">
-                  <a:latin typeface="SimSun" charset="-122"/>
-                  <a:ea typeface="SimSun" charset="-122"/>
-                  <a:cs typeface="SimSun" charset="-122"/>
-                </a:rPr>
-                <a:t>4</a:t>
-              </a:r>
-            </a:p>
-          </p:txBody>
-        </p:sp>
-        <p:sp>
-          <p:nvSpPr>
-            <p:cNvPr id="116" name="Oval 115"/>
-            <p:cNvSpPr/>
-            <p:nvPr/>
-          </p:nvSpPr>
-          <p:spPr>
-            <a:xfrm>
-              <a:off x="1552006" y="4504875"/>
-              <a:ext cx="216000" cy="216000"/>
-            </a:xfrm>
-            <a:prstGeom prst="ellipse">
-              <a:avLst/>
-            </a:prstGeom>
-            <a:noFill/>
-            <a:ln>
-              <a:solidFill>
-                <a:schemeClr val="tx1"/>
-              </a:solidFill>
-            </a:ln>
-          </p:spPr>
-          <p:style>
-            <a:lnRef idx="2">
-              <a:schemeClr val="accent1">
-                <a:shade val="50000"/>
-              </a:schemeClr>
-            </a:lnRef>
-            <a:fillRef idx="1">
-              <a:schemeClr val="accent1"/>
-            </a:fillRef>
-            <a:effectRef idx="0">
-              <a:schemeClr val="accent1"/>
-            </a:effectRef>
-            <a:fontRef idx="minor">
-              <a:schemeClr val="lt1"/>
-            </a:fontRef>
-          </p:style>
-          <p:txBody>
-            <a:bodyPr rot="0" spcFirstLastPara="0" vertOverflow="overflow" horzOverflow="overflow" vert="horz" wrap="square" lIns="91440" tIns="45720" rIns="91440" bIns="45720" numCol="1" spcCol="0" rtlCol="0" fromWordArt="0" anchor="ctr" anchorCtr="0" forceAA="0" compatLnSpc="1">
-              <a:prstTxWarp prst="textNoShape">
-                <a:avLst/>
-              </a:prstTxWarp>
-              <a:noAutofit/>
-            </a:bodyPr>
-            <a:lstStyle/>
-            <a:p>
-              <a:pPr algn="ctr"/>
-              <a:endParaRPr lang="en-US"/>
-            </a:p>
-          </p:txBody>
-        </p:sp>
-      </p:grpSp>
-      <p:grpSp>
-        <p:nvGrpSpPr>
-          <p:cNvPr id="117" name="Group 116"/>
-          <p:cNvGrpSpPr/>
-          <p:nvPr/>
-        </p:nvGrpSpPr>
-        <p:grpSpPr>
-          <a:xfrm>
-            <a:off x="10260792" y="3916451"/>
-            <a:ext cx="307210" cy="276999"/>
-            <a:chOff x="1529466" y="4461495"/>
-            <a:chExt cx="307210" cy="276999"/>
-          </a:xfrm>
-        </p:grpSpPr>
-        <p:sp>
-          <p:nvSpPr>
-            <p:cNvPr id="118" name="TextBox 117"/>
-            <p:cNvSpPr txBox="1"/>
-            <p:nvPr/>
-          </p:nvSpPr>
-          <p:spPr>
-            <a:xfrm>
-              <a:off x="1529466" y="4461495"/>
-              <a:ext cx="307210" cy="276999"/>
-            </a:xfrm>
-            <a:prstGeom prst="rect">
-              <a:avLst/>
-            </a:prstGeom>
-            <a:noFill/>
-          </p:spPr>
-          <p:txBody>
-            <a:bodyPr wrap="square" rtlCol="0">
-              <a:spAutoFit/>
-            </a:bodyPr>
-            <a:lstStyle/>
-            <a:p>
-              <a:r>
-                <a:rPr lang="en-US" sz="1200" b="1" dirty="0">
-                  <a:latin typeface="SimSun" charset="-122"/>
-                  <a:ea typeface="SimSun" charset="-122"/>
-                  <a:cs typeface="SimSun" charset="-122"/>
-                </a:rPr>
-                <a:t>5</a:t>
-              </a:r>
-            </a:p>
-          </p:txBody>
-        </p:sp>
-        <p:sp>
-          <p:nvSpPr>
-            <p:cNvPr id="119" name="Oval 118"/>
-            <p:cNvSpPr/>
-            <p:nvPr/>
-          </p:nvSpPr>
-          <p:spPr>
-            <a:xfrm>
-              <a:off x="1552006" y="4504875"/>
-              <a:ext cx="216000" cy="216000"/>
-            </a:xfrm>
-            <a:prstGeom prst="ellipse">
-              <a:avLst/>
-            </a:prstGeom>
-            <a:noFill/>
-            <a:ln>
-              <a:solidFill>
-                <a:schemeClr val="tx1"/>
-              </a:solidFill>
-            </a:ln>
-          </p:spPr>
-          <p:style>
-            <a:lnRef idx="2">
-              <a:schemeClr val="accent1">
-                <a:shade val="50000"/>
-              </a:schemeClr>
-            </a:lnRef>
-            <a:fillRef idx="1">
-              <a:schemeClr val="accent1"/>
-            </a:fillRef>
-            <a:effectRef idx="0">
-              <a:schemeClr val="accent1"/>
-            </a:effectRef>
-            <a:fontRef idx="minor">
-              <a:schemeClr val="lt1"/>
-            </a:fontRef>
-          </p:style>
-          <p:txBody>
-            <a:bodyPr rot="0" spcFirstLastPara="0" vertOverflow="overflow" horzOverflow="overflow" vert="horz" wrap="square" lIns="91440" tIns="45720" rIns="91440" bIns="45720" numCol="1" spcCol="0" rtlCol="0" fromWordArt="0" anchor="ctr" anchorCtr="0" forceAA="0" compatLnSpc="1">
-              <a:prstTxWarp prst="textNoShape">
-                <a:avLst/>
-              </a:prstTxWarp>
-              <a:noAutofit/>
-            </a:bodyPr>
-            <a:lstStyle/>
-            <a:p>
-              <a:pPr algn="ctr"/>
-              <a:endParaRPr lang="en-US"/>
-            </a:p>
-          </p:txBody>
-        </p:sp>
-      </p:grpSp>
-      <p:cxnSp>
-        <p:nvCxnSpPr>
-          <p:cNvPr id="120" name="Straight Arrow Connector 119"/>
-          <p:cNvCxnSpPr>
-            <a:stCxn id="105" idx="3"/>
-            <a:endCxn id="109" idx="1"/>
-          </p:cNvCxnSpPr>
-          <p:nvPr/>
-        </p:nvCxnSpPr>
-        <p:spPr>
-          <a:xfrm flipV="1">
-            <a:off x="701947" y="4054951"/>
-            <a:ext cx="3224783" cy="725"/>
-          </a:xfrm>
-          <a:prstGeom prst="straightConnector1">
-            <a:avLst/>
-          </a:prstGeom>
-          <a:ln w="12700">
-            <a:solidFill>
-              <a:schemeClr val="tx1"/>
-            </a:solidFill>
-            <a:tailEnd type="triangle"/>
-          </a:ln>
-        </p:spPr>
-        <p:style>
-          <a:lnRef idx="1">
-            <a:schemeClr val="accent1"/>
-          </a:lnRef>
-          <a:fillRef idx="0">
-            <a:schemeClr val="accent1"/>
-          </a:fillRef>
-          <a:effectRef idx="0">
-            <a:schemeClr val="accent1"/>
-          </a:effectRef>
-          <a:fontRef idx="minor">
-            <a:schemeClr val="tx1"/>
-          </a:fontRef>
-        </p:style>
-      </p:cxnSp>
-      <p:cxnSp>
-        <p:nvCxnSpPr>
-          <p:cNvPr id="130" name="Straight Arrow Connector 129"/>
-          <p:cNvCxnSpPr>
-            <a:stCxn id="109" idx="3"/>
-            <a:endCxn id="112" idx="1"/>
-          </p:cNvCxnSpPr>
-          <p:nvPr/>
-        </p:nvCxnSpPr>
-        <p:spPr>
-          <a:xfrm>
-            <a:off x="4233940" y="4054951"/>
-            <a:ext cx="2357187" cy="725"/>
-          </a:xfrm>
-          <a:prstGeom prst="straightConnector1">
-            <a:avLst/>
-          </a:prstGeom>
-          <a:ln w="12700">
-            <a:solidFill>
-              <a:schemeClr val="tx1"/>
-            </a:solidFill>
-            <a:tailEnd type="triangle"/>
-          </a:ln>
-        </p:spPr>
-        <p:style>
-          <a:lnRef idx="1">
-            <a:schemeClr val="accent1"/>
-          </a:lnRef>
-          <a:fillRef idx="0">
-            <a:schemeClr val="accent1"/>
-          </a:fillRef>
-          <a:effectRef idx="0">
-            <a:schemeClr val="accent1"/>
-          </a:effectRef>
-          <a:fontRef idx="minor">
-            <a:schemeClr val="tx1"/>
-          </a:fontRef>
-        </p:style>
-      </p:cxnSp>
-      <p:cxnSp>
-        <p:nvCxnSpPr>
-          <p:cNvPr id="133" name="Straight Arrow Connector 132"/>
-          <p:cNvCxnSpPr>
-            <a:stCxn id="112" idx="3"/>
-            <a:endCxn id="115" idx="1"/>
-          </p:cNvCxnSpPr>
-          <p:nvPr/>
-        </p:nvCxnSpPr>
-        <p:spPr>
-          <a:xfrm flipV="1">
-            <a:off x="6898337" y="4055675"/>
-            <a:ext cx="1078819" cy="1"/>
-          </a:xfrm>
-          <a:prstGeom prst="straightConnector1">
-            <a:avLst/>
-          </a:prstGeom>
-          <a:ln w="12700">
-            <a:solidFill>
-              <a:schemeClr val="tx1"/>
-            </a:solidFill>
-            <a:tailEnd type="triangle"/>
-          </a:ln>
-        </p:spPr>
-        <p:style>
-          <a:lnRef idx="1">
-            <a:schemeClr val="accent1"/>
-          </a:lnRef>
-          <a:fillRef idx="0">
-            <a:schemeClr val="accent1"/>
-          </a:fillRef>
-          <a:effectRef idx="0">
-            <a:schemeClr val="accent1"/>
-          </a:effectRef>
-          <a:fontRef idx="minor">
-            <a:schemeClr val="tx1"/>
-          </a:fontRef>
-        </p:style>
-      </p:cxnSp>
-      <p:cxnSp>
-        <p:nvCxnSpPr>
-          <p:cNvPr id="136" name="Straight Arrow Connector 135"/>
-          <p:cNvCxnSpPr>
-            <a:stCxn id="115" idx="3"/>
-            <a:endCxn id="118" idx="1"/>
-          </p:cNvCxnSpPr>
-          <p:nvPr/>
-        </p:nvCxnSpPr>
-        <p:spPr>
-          <a:xfrm flipV="1">
-            <a:off x="8284366" y="4054951"/>
-            <a:ext cx="1976426" cy="724"/>
-          </a:xfrm>
-          <a:prstGeom prst="straightConnector1">
-            <a:avLst/>
-          </a:prstGeom>
-          <a:ln w="12700">
-            <a:solidFill>
-              <a:schemeClr val="tx1"/>
-            </a:solidFill>
-            <a:tailEnd type="triangle"/>
-          </a:ln>
-        </p:spPr>
-        <p:style>
-          <a:lnRef idx="1">
-            <a:schemeClr val="accent1"/>
-          </a:lnRef>
-          <a:fillRef idx="0">
-            <a:schemeClr val="accent1"/>
-          </a:fillRef>
-          <a:effectRef idx="0">
-            <a:schemeClr val="accent1"/>
-          </a:effectRef>
-          <a:fontRef idx="minor">
-            <a:schemeClr val="tx1"/>
-          </a:fontRef>
-        </p:style>
-      </p:cxnSp>
-      <p:grpSp>
-        <p:nvGrpSpPr>
-          <p:cNvPr id="144" name="Group 143"/>
-          <p:cNvGrpSpPr/>
-          <p:nvPr/>
-        </p:nvGrpSpPr>
-        <p:grpSpPr>
-          <a:xfrm>
-            <a:off x="8773587" y="3495706"/>
-            <a:ext cx="1044406" cy="360000"/>
-            <a:chOff x="4339256" y="483077"/>
-            <a:chExt cx="3735953" cy="366109"/>
-          </a:xfrm>
-        </p:grpSpPr>
-        <p:sp>
-          <p:nvSpPr>
-            <p:cNvPr id="145" name="Rounded Rectangle 144"/>
-            <p:cNvSpPr/>
-            <p:nvPr/>
-          </p:nvSpPr>
-          <p:spPr>
-            <a:xfrm>
-              <a:off x="4339256" y="483077"/>
-              <a:ext cx="3605726" cy="366109"/>
-            </a:xfrm>
-            <a:prstGeom prst="roundRect">
-              <a:avLst>
-                <a:gd name="adj" fmla="val 0"/>
-              </a:avLst>
-            </a:prstGeom>
-            <a:noFill/>
-            <a:ln>
-              <a:solidFill>
-                <a:schemeClr val="tx1"/>
-              </a:solidFill>
-            </a:ln>
-          </p:spPr>
-          <p:style>
-            <a:lnRef idx="2">
-              <a:schemeClr val="accent1">
-                <a:shade val="50000"/>
-              </a:schemeClr>
-            </a:lnRef>
-            <a:fillRef idx="1">
-              <a:schemeClr val="accent1"/>
-            </a:fillRef>
-            <a:effectRef idx="0">
-              <a:schemeClr val="accent1"/>
-            </a:effectRef>
-            <a:fontRef idx="minor">
-              <a:schemeClr val="lt1"/>
-            </a:fontRef>
-          </p:style>
-          <p:txBody>
-            <a:bodyPr rot="0" spcFirstLastPara="0" vertOverflow="overflow" horzOverflow="overflow" vert="horz" wrap="square" lIns="91440" tIns="45720" rIns="91440" bIns="45720" numCol="1" spcCol="0" rtlCol="0" fromWordArt="0" anchor="ctr" anchorCtr="0" forceAA="0" compatLnSpc="1">
-              <a:prstTxWarp prst="textNoShape">
-                <a:avLst/>
-              </a:prstTxWarp>
-              <a:noAutofit/>
-            </a:bodyPr>
-            <a:lstStyle/>
-            <a:p>
-              <a:pPr algn="ctr"/>
-              <a:endParaRPr lang="en-US">
-                <a:noFill/>
-              </a:endParaRPr>
-            </a:p>
-          </p:txBody>
-        </p:sp>
-        <p:sp>
-          <p:nvSpPr>
-            <p:cNvPr id="146" name="TextBox 145"/>
-            <p:cNvSpPr txBox="1"/>
-            <p:nvPr/>
-          </p:nvSpPr>
-          <p:spPr>
-            <a:xfrm>
-              <a:off x="4398446" y="496974"/>
-              <a:ext cx="3676763" cy="344299"/>
-            </a:xfrm>
-            <a:prstGeom prst="rect">
-              <a:avLst/>
-            </a:prstGeom>
-            <a:noFill/>
-          </p:spPr>
-          <p:txBody>
-            <a:bodyPr wrap="square" rtlCol="0">
-              <a:spAutoFit/>
-            </a:bodyPr>
-            <a:lstStyle/>
-            <a:p>
-              <a:r>
-                <a:rPr lang="zh-CN" altLang="en-US" sz="1600" dirty="0">
-                  <a:latin typeface="SimSun" charset="-122"/>
-                  <a:ea typeface="SimSun" charset="-122"/>
-                  <a:cs typeface="SimSun" charset="-122"/>
-                </a:rPr>
-                <a:t>视觉对话</a:t>
-              </a:r>
-              <a:endParaRPr lang="en-US" sz="1600" dirty="0">
-                <a:latin typeface="SimSun" charset="-122"/>
-                <a:ea typeface="SimSun" charset="-122"/>
-                <a:cs typeface="SimSun" charset="-122"/>
-              </a:endParaRPr>
-            </a:p>
-          </p:txBody>
-        </p:sp>
-      </p:grpSp>
-      <p:cxnSp>
-        <p:nvCxnSpPr>
-          <p:cNvPr id="147" name="Straight Arrow Connector 146"/>
-          <p:cNvCxnSpPr>
-            <a:stCxn id="23" idx="2"/>
-            <a:endCxn id="145" idx="0"/>
-          </p:cNvCxnSpPr>
-          <p:nvPr/>
-        </p:nvCxnSpPr>
-        <p:spPr>
-          <a:xfrm flipH="1">
-            <a:off x="9277587" y="2584930"/>
-            <a:ext cx="486934" cy="910776"/>
-          </a:xfrm>
-          <a:prstGeom prst="straightConnector1">
-            <a:avLst/>
-          </a:prstGeom>
-          <a:ln w="12700">
-            <a:solidFill>
-              <a:schemeClr val="tx1"/>
-            </a:solidFill>
-            <a:tailEnd type="triangle" w="med" len="lg"/>
-          </a:ln>
-        </p:spPr>
-        <p:style>
-          <a:lnRef idx="1">
-            <a:schemeClr val="accent1"/>
-          </a:lnRef>
-          <a:fillRef idx="0">
-            <a:schemeClr val="accent1"/>
-          </a:fillRef>
-          <a:effectRef idx="0">
-            <a:schemeClr val="accent1"/>
-          </a:effectRef>
-          <a:fontRef idx="minor">
-            <a:schemeClr val="tx1"/>
-          </a:fontRef>
-        </p:style>
-      </p:cxnSp>
-      <p:sp>
-        <p:nvSpPr>
-          <p:cNvPr id="84" name="TextBox 83"/>
-          <p:cNvSpPr txBox="1"/>
-          <p:nvPr/>
-        </p:nvSpPr>
-        <p:spPr>
-          <a:xfrm rot="19969204">
-            <a:off x="1848442" y="1566217"/>
-            <a:ext cx="931792" cy="307777"/>
-          </a:xfrm>
-          <a:prstGeom prst="rect">
-            <a:avLst/>
-          </a:prstGeom>
-          <a:noFill/>
-        </p:spPr>
-        <p:txBody>
-          <a:bodyPr wrap="square" rtlCol="0">
-            <a:spAutoFit/>
-          </a:bodyPr>
-          <a:lstStyle/>
-          <a:p>
-            <a:r>
-              <a:rPr lang="zh-CN" altLang="en-US" sz="1400" dirty="0" smtClean="0">
-                <a:latin typeface="SimSun" charset="-122"/>
-                <a:ea typeface="SimSun" charset="-122"/>
-                <a:cs typeface="SimSun" charset="-122"/>
-              </a:rPr>
-              <a:t>个体层次</a:t>
-            </a:r>
-            <a:endParaRPr lang="en-US" sz="1400" dirty="0">
-              <a:latin typeface="SimSun" charset="-122"/>
-              <a:ea typeface="SimSun" charset="-122"/>
-              <a:cs typeface="SimSun" charset="-122"/>
-            </a:endParaRPr>
-          </a:p>
-        </p:txBody>
-      </p:sp>
-      <p:sp>
-        <p:nvSpPr>
-          <p:cNvPr id="86" name="TextBox 85"/>
-          <p:cNvSpPr txBox="1"/>
-          <p:nvPr/>
-        </p:nvSpPr>
-        <p:spPr>
-          <a:xfrm rot="1591395">
-            <a:off x="3573675" y="1599184"/>
-            <a:ext cx="931792" cy="307777"/>
-          </a:xfrm>
-          <a:prstGeom prst="rect">
-            <a:avLst/>
-          </a:prstGeom>
-          <a:noFill/>
-        </p:spPr>
-        <p:txBody>
-          <a:bodyPr wrap="square" rtlCol="0">
-            <a:spAutoFit/>
-          </a:bodyPr>
-          <a:lstStyle/>
-          <a:p>
-            <a:r>
-              <a:rPr lang="zh-CN" altLang="en-US" sz="1400" dirty="0" smtClean="0">
-                <a:latin typeface="SimSun" charset="-122"/>
-                <a:ea typeface="SimSun" charset="-122"/>
-                <a:cs typeface="SimSun" charset="-122"/>
-              </a:rPr>
-              <a:t>场景</a:t>
-            </a:r>
-            <a:r>
-              <a:rPr lang="zh-CN" altLang="en-US" sz="1400" dirty="0" smtClean="0">
-                <a:latin typeface="SimSun" charset="-122"/>
-                <a:ea typeface="SimSun" charset="-122"/>
-                <a:cs typeface="SimSun" charset="-122"/>
-              </a:rPr>
-              <a:t>层次</a:t>
-            </a:r>
-            <a:endParaRPr lang="en-US" sz="1400" dirty="0">
-              <a:latin typeface="SimSun" charset="-122"/>
-              <a:ea typeface="SimSun" charset="-122"/>
-              <a:cs typeface="SimSun" charset="-122"/>
-            </a:endParaRPr>
-          </a:p>
-        </p:txBody>
-      </p:sp>
-      <p:sp>
-        <p:nvSpPr>
-          <p:cNvPr id="87" name="TextBox 86"/>
-          <p:cNvSpPr txBox="1"/>
-          <p:nvPr/>
-        </p:nvSpPr>
-        <p:spPr>
-          <a:xfrm rot="19699575">
-            <a:off x="7397750" y="1592109"/>
-            <a:ext cx="931792" cy="307777"/>
-          </a:xfrm>
-          <a:prstGeom prst="rect">
-            <a:avLst/>
-          </a:prstGeom>
-          <a:noFill/>
-        </p:spPr>
-        <p:txBody>
-          <a:bodyPr wrap="square" rtlCol="0">
-            <a:spAutoFit/>
-          </a:bodyPr>
-          <a:lstStyle/>
-          <a:p>
-            <a:r>
-              <a:rPr lang="zh-CN" altLang="en-US" sz="1400" smtClean="0">
-                <a:latin typeface="SimSun" charset="-122"/>
-                <a:ea typeface="SimSun" charset="-122"/>
-                <a:cs typeface="SimSun" charset="-122"/>
-              </a:rPr>
-              <a:t>直接推理</a:t>
-            </a:r>
-            <a:endParaRPr lang="en-US" sz="1400" dirty="0">
-              <a:latin typeface="SimSun" charset="-122"/>
-              <a:ea typeface="SimSun" charset="-122"/>
-              <a:cs typeface="SimSun" charset="-122"/>
-            </a:endParaRPr>
-          </a:p>
-        </p:txBody>
-      </p:sp>
-      <p:sp>
-        <p:nvSpPr>
-          <p:cNvPr id="89" name="TextBox 88"/>
-          <p:cNvSpPr txBox="1"/>
-          <p:nvPr/>
-        </p:nvSpPr>
-        <p:spPr>
-          <a:xfrm rot="2021433">
-            <a:off x="8905522" y="1640412"/>
-            <a:ext cx="931792" cy="307777"/>
-          </a:xfrm>
-          <a:prstGeom prst="rect">
-            <a:avLst/>
-          </a:prstGeom>
-          <a:noFill/>
-        </p:spPr>
-        <p:txBody>
-          <a:bodyPr wrap="square" rtlCol="0">
-            <a:spAutoFit/>
-          </a:bodyPr>
-          <a:lstStyle/>
-          <a:p>
-            <a:r>
-              <a:rPr lang="zh-CN" altLang="en-US" sz="1400" dirty="0" smtClean="0">
-                <a:latin typeface="SimSun" charset="-122"/>
-                <a:ea typeface="SimSun" charset="-122"/>
-                <a:cs typeface="SimSun" charset="-122"/>
-              </a:rPr>
-              <a:t>间接推理</a:t>
-            </a:r>
-            <a:endParaRPr lang="en-US" sz="1400" dirty="0">
-              <a:latin typeface="SimSun" charset="-122"/>
-              <a:ea typeface="SimSun" charset="-122"/>
-              <a:cs typeface="SimSun" charset="-122"/>
-            </a:endParaRPr>
-          </a:p>
-        </p:txBody>
-      </p:sp>
     </p:spTree>
     <p:extLst>
       <p:ext uri="{BB962C8B-B14F-4D97-AF65-F5344CB8AC3E}">
